--- a/AccountX.pptx
+++ b/AccountX.pptx
@@ -1,24 +1,33 @@
 
 <file path=ppt/presentation.xml><?xml version="1.0" encoding="utf-8"?>
-<p:presentation xmlns:a="http://schemas.openxmlformats.org/drawingml/2006/main" xmlns:r="http://schemas.openxmlformats.org/officeDocument/2006/relationships" xmlns:mc="http://schemas.openxmlformats.org/markup-compatibility/2006" xmlns:mv="urn:schemas-microsoft-com:mac:vml" xmlns:p="http://schemas.openxmlformats.org/presentationml/2006/main" xmlns:c="http://schemas.openxmlformats.org/drawingml/2006/chart" xmlns:dgm="http://schemas.openxmlformats.org/drawingml/2006/diagram" xmlns:o="urn:schemas-microsoft-com:office:office" xmlns:v="urn:schemas-microsoft-com:vml" xmlns:pvml="urn:schemas-microsoft-com:office:powerpoint" xmlns:com="http://schemas.openxmlformats.org/drawingml/2006/compatibility" xmlns:p14="http://schemas.microsoft.com/office/powerpoint/2010/main" xmlns:p15="http://schemas.microsoft.com/office/powerpoint/2012/main" xmlns:ahyp="http://schemas.microsoft.com/office/drawing/2018/hyperlinkcolor" autoCompressPictures="0" strictFirstAndLastChars="0" saveSubsetFonts="1">
+<p:presentation xmlns:a="http://schemas.openxmlformats.org/drawingml/2006/main" xmlns:r="http://schemas.openxmlformats.org/officeDocument/2006/relationships" xmlns:p="http://schemas.openxmlformats.org/presentationml/2006/main" strictFirstAndLastChars="0" saveSubsetFonts="1" autoCompressPictures="0">
   <p:sldMasterIdLst>
-    <p:sldMasterId id="2147483659" r:id="rId4"/>
+    <p:sldMasterId id="2147483659" r:id="rId1"/>
   </p:sldMasterIdLst>
   <p:notesMasterIdLst>
-    <p:notesMasterId r:id="rId5"/>
+    <p:notesMasterId r:id="rId17"/>
   </p:notesMasterIdLst>
   <p:sldIdLst>
-    <p:sldId id="256" r:id="rId6"/>
-    <p:sldId id="257" r:id="rId7"/>
-    <p:sldId id="258" r:id="rId8"/>
-    <p:sldId id="259" r:id="rId9"/>
-    <p:sldId id="260" r:id="rId10"/>
-    <p:sldId id="261" r:id="rId11"/>
+    <p:sldId id="256" r:id="rId2"/>
+    <p:sldId id="257" r:id="rId3"/>
+    <p:sldId id="265" r:id="rId4"/>
+    <p:sldId id="258" r:id="rId5"/>
+    <p:sldId id="259" r:id="rId6"/>
+    <p:sldId id="260" r:id="rId7"/>
+    <p:sldId id="264" r:id="rId8"/>
+    <p:sldId id="262" r:id="rId9"/>
+    <p:sldId id="263" r:id="rId10"/>
+    <p:sldId id="266" r:id="rId11"/>
+    <p:sldId id="267" r:id="rId12"/>
+    <p:sldId id="268" r:id="rId13"/>
+    <p:sldId id="269" r:id="rId14"/>
+    <p:sldId id="270" r:id="rId15"/>
+    <p:sldId id="261" r:id="rId16"/>
   </p:sldIdLst>
-  <p:sldSz cy="5143500" cx="9144000"/>
+  <p:sldSz cx="9144000" cy="5143500" type="screen16x9"/>
   <p:notesSz cx="6858000" cy="9144000"/>
   <p:defaultTextStyle>
-    <a:defPPr lvl="0" marR="0" rtl="0" algn="l">
+    <a:defPPr marR="0" lvl="0" algn="l" rtl="0">
       <a:lnSpc>
         <a:spcPct val="100000"/>
       </a:lnSpc>
@@ -29,7 +38,7 @@
         <a:spcPts val="0"/>
       </a:spcAft>
     </a:defPPr>
-    <a:lvl1pPr lvl="0" marR="0" rtl="0" algn="l">
+    <a:lvl1pPr marR="0" lvl="0" algn="l" rtl="0">
       <a:lnSpc>
         <a:spcPct val="100000"/>
       </a:lnSpc>
@@ -43,7 +52,7 @@
         <a:srgbClr val="000000"/>
       </a:buClr>
       <a:buFont typeface="Arial"/>
-      <a:defRPr b="0" i="0" sz="1400" u="none" cap="none" strike="noStrike">
+      <a:defRPr sz="1400" b="0" i="0" u="none" strike="noStrike" cap="none">
         <a:solidFill>
           <a:srgbClr val="000000"/>
         </a:solidFill>
@@ -53,7 +62,7 @@
         <a:sym typeface="Arial"/>
       </a:defRPr>
     </a:lvl1pPr>
-    <a:lvl2pPr lvl="1" marR="0" rtl="0" algn="l">
+    <a:lvl2pPr marR="0" lvl="1" algn="l" rtl="0">
       <a:lnSpc>
         <a:spcPct val="100000"/>
       </a:lnSpc>
@@ -67,7 +76,7 @@
         <a:srgbClr val="000000"/>
       </a:buClr>
       <a:buFont typeface="Arial"/>
-      <a:defRPr b="0" i="0" sz="1400" u="none" cap="none" strike="noStrike">
+      <a:defRPr sz="1400" b="0" i="0" u="none" strike="noStrike" cap="none">
         <a:solidFill>
           <a:srgbClr val="000000"/>
         </a:solidFill>
@@ -77,7 +86,7 @@
         <a:sym typeface="Arial"/>
       </a:defRPr>
     </a:lvl2pPr>
-    <a:lvl3pPr lvl="2" marR="0" rtl="0" algn="l">
+    <a:lvl3pPr marR="0" lvl="2" algn="l" rtl="0">
       <a:lnSpc>
         <a:spcPct val="100000"/>
       </a:lnSpc>
@@ -91,7 +100,7 @@
         <a:srgbClr val="000000"/>
       </a:buClr>
       <a:buFont typeface="Arial"/>
-      <a:defRPr b="0" i="0" sz="1400" u="none" cap="none" strike="noStrike">
+      <a:defRPr sz="1400" b="0" i="0" u="none" strike="noStrike" cap="none">
         <a:solidFill>
           <a:srgbClr val="000000"/>
         </a:solidFill>
@@ -101,7 +110,7 @@
         <a:sym typeface="Arial"/>
       </a:defRPr>
     </a:lvl3pPr>
-    <a:lvl4pPr lvl="3" marR="0" rtl="0" algn="l">
+    <a:lvl4pPr marR="0" lvl="3" algn="l" rtl="0">
       <a:lnSpc>
         <a:spcPct val="100000"/>
       </a:lnSpc>
@@ -115,7 +124,7 @@
         <a:srgbClr val="000000"/>
       </a:buClr>
       <a:buFont typeface="Arial"/>
-      <a:defRPr b="0" i="0" sz="1400" u="none" cap="none" strike="noStrike">
+      <a:defRPr sz="1400" b="0" i="0" u="none" strike="noStrike" cap="none">
         <a:solidFill>
           <a:srgbClr val="000000"/>
         </a:solidFill>
@@ -125,7 +134,7 @@
         <a:sym typeface="Arial"/>
       </a:defRPr>
     </a:lvl4pPr>
-    <a:lvl5pPr lvl="4" marR="0" rtl="0" algn="l">
+    <a:lvl5pPr marR="0" lvl="4" algn="l" rtl="0">
       <a:lnSpc>
         <a:spcPct val="100000"/>
       </a:lnSpc>
@@ -139,7 +148,7 @@
         <a:srgbClr val="000000"/>
       </a:buClr>
       <a:buFont typeface="Arial"/>
-      <a:defRPr b="0" i="0" sz="1400" u="none" cap="none" strike="noStrike">
+      <a:defRPr sz="1400" b="0" i="0" u="none" strike="noStrike" cap="none">
         <a:solidFill>
           <a:srgbClr val="000000"/>
         </a:solidFill>
@@ -149,7 +158,7 @@
         <a:sym typeface="Arial"/>
       </a:defRPr>
     </a:lvl5pPr>
-    <a:lvl6pPr lvl="5" marR="0" rtl="0" algn="l">
+    <a:lvl6pPr marR="0" lvl="5" algn="l" rtl="0">
       <a:lnSpc>
         <a:spcPct val="100000"/>
       </a:lnSpc>
@@ -163,7 +172,7 @@
         <a:srgbClr val="000000"/>
       </a:buClr>
       <a:buFont typeface="Arial"/>
-      <a:defRPr b="0" i="0" sz="1400" u="none" cap="none" strike="noStrike">
+      <a:defRPr sz="1400" b="0" i="0" u="none" strike="noStrike" cap="none">
         <a:solidFill>
           <a:srgbClr val="000000"/>
         </a:solidFill>
@@ -173,7 +182,7 @@
         <a:sym typeface="Arial"/>
       </a:defRPr>
     </a:lvl6pPr>
-    <a:lvl7pPr lvl="6" marR="0" rtl="0" algn="l">
+    <a:lvl7pPr marR="0" lvl="6" algn="l" rtl="0">
       <a:lnSpc>
         <a:spcPct val="100000"/>
       </a:lnSpc>
@@ -187,7 +196,7 @@
         <a:srgbClr val="000000"/>
       </a:buClr>
       <a:buFont typeface="Arial"/>
-      <a:defRPr b="0" i="0" sz="1400" u="none" cap="none" strike="noStrike">
+      <a:defRPr sz="1400" b="0" i="0" u="none" strike="noStrike" cap="none">
         <a:solidFill>
           <a:srgbClr val="000000"/>
         </a:solidFill>
@@ -197,7 +206,7 @@
         <a:sym typeface="Arial"/>
       </a:defRPr>
     </a:lvl7pPr>
-    <a:lvl8pPr lvl="7" marR="0" rtl="0" algn="l">
+    <a:lvl8pPr marR="0" lvl="7" algn="l" rtl="0">
       <a:lnSpc>
         <a:spcPct val="100000"/>
       </a:lnSpc>
@@ -211,7 +220,7 @@
         <a:srgbClr val="000000"/>
       </a:buClr>
       <a:buFont typeface="Arial"/>
-      <a:defRPr b="0" i="0" sz="1400" u="none" cap="none" strike="noStrike">
+      <a:defRPr sz="1400" b="0" i="0" u="none" strike="noStrike" cap="none">
         <a:solidFill>
           <a:srgbClr val="000000"/>
         </a:solidFill>
@@ -221,7 +230,7 @@
         <a:sym typeface="Arial"/>
       </a:defRPr>
     </a:lvl8pPr>
-    <a:lvl9pPr lvl="8" marR="0" rtl="0" algn="l">
+    <a:lvl9pPr marR="0" lvl="8" algn="l" rtl="0">
       <a:lnSpc>
         <a:spcPct val="100000"/>
       </a:lnSpc>
@@ -235,7 +244,7 @@
         <a:srgbClr val="000000"/>
       </a:buClr>
       <a:buFont typeface="Arial"/>
-      <a:defRPr b="0" i="0" sz="1400" u="none" cap="none" strike="noStrike">
+      <a:defRPr sz="1400" b="0" i="0" u="none" strike="noStrike" cap="none">
         <a:solidFill>
           <a:srgbClr val="000000"/>
         </a:solidFill>
@@ -248,7 +257,7 @@
   </p:defaultTextStyle>
   <p:extLst>
     <p:ext uri="{EFAFB233-063F-42B5-8137-9DF3F51BA10A}">
-      <p15:sldGuideLst>
+      <p15:sldGuideLst xmlns:p15="http://schemas.microsoft.com/office/powerpoint/2012/main">
         <p15:guide id="1" orient="horz" pos="1620">
           <p15:clr>
             <a:srgbClr val="A4A3A4"/>
@@ -266,11 +275,16 @@
 </file>
 
 <file path=ppt/notesMasters/notesMaster1.xml><?xml version="1.0" encoding="utf-8"?>
-<p:notesMaster xmlns:a="http://schemas.openxmlformats.org/drawingml/2006/main" xmlns:r="http://schemas.openxmlformats.org/officeDocument/2006/relationships" xmlns:mc="http://schemas.openxmlformats.org/markup-compatibility/2006" xmlns:mv="urn:schemas-microsoft-com:mac:vml" xmlns:p="http://schemas.openxmlformats.org/presentationml/2006/main" xmlns:c="http://schemas.openxmlformats.org/drawingml/2006/chart" xmlns:dgm="http://schemas.openxmlformats.org/drawingml/2006/diagram" xmlns:o="urn:schemas-microsoft-com:office:office" xmlns:v="urn:schemas-microsoft-com:vml" xmlns:pvml="urn:schemas-microsoft-com:office:powerpoint" xmlns:com="http://schemas.openxmlformats.org/drawingml/2006/compatibility" xmlns:p14="http://schemas.microsoft.com/office/powerpoint/2010/main" xmlns:p15="http://schemas.microsoft.com/office/powerpoint/2012/main" xmlns:ahyp="http://schemas.microsoft.com/office/drawing/2018/hyperlinkcolor">
+<p:notesMaster xmlns:a="http://schemas.openxmlformats.org/drawingml/2006/main" xmlns:r="http://schemas.openxmlformats.org/officeDocument/2006/relationships" xmlns:p="http://schemas.openxmlformats.org/presentationml/2006/main">
   <p:cSld>
+    <p:bg>
+      <p:bgRef idx="1001">
+        <a:schemeClr val="bg1"/>
+      </p:bgRef>
+    </p:bg>
     <p:spTree>
       <p:nvGrpSpPr>
-        <p:cNvPr id="2" name="Shape 2"/>
+        <p:cNvPr id="1" name="Shape 2"/>
         <p:cNvGrpSpPr/>
         <p:nvPr/>
       </p:nvGrpSpPr>
@@ -285,9 +299,11 @@
       <p:sp>
         <p:nvSpPr>
           <p:cNvPr id="3" name="Google Shape;3;n"/>
-          <p:cNvSpPr/>
+          <p:cNvSpPr>
+            <a:spLocks noGrp="1" noRot="1" noChangeAspect="1"/>
+          </p:cNvSpPr>
           <p:nvPr>
-            <p:ph idx="2" type="sldImg"/>
+            <p:ph type="sldImg" idx="2"/>
           </p:nvPr>
         </p:nvSpPr>
         <p:spPr>
@@ -296,9 +312,13 @@
             <a:ext cx="6096075" cy="3429000"/>
           </a:xfrm>
           <a:custGeom>
-            <a:rect b="b" l="l" r="r" t="t"/>
+            <a:avLst/>
+            <a:gdLst/>
+            <a:ahLst/>
+            <a:cxnLst/>
+            <a:rect l="l" t="t" r="r" b="b"/>
             <a:pathLst>
-              <a:path extrusionOk="0" h="120000" w="120000">
+              <a:path w="120000" h="120000" extrusionOk="0">
                 <a:moveTo>
                   <a:pt x="0" y="0"/>
                 </a:moveTo>
@@ -316,23 +336,25 @@
             </a:pathLst>
           </a:custGeom>
           <a:noFill/>
-          <a:ln cap="flat" cmpd="sng" w="9525">
+          <a:ln w="9525" cap="flat" cmpd="sng">
             <a:solidFill>
               <a:srgbClr val="000000"/>
             </a:solidFill>
             <a:prstDash val="solid"/>
             <a:round/>
-            <a:headEnd len="sm" w="sm" type="none"/>
-            <a:tailEnd len="sm" w="sm" type="none"/>
+            <a:headEnd type="none" w="sm" len="sm"/>
+            <a:tailEnd type="none" w="sm" len="sm"/>
           </a:ln>
         </p:spPr>
       </p:sp>
       <p:sp>
         <p:nvSpPr>
           <p:cNvPr id="4" name="Google Shape;4;n"/>
-          <p:cNvSpPr txBox="1"/>
+          <p:cNvSpPr txBox="1">
+            <a:spLocks noGrp="1"/>
+          </p:cNvSpPr>
           <p:nvPr>
-            <p:ph idx="1" type="body"/>
+            <p:ph type="body" idx="1"/>
           </p:nvPr>
         </p:nvSpPr>
         <p:spPr>
@@ -349,11 +371,11 @@
           </a:ln>
         </p:spPr>
         <p:txBody>
-          <a:bodyPr anchorCtr="0" anchor="t" bIns="91425" lIns="91425" spcFirstLastPara="1" rIns="91425" wrap="square" tIns="91425">
+          <a:bodyPr spcFirstLastPara="1" wrap="square" lIns="91425" tIns="91425" rIns="91425" bIns="91425" anchor="t" anchorCtr="0">
             <a:noAutofit/>
           </a:bodyPr>
           <a:lstStyle>
-            <a:lvl1pPr indent="-298450" lvl="0" marL="457200">
+            <a:lvl1pPr marL="457200" lvl="0" indent="-298450">
               <a:spcBef>
                 <a:spcPts val="0"/>
               </a:spcBef>
@@ -364,7 +386,7 @@
               <a:buChar char="●"/>
               <a:defRPr sz="1100"/>
             </a:lvl1pPr>
-            <a:lvl2pPr indent="-298450" lvl="1" marL="914400">
+            <a:lvl2pPr marL="914400" lvl="1" indent="-298450">
               <a:spcBef>
                 <a:spcPts val="0"/>
               </a:spcBef>
@@ -375,7 +397,7 @@
               <a:buChar char="○"/>
               <a:defRPr sz="1100"/>
             </a:lvl2pPr>
-            <a:lvl3pPr indent="-298450" lvl="2" marL="1371600">
+            <a:lvl3pPr marL="1371600" lvl="2" indent="-298450">
               <a:spcBef>
                 <a:spcPts val="0"/>
               </a:spcBef>
@@ -386,7 +408,7 @@
               <a:buChar char="■"/>
               <a:defRPr sz="1100"/>
             </a:lvl3pPr>
-            <a:lvl4pPr indent="-298450" lvl="3" marL="1828800">
+            <a:lvl4pPr marL="1828800" lvl="3" indent="-298450">
               <a:spcBef>
                 <a:spcPts val="0"/>
               </a:spcBef>
@@ -397,7 +419,7 @@
               <a:buChar char="●"/>
               <a:defRPr sz="1100"/>
             </a:lvl4pPr>
-            <a:lvl5pPr indent="-298450" lvl="4" marL="2286000">
+            <a:lvl5pPr marL="2286000" lvl="4" indent="-298450">
               <a:spcBef>
                 <a:spcPts val="0"/>
               </a:spcBef>
@@ -408,7 +430,7 @@
               <a:buChar char="○"/>
               <a:defRPr sz="1100"/>
             </a:lvl5pPr>
-            <a:lvl6pPr indent="-298450" lvl="5" marL="2743200">
+            <a:lvl6pPr marL="2743200" lvl="5" indent="-298450">
               <a:spcBef>
                 <a:spcPts val="0"/>
               </a:spcBef>
@@ -419,7 +441,7 @@
               <a:buChar char="■"/>
               <a:defRPr sz="1100"/>
             </a:lvl6pPr>
-            <a:lvl7pPr indent="-298450" lvl="6" marL="3200400">
+            <a:lvl7pPr marL="3200400" lvl="6" indent="-298450">
               <a:spcBef>
                 <a:spcPts val="0"/>
               </a:spcBef>
@@ -430,7 +452,7 @@
               <a:buChar char="●"/>
               <a:defRPr sz="1100"/>
             </a:lvl7pPr>
-            <a:lvl8pPr indent="-298450" lvl="7" marL="3657600">
+            <a:lvl8pPr marL="3657600" lvl="7" indent="-298450">
               <a:spcBef>
                 <a:spcPts val="0"/>
               </a:spcBef>
@@ -441,7 +463,7 @@
               <a:buChar char="○"/>
               <a:defRPr sz="1100"/>
             </a:lvl8pPr>
-            <a:lvl9pPr indent="-298450" lvl="8" marL="4114800">
+            <a:lvl9pPr marL="4114800" lvl="8" indent="-298450">
               <a:spcBef>
                 <a:spcPts val="0"/>
               </a:spcBef>
@@ -453,14 +475,16 @@
               <a:defRPr sz="1100"/>
             </a:lvl9pPr>
           </a:lstStyle>
-          <a:p/>
+          <a:p>
+            <a:endParaRPr/>
+          </a:p>
         </p:txBody>
       </p:sp>
     </p:spTree>
   </p:cSld>
-  <p:clrMap accent1="accent1" accent2="accent2" accent3="accent3" accent4="accent4" accent5="accent5" accent6="accent6" bg1="lt1" bg2="dk2" tx1="dk1" tx2="lt2" folHlink="folHlink" hlink="hlink"/>
+  <p:clrMap bg1="lt1" tx1="dk1" bg2="dk2" tx2="lt2" accent1="accent1" accent2="accent2" accent3="accent3" accent4="accent4" accent5="accent5" accent6="accent6" hlink="hlink" folHlink="folHlink"/>
   <p:notesStyle>
-    <a:defPPr lvl="0" marR="0" rtl="0" algn="l">
+    <a:defPPr marR="0" lvl="0" algn="l" rtl="0">
       <a:lnSpc>
         <a:spcPct val="100000"/>
       </a:lnSpc>
@@ -471,7 +495,7 @@
         <a:spcPts val="0"/>
       </a:spcAft>
     </a:defPPr>
-    <a:lvl1pPr lvl="0" marR="0" rtl="0" algn="l">
+    <a:lvl1pPr marR="0" lvl="0" algn="l" rtl="0">
       <a:lnSpc>
         <a:spcPct val="100000"/>
       </a:lnSpc>
@@ -485,7 +509,7 @@
         <a:srgbClr val="000000"/>
       </a:buClr>
       <a:buFont typeface="Arial"/>
-      <a:defRPr b="0" i="0" sz="1400" u="none" cap="none" strike="noStrike">
+      <a:defRPr sz="1400" b="0" i="0" u="none" strike="noStrike" cap="none">
         <a:solidFill>
           <a:srgbClr val="000000"/>
         </a:solidFill>
@@ -495,7 +519,7 @@
         <a:sym typeface="Arial"/>
       </a:defRPr>
     </a:lvl1pPr>
-    <a:lvl2pPr lvl="1" marR="0" rtl="0" algn="l">
+    <a:lvl2pPr marR="0" lvl="1" algn="l" rtl="0">
       <a:lnSpc>
         <a:spcPct val="100000"/>
       </a:lnSpc>
@@ -509,7 +533,7 @@
         <a:srgbClr val="000000"/>
       </a:buClr>
       <a:buFont typeface="Arial"/>
-      <a:defRPr b="0" i="0" sz="1400" u="none" cap="none" strike="noStrike">
+      <a:defRPr sz="1400" b="0" i="0" u="none" strike="noStrike" cap="none">
         <a:solidFill>
           <a:srgbClr val="000000"/>
         </a:solidFill>
@@ -519,7 +543,7 @@
         <a:sym typeface="Arial"/>
       </a:defRPr>
     </a:lvl2pPr>
-    <a:lvl3pPr lvl="2" marR="0" rtl="0" algn="l">
+    <a:lvl3pPr marR="0" lvl="2" algn="l" rtl="0">
       <a:lnSpc>
         <a:spcPct val="100000"/>
       </a:lnSpc>
@@ -533,7 +557,7 @@
         <a:srgbClr val="000000"/>
       </a:buClr>
       <a:buFont typeface="Arial"/>
-      <a:defRPr b="0" i="0" sz="1400" u="none" cap="none" strike="noStrike">
+      <a:defRPr sz="1400" b="0" i="0" u="none" strike="noStrike" cap="none">
         <a:solidFill>
           <a:srgbClr val="000000"/>
         </a:solidFill>
@@ -543,7 +567,7 @@
         <a:sym typeface="Arial"/>
       </a:defRPr>
     </a:lvl3pPr>
-    <a:lvl4pPr lvl="3" marR="0" rtl="0" algn="l">
+    <a:lvl4pPr marR="0" lvl="3" algn="l" rtl="0">
       <a:lnSpc>
         <a:spcPct val="100000"/>
       </a:lnSpc>
@@ -557,7 +581,7 @@
         <a:srgbClr val="000000"/>
       </a:buClr>
       <a:buFont typeface="Arial"/>
-      <a:defRPr b="0" i="0" sz="1400" u="none" cap="none" strike="noStrike">
+      <a:defRPr sz="1400" b="0" i="0" u="none" strike="noStrike" cap="none">
         <a:solidFill>
           <a:srgbClr val="000000"/>
         </a:solidFill>
@@ -567,7 +591,7 @@
         <a:sym typeface="Arial"/>
       </a:defRPr>
     </a:lvl4pPr>
-    <a:lvl5pPr lvl="4" marR="0" rtl="0" algn="l">
+    <a:lvl5pPr marR="0" lvl="4" algn="l" rtl="0">
       <a:lnSpc>
         <a:spcPct val="100000"/>
       </a:lnSpc>
@@ -581,7 +605,7 @@
         <a:srgbClr val="000000"/>
       </a:buClr>
       <a:buFont typeface="Arial"/>
-      <a:defRPr b="0" i="0" sz="1400" u="none" cap="none" strike="noStrike">
+      <a:defRPr sz="1400" b="0" i="0" u="none" strike="noStrike" cap="none">
         <a:solidFill>
           <a:srgbClr val="000000"/>
         </a:solidFill>
@@ -591,7 +615,7 @@
         <a:sym typeface="Arial"/>
       </a:defRPr>
     </a:lvl5pPr>
-    <a:lvl6pPr lvl="5" marR="0" rtl="0" algn="l">
+    <a:lvl6pPr marR="0" lvl="5" algn="l" rtl="0">
       <a:lnSpc>
         <a:spcPct val="100000"/>
       </a:lnSpc>
@@ -605,7 +629,7 @@
         <a:srgbClr val="000000"/>
       </a:buClr>
       <a:buFont typeface="Arial"/>
-      <a:defRPr b="0" i="0" sz="1400" u="none" cap="none" strike="noStrike">
+      <a:defRPr sz="1400" b="0" i="0" u="none" strike="noStrike" cap="none">
         <a:solidFill>
           <a:srgbClr val="000000"/>
         </a:solidFill>
@@ -615,7 +639,7 @@
         <a:sym typeface="Arial"/>
       </a:defRPr>
     </a:lvl6pPr>
-    <a:lvl7pPr lvl="6" marR="0" rtl="0" algn="l">
+    <a:lvl7pPr marR="0" lvl="6" algn="l" rtl="0">
       <a:lnSpc>
         <a:spcPct val="100000"/>
       </a:lnSpc>
@@ -629,7 +653,7 @@
         <a:srgbClr val="000000"/>
       </a:buClr>
       <a:buFont typeface="Arial"/>
-      <a:defRPr b="0" i="0" sz="1400" u="none" cap="none" strike="noStrike">
+      <a:defRPr sz="1400" b="0" i="0" u="none" strike="noStrike" cap="none">
         <a:solidFill>
           <a:srgbClr val="000000"/>
         </a:solidFill>
@@ -639,7 +663,7 @@
         <a:sym typeface="Arial"/>
       </a:defRPr>
     </a:lvl7pPr>
-    <a:lvl8pPr lvl="7" marR="0" rtl="0" algn="l">
+    <a:lvl8pPr marR="0" lvl="7" algn="l" rtl="0">
       <a:lnSpc>
         <a:spcPct val="100000"/>
       </a:lnSpc>
@@ -653,7 +677,7 @@
         <a:srgbClr val="000000"/>
       </a:buClr>
       <a:buFont typeface="Arial"/>
-      <a:defRPr b="0" i="0" sz="1400" u="none" cap="none" strike="noStrike">
+      <a:defRPr sz="1400" b="0" i="0" u="none" strike="noStrike" cap="none">
         <a:solidFill>
           <a:srgbClr val="000000"/>
         </a:solidFill>
@@ -663,7 +687,7 @@
         <a:sym typeface="Arial"/>
       </a:defRPr>
     </a:lvl8pPr>
-    <a:lvl9pPr lvl="8" marR="0" rtl="0" algn="l">
+    <a:lvl9pPr marR="0" lvl="8" algn="l" rtl="0">
       <a:lnSpc>
         <a:spcPct val="100000"/>
       </a:lnSpc>
@@ -677,7 +701,7 @@
         <a:srgbClr val="000000"/>
       </a:buClr>
       <a:buFont typeface="Arial"/>
-      <a:defRPr b="0" i="0" sz="1400" u="none" cap="none" strike="noStrike">
+      <a:defRPr sz="1400" b="0" i="0" u="none" strike="noStrike" cap="none">
         <a:solidFill>
           <a:srgbClr val="000000"/>
         </a:solidFill>
@@ -692,11 +716,11 @@
 </file>
 
 <file path=ppt/notesSlides/notesSlide1.xml><?xml version="1.0" encoding="utf-8"?>
-<p:notes xmlns:a="http://schemas.openxmlformats.org/drawingml/2006/main" xmlns:r="http://schemas.openxmlformats.org/officeDocument/2006/relationships" xmlns:mc="http://schemas.openxmlformats.org/markup-compatibility/2006" xmlns:mv="urn:schemas-microsoft-com:mac:vml" xmlns:p="http://schemas.openxmlformats.org/presentationml/2006/main" xmlns:c="http://schemas.openxmlformats.org/drawingml/2006/chart" xmlns:dgm="http://schemas.openxmlformats.org/drawingml/2006/diagram" xmlns:o="urn:schemas-microsoft-com:office:office" xmlns:v="urn:schemas-microsoft-com:vml" xmlns:pvml="urn:schemas-microsoft-com:office:powerpoint" xmlns:com="http://schemas.openxmlformats.org/drawingml/2006/compatibility" xmlns:p14="http://schemas.microsoft.com/office/powerpoint/2010/main" xmlns:p15="http://schemas.microsoft.com/office/powerpoint/2012/main" xmlns:ahyp="http://schemas.microsoft.com/office/drawing/2018/hyperlinkcolor" showMasterPhAnim="0" showMasterSp="0">
+<p:notes xmlns:a="http://schemas.openxmlformats.org/drawingml/2006/main" xmlns:r="http://schemas.openxmlformats.org/officeDocument/2006/relationships" xmlns:p="http://schemas.openxmlformats.org/presentationml/2006/main" showMasterSp="0" showMasterPhAnim="0">
   <p:cSld>
     <p:spTree>
       <p:nvGrpSpPr>
-        <p:cNvPr id="51" name="Shape 51"/>
+        <p:cNvPr id="1" name="Shape 51"/>
         <p:cNvGrpSpPr/>
         <p:nvPr/>
       </p:nvGrpSpPr>
@@ -711,9 +735,11 @@
       <p:sp>
         <p:nvSpPr>
           <p:cNvPr id="52" name="Google Shape;52;p:notes"/>
-          <p:cNvSpPr/>
+          <p:cNvSpPr>
+            <a:spLocks noGrp="1" noRot="1" noChangeAspect="1"/>
+          </p:cNvSpPr>
           <p:nvPr>
-            <p:ph idx="2" type="sldImg"/>
+            <p:ph type="sldImg" idx="2"/>
           </p:nvPr>
         </p:nvSpPr>
         <p:spPr>
@@ -722,9 +748,13 @@
             <a:ext cx="6096075" cy="3429000"/>
           </a:xfrm>
           <a:custGeom>
-            <a:rect b="b" l="l" r="r" t="t"/>
+            <a:avLst/>
+            <a:gdLst/>
+            <a:ahLst/>
+            <a:cxnLst/>
+            <a:rect l="l" t="t" r="r" b="b"/>
             <a:pathLst>
-              <a:path extrusionOk="0" h="120000" w="120000">
+              <a:path w="120000" h="120000" extrusionOk="0">
                 <a:moveTo>
                   <a:pt x="0" y="0"/>
                 </a:moveTo>
@@ -746,9 +776,11 @@
       <p:sp>
         <p:nvSpPr>
           <p:cNvPr id="53" name="Google Shape;53;p:notes"/>
-          <p:cNvSpPr txBox="1"/>
+          <p:cNvSpPr txBox="1">
+            <a:spLocks noGrp="1"/>
+          </p:cNvSpPr>
           <p:nvPr>
-            <p:ph idx="1" type="body"/>
+            <p:ph type="body" idx="1"/>
           </p:nvPr>
         </p:nvSpPr>
         <p:spPr>
@@ -761,12 +793,12 @@
           </a:prstGeom>
         </p:spPr>
         <p:txBody>
-          <a:bodyPr anchorCtr="0" anchor="t" bIns="91425" lIns="91425" spcFirstLastPara="1" rIns="91425" wrap="square" tIns="91425">
+          <a:bodyPr spcFirstLastPara="1" wrap="square" lIns="91425" tIns="91425" rIns="91425" bIns="91425" anchor="t" anchorCtr="0">
             <a:noAutofit/>
           </a:bodyPr>
           <a:lstStyle/>
           <a:p>
-            <a:pPr indent="0" lvl="0" marL="0" rtl="0" algn="l">
+            <a:pPr marL="0" lvl="0" indent="0" algn="l" rtl="0">
               <a:spcBef>
                 <a:spcPts val="0"/>
               </a:spcBef>
@@ -775,9 +807,6 @@
               </a:spcAft>
               <a:buNone/>
             </a:pPr>
-            <a:r>
-              <a:t/>
-            </a:r>
             <a:endParaRPr/>
           </a:p>
         </p:txBody>
@@ -791,11 +820,11 @@
 </file>
 
 <file path=ppt/notesSlides/notesSlide2.xml><?xml version="1.0" encoding="utf-8"?>
-<p:notes xmlns:a="http://schemas.openxmlformats.org/drawingml/2006/main" xmlns:r="http://schemas.openxmlformats.org/officeDocument/2006/relationships" xmlns:mc="http://schemas.openxmlformats.org/markup-compatibility/2006" xmlns:mv="urn:schemas-microsoft-com:mac:vml" xmlns:p="http://schemas.openxmlformats.org/presentationml/2006/main" xmlns:c="http://schemas.openxmlformats.org/drawingml/2006/chart" xmlns:dgm="http://schemas.openxmlformats.org/drawingml/2006/diagram" xmlns:o="urn:schemas-microsoft-com:office:office" xmlns:v="urn:schemas-microsoft-com:vml" xmlns:pvml="urn:schemas-microsoft-com:office:powerpoint" xmlns:com="http://schemas.openxmlformats.org/drawingml/2006/compatibility" xmlns:p14="http://schemas.microsoft.com/office/powerpoint/2010/main" xmlns:p15="http://schemas.microsoft.com/office/powerpoint/2012/main" xmlns:ahyp="http://schemas.microsoft.com/office/drawing/2018/hyperlinkcolor" showMasterPhAnim="0" showMasterSp="0">
+<p:notes xmlns:a="http://schemas.openxmlformats.org/drawingml/2006/main" xmlns:r="http://schemas.openxmlformats.org/officeDocument/2006/relationships" xmlns:p="http://schemas.openxmlformats.org/presentationml/2006/main" showMasterSp="0" showMasterPhAnim="0">
   <p:cSld>
     <p:spTree>
       <p:nvGrpSpPr>
-        <p:cNvPr id="58" name="Shape 58"/>
+        <p:cNvPr id="1" name="Shape 58"/>
         <p:cNvGrpSpPr/>
         <p:nvPr/>
       </p:nvGrpSpPr>
@@ -810,9 +839,11 @@
       <p:sp>
         <p:nvSpPr>
           <p:cNvPr id="59" name="Google Shape;59;g20254a979bc_0_5:notes"/>
-          <p:cNvSpPr/>
+          <p:cNvSpPr>
+            <a:spLocks noGrp="1" noRot="1" noChangeAspect="1"/>
+          </p:cNvSpPr>
           <p:nvPr>
-            <p:ph idx="2" type="sldImg"/>
+            <p:ph type="sldImg" idx="2"/>
           </p:nvPr>
         </p:nvSpPr>
         <p:spPr>
@@ -821,9 +852,13 @@
             <a:ext cx="6096000" cy="3429000"/>
           </a:xfrm>
           <a:custGeom>
-            <a:rect b="b" l="l" r="r" t="t"/>
+            <a:avLst/>
+            <a:gdLst/>
+            <a:ahLst/>
+            <a:cxnLst/>
+            <a:rect l="l" t="t" r="r" b="b"/>
             <a:pathLst>
-              <a:path extrusionOk="0" h="120000" w="120000">
+              <a:path w="120000" h="120000" extrusionOk="0">
                 <a:moveTo>
                   <a:pt x="0" y="0"/>
                 </a:moveTo>
@@ -845,9 +880,11 @@
       <p:sp>
         <p:nvSpPr>
           <p:cNvPr id="60" name="Google Shape;60;g20254a979bc_0_5:notes"/>
-          <p:cNvSpPr txBox="1"/>
+          <p:cNvSpPr txBox="1">
+            <a:spLocks noGrp="1"/>
+          </p:cNvSpPr>
           <p:nvPr>
-            <p:ph idx="1" type="body"/>
+            <p:ph type="body" idx="1"/>
           </p:nvPr>
         </p:nvSpPr>
         <p:spPr>
@@ -860,12 +897,12 @@
           </a:prstGeom>
         </p:spPr>
         <p:txBody>
-          <a:bodyPr anchorCtr="0" anchor="t" bIns="91425" lIns="91425" spcFirstLastPara="1" rIns="91425" wrap="square" tIns="91425">
+          <a:bodyPr spcFirstLastPara="1" wrap="square" lIns="91425" tIns="91425" rIns="91425" bIns="91425" anchor="t" anchorCtr="0">
             <a:noAutofit/>
           </a:bodyPr>
           <a:lstStyle/>
           <a:p>
-            <a:pPr indent="0" lvl="0" marL="0" rtl="0" algn="l">
+            <a:pPr marL="0" lvl="0" indent="0" algn="l" rtl="0">
               <a:spcBef>
                 <a:spcPts val="0"/>
               </a:spcBef>
@@ -874,9 +911,6 @@
               </a:spcAft>
               <a:buNone/>
             </a:pPr>
-            <a:r>
-              <a:t/>
-            </a:r>
             <a:endParaRPr/>
           </a:p>
         </p:txBody>
@@ -890,11 +924,11 @@
 </file>
 
 <file path=ppt/notesSlides/notesSlide3.xml><?xml version="1.0" encoding="utf-8"?>
-<p:notes xmlns:a="http://schemas.openxmlformats.org/drawingml/2006/main" xmlns:r="http://schemas.openxmlformats.org/officeDocument/2006/relationships" xmlns:mc="http://schemas.openxmlformats.org/markup-compatibility/2006" xmlns:mv="urn:schemas-microsoft-com:mac:vml" xmlns:p="http://schemas.openxmlformats.org/presentationml/2006/main" xmlns:c="http://schemas.openxmlformats.org/drawingml/2006/chart" xmlns:dgm="http://schemas.openxmlformats.org/drawingml/2006/diagram" xmlns:o="urn:schemas-microsoft-com:office:office" xmlns:v="urn:schemas-microsoft-com:vml" xmlns:pvml="urn:schemas-microsoft-com:office:powerpoint" xmlns:com="http://schemas.openxmlformats.org/drawingml/2006/compatibility" xmlns:p14="http://schemas.microsoft.com/office/powerpoint/2010/main" xmlns:p15="http://schemas.microsoft.com/office/powerpoint/2012/main" xmlns:ahyp="http://schemas.microsoft.com/office/drawing/2018/hyperlinkcolor" showMasterPhAnim="0" showMasterSp="0">
+<p:notes xmlns:a="http://schemas.openxmlformats.org/drawingml/2006/main" xmlns:r="http://schemas.openxmlformats.org/officeDocument/2006/relationships" xmlns:p="http://schemas.openxmlformats.org/presentationml/2006/main" showMasterSp="0" showMasterPhAnim="0">
   <p:cSld>
     <p:spTree>
       <p:nvGrpSpPr>
-        <p:cNvPr id="64" name="Shape 64"/>
+        <p:cNvPr id="1" name="Shape 64"/>
         <p:cNvGrpSpPr/>
         <p:nvPr/>
       </p:nvGrpSpPr>
@@ -909,9 +943,11 @@
       <p:sp>
         <p:nvSpPr>
           <p:cNvPr id="65" name="Google Shape;65;g15723e4c015_0_331:notes"/>
-          <p:cNvSpPr/>
+          <p:cNvSpPr>
+            <a:spLocks noGrp="1" noRot="1" noChangeAspect="1"/>
+          </p:cNvSpPr>
           <p:nvPr>
-            <p:ph idx="2" type="sldImg"/>
+            <p:ph type="sldImg" idx="2"/>
           </p:nvPr>
         </p:nvSpPr>
         <p:spPr>
@@ -920,9 +956,13 @@
             <a:ext cx="6096000" cy="3429000"/>
           </a:xfrm>
           <a:custGeom>
-            <a:rect b="b" l="l" r="r" t="t"/>
+            <a:avLst/>
+            <a:gdLst/>
+            <a:ahLst/>
+            <a:cxnLst/>
+            <a:rect l="l" t="t" r="r" b="b"/>
             <a:pathLst>
-              <a:path extrusionOk="0" h="120000" w="120000">
+              <a:path w="120000" h="120000" extrusionOk="0">
                 <a:moveTo>
                   <a:pt x="0" y="0"/>
                 </a:moveTo>
@@ -944,9 +984,11 @@
       <p:sp>
         <p:nvSpPr>
           <p:cNvPr id="66" name="Google Shape;66;g15723e4c015_0_331:notes"/>
-          <p:cNvSpPr txBox="1"/>
+          <p:cNvSpPr txBox="1">
+            <a:spLocks noGrp="1"/>
+          </p:cNvSpPr>
           <p:nvPr>
-            <p:ph idx="1" type="body"/>
+            <p:ph type="body" idx="1"/>
           </p:nvPr>
         </p:nvSpPr>
         <p:spPr>
@@ -959,12 +1001,12 @@
           </a:prstGeom>
         </p:spPr>
         <p:txBody>
-          <a:bodyPr anchorCtr="0" anchor="t" bIns="91425" lIns="91425" spcFirstLastPara="1" rIns="91425" wrap="square" tIns="91425">
+          <a:bodyPr spcFirstLastPara="1" wrap="square" lIns="91425" tIns="91425" rIns="91425" bIns="91425" anchor="t" anchorCtr="0">
             <a:noAutofit/>
           </a:bodyPr>
           <a:lstStyle/>
           <a:p>
-            <a:pPr indent="0" lvl="0" marL="0" rtl="0" algn="l">
+            <a:pPr marL="0" lvl="0" indent="0" algn="l" rtl="0">
               <a:spcBef>
                 <a:spcPts val="0"/>
               </a:spcBef>
@@ -973,9 +1015,6 @@
               </a:spcAft>
               <a:buNone/>
             </a:pPr>
-            <a:r>
-              <a:t/>
-            </a:r>
             <a:endParaRPr/>
           </a:p>
         </p:txBody>
@@ -989,11 +1028,11 @@
 </file>
 
 <file path=ppt/notesSlides/notesSlide4.xml><?xml version="1.0" encoding="utf-8"?>
-<p:notes xmlns:a="http://schemas.openxmlformats.org/drawingml/2006/main" xmlns:r="http://schemas.openxmlformats.org/officeDocument/2006/relationships" xmlns:mc="http://schemas.openxmlformats.org/markup-compatibility/2006" xmlns:mv="urn:schemas-microsoft-com:mac:vml" xmlns:p="http://schemas.openxmlformats.org/presentationml/2006/main" xmlns:c="http://schemas.openxmlformats.org/drawingml/2006/chart" xmlns:dgm="http://schemas.openxmlformats.org/drawingml/2006/diagram" xmlns:o="urn:schemas-microsoft-com:office:office" xmlns:v="urn:schemas-microsoft-com:vml" xmlns:pvml="urn:schemas-microsoft-com:office:powerpoint" xmlns:com="http://schemas.openxmlformats.org/drawingml/2006/compatibility" xmlns:p14="http://schemas.microsoft.com/office/powerpoint/2010/main" xmlns:p15="http://schemas.microsoft.com/office/powerpoint/2012/main" xmlns:ahyp="http://schemas.microsoft.com/office/drawing/2018/hyperlinkcolor" showMasterPhAnim="0" showMasterSp="0">
+<p:notes xmlns:a="http://schemas.openxmlformats.org/drawingml/2006/main" xmlns:r="http://schemas.openxmlformats.org/officeDocument/2006/relationships" xmlns:p="http://schemas.openxmlformats.org/presentationml/2006/main" showMasterSp="0" showMasterPhAnim="0">
   <p:cSld>
     <p:spTree>
       <p:nvGrpSpPr>
-        <p:cNvPr id="70" name="Shape 70"/>
+        <p:cNvPr id="1" name="Shape 70"/>
         <p:cNvGrpSpPr/>
         <p:nvPr/>
       </p:nvGrpSpPr>
@@ -1008,20 +1047,26 @@
       <p:sp>
         <p:nvSpPr>
           <p:cNvPr id="71" name="Google Shape;71;g20254a979bc_0_12:notes"/>
-          <p:cNvSpPr/>
+          <p:cNvSpPr>
+            <a:spLocks noGrp="1" noRot="1" noChangeAspect="1"/>
+          </p:cNvSpPr>
           <p:nvPr>
-            <p:ph idx="2" type="sldImg"/>
+            <p:ph type="sldImg" idx="2"/>
           </p:nvPr>
         </p:nvSpPr>
         <p:spPr>
           <a:xfrm>
-            <a:off x="381300" y="685800"/>
+            <a:off x="381000" y="685800"/>
             <a:ext cx="6096000" cy="3429000"/>
           </a:xfrm>
           <a:custGeom>
-            <a:rect b="b" l="l" r="r" t="t"/>
+            <a:avLst/>
+            <a:gdLst/>
+            <a:ahLst/>
+            <a:cxnLst/>
+            <a:rect l="l" t="t" r="r" b="b"/>
             <a:pathLst>
-              <a:path extrusionOk="0" h="120000" w="120000">
+              <a:path w="120000" h="120000" extrusionOk="0">
                 <a:moveTo>
                   <a:pt x="0" y="0"/>
                 </a:moveTo>
@@ -1043,9 +1088,11 @@
       <p:sp>
         <p:nvSpPr>
           <p:cNvPr id="72" name="Google Shape;72;g20254a979bc_0_12:notes"/>
-          <p:cNvSpPr txBox="1"/>
+          <p:cNvSpPr txBox="1">
+            <a:spLocks noGrp="1"/>
+          </p:cNvSpPr>
           <p:nvPr>
-            <p:ph idx="1" type="body"/>
+            <p:ph type="body" idx="1"/>
           </p:nvPr>
         </p:nvSpPr>
         <p:spPr>
@@ -1058,12 +1105,12 @@
           </a:prstGeom>
         </p:spPr>
         <p:txBody>
-          <a:bodyPr anchorCtr="0" anchor="t" bIns="91425" lIns="91425" spcFirstLastPara="1" rIns="91425" wrap="square" tIns="91425">
+          <a:bodyPr spcFirstLastPara="1" wrap="square" lIns="91425" tIns="91425" rIns="91425" bIns="91425" anchor="t" anchorCtr="0">
             <a:noAutofit/>
           </a:bodyPr>
           <a:lstStyle/>
           <a:p>
-            <a:pPr indent="0" lvl="0" marL="0" rtl="0" algn="l">
+            <a:pPr marL="0" lvl="0" indent="0" algn="l" rtl="0">
               <a:spcBef>
                 <a:spcPts val="0"/>
               </a:spcBef>
@@ -1072,9 +1119,6 @@
               </a:spcAft>
               <a:buNone/>
             </a:pPr>
-            <a:r>
-              <a:t/>
-            </a:r>
             <a:endParaRPr/>
           </a:p>
         </p:txBody>
@@ -1088,11 +1132,11 @@
 </file>
 
 <file path=ppt/notesSlides/notesSlide5.xml><?xml version="1.0" encoding="utf-8"?>
-<p:notes xmlns:a="http://schemas.openxmlformats.org/drawingml/2006/main" xmlns:r="http://schemas.openxmlformats.org/officeDocument/2006/relationships" xmlns:mc="http://schemas.openxmlformats.org/markup-compatibility/2006" xmlns:mv="urn:schemas-microsoft-com:mac:vml" xmlns:p="http://schemas.openxmlformats.org/presentationml/2006/main" xmlns:c="http://schemas.openxmlformats.org/drawingml/2006/chart" xmlns:dgm="http://schemas.openxmlformats.org/drawingml/2006/diagram" xmlns:o="urn:schemas-microsoft-com:office:office" xmlns:v="urn:schemas-microsoft-com:vml" xmlns:pvml="urn:schemas-microsoft-com:office:powerpoint" xmlns:com="http://schemas.openxmlformats.org/drawingml/2006/compatibility" xmlns:p14="http://schemas.microsoft.com/office/powerpoint/2010/main" xmlns:p15="http://schemas.microsoft.com/office/powerpoint/2012/main" xmlns:ahyp="http://schemas.microsoft.com/office/drawing/2018/hyperlinkcolor" showMasterPhAnim="0" showMasterSp="0">
+<p:notes xmlns:a="http://schemas.openxmlformats.org/drawingml/2006/main" xmlns:r="http://schemas.openxmlformats.org/officeDocument/2006/relationships" xmlns:p="http://schemas.openxmlformats.org/presentationml/2006/main" showMasterSp="0" showMasterPhAnim="0">
   <p:cSld>
     <p:spTree>
       <p:nvGrpSpPr>
-        <p:cNvPr id="76" name="Shape 76"/>
+        <p:cNvPr id="1" name="Shape 76"/>
         <p:cNvGrpSpPr/>
         <p:nvPr/>
       </p:nvGrpSpPr>
@@ -1107,20 +1151,26 @@
       <p:sp>
         <p:nvSpPr>
           <p:cNvPr id="77" name="Google Shape;77;g20254a979bc_0_19:notes"/>
-          <p:cNvSpPr/>
+          <p:cNvSpPr>
+            <a:spLocks noGrp="1" noRot="1" noChangeAspect="1"/>
+          </p:cNvSpPr>
           <p:nvPr>
-            <p:ph idx="2" type="sldImg"/>
+            <p:ph type="sldImg" idx="2"/>
           </p:nvPr>
         </p:nvSpPr>
         <p:spPr>
           <a:xfrm>
-            <a:off x="381300" y="685800"/>
+            <a:off x="381000" y="685800"/>
             <a:ext cx="6096000" cy="3429000"/>
           </a:xfrm>
           <a:custGeom>
-            <a:rect b="b" l="l" r="r" t="t"/>
+            <a:avLst/>
+            <a:gdLst/>
+            <a:ahLst/>
+            <a:cxnLst/>
+            <a:rect l="l" t="t" r="r" b="b"/>
             <a:pathLst>
-              <a:path extrusionOk="0" h="120000" w="120000">
+              <a:path w="120000" h="120000" extrusionOk="0">
                 <a:moveTo>
                   <a:pt x="0" y="0"/>
                 </a:moveTo>
@@ -1142,9 +1192,11 @@
       <p:sp>
         <p:nvSpPr>
           <p:cNvPr id="78" name="Google Shape;78;g20254a979bc_0_19:notes"/>
-          <p:cNvSpPr txBox="1"/>
+          <p:cNvSpPr txBox="1">
+            <a:spLocks noGrp="1"/>
+          </p:cNvSpPr>
           <p:nvPr>
-            <p:ph idx="1" type="body"/>
+            <p:ph type="body" idx="1"/>
           </p:nvPr>
         </p:nvSpPr>
         <p:spPr>
@@ -1157,12 +1209,12 @@
           </a:prstGeom>
         </p:spPr>
         <p:txBody>
-          <a:bodyPr anchorCtr="0" anchor="t" bIns="91425" lIns="91425" spcFirstLastPara="1" rIns="91425" wrap="square" tIns="91425">
+          <a:bodyPr spcFirstLastPara="1" wrap="square" lIns="91425" tIns="91425" rIns="91425" bIns="91425" anchor="t" anchorCtr="0">
             <a:noAutofit/>
           </a:bodyPr>
           <a:lstStyle/>
           <a:p>
-            <a:pPr indent="0" lvl="0" marL="0" rtl="0" algn="l">
+            <a:pPr marL="0" lvl="0" indent="0" algn="l" rtl="0">
               <a:spcBef>
                 <a:spcPts val="0"/>
               </a:spcBef>
@@ -1171,9 +1223,6 @@
               </a:spcAft>
               <a:buNone/>
             </a:pPr>
-            <a:r>
-              <a:t/>
-            </a:r>
             <a:endParaRPr/>
           </a:p>
         </p:txBody>
@@ -1187,11 +1236,11 @@
 </file>
 
 <file path=ppt/notesSlides/notesSlide6.xml><?xml version="1.0" encoding="utf-8"?>
-<p:notes xmlns:a="http://schemas.openxmlformats.org/drawingml/2006/main" xmlns:r="http://schemas.openxmlformats.org/officeDocument/2006/relationships" xmlns:mc="http://schemas.openxmlformats.org/markup-compatibility/2006" xmlns:mv="urn:schemas-microsoft-com:mac:vml" xmlns:p="http://schemas.openxmlformats.org/presentationml/2006/main" xmlns:c="http://schemas.openxmlformats.org/drawingml/2006/chart" xmlns:dgm="http://schemas.openxmlformats.org/drawingml/2006/diagram" xmlns:o="urn:schemas-microsoft-com:office:office" xmlns:v="urn:schemas-microsoft-com:vml" xmlns:pvml="urn:schemas-microsoft-com:office:powerpoint" xmlns:com="http://schemas.openxmlformats.org/drawingml/2006/compatibility" xmlns:p14="http://schemas.microsoft.com/office/powerpoint/2010/main" xmlns:p15="http://schemas.microsoft.com/office/powerpoint/2012/main" xmlns:ahyp="http://schemas.microsoft.com/office/drawing/2018/hyperlinkcolor" showMasterPhAnim="0" showMasterSp="0">
+<p:notes xmlns:a="http://schemas.openxmlformats.org/drawingml/2006/main" xmlns:r="http://schemas.openxmlformats.org/officeDocument/2006/relationships" xmlns:p="http://schemas.openxmlformats.org/presentationml/2006/main" showMasterSp="0" showMasterPhAnim="0">
   <p:cSld>
     <p:spTree>
       <p:nvGrpSpPr>
-        <p:cNvPr id="82" name="Shape 82"/>
+        <p:cNvPr id="1" name="Shape 82"/>
         <p:cNvGrpSpPr/>
         <p:nvPr/>
       </p:nvGrpSpPr>
@@ -1206,20 +1255,26 @@
       <p:sp>
         <p:nvSpPr>
           <p:cNvPr id="83" name="Google Shape;83;g157a0ab9c49_0_0:notes"/>
-          <p:cNvSpPr/>
+          <p:cNvSpPr>
+            <a:spLocks noGrp="1" noRot="1" noChangeAspect="1"/>
+          </p:cNvSpPr>
           <p:nvPr>
-            <p:ph idx="2" type="sldImg"/>
+            <p:ph type="sldImg" idx="2"/>
           </p:nvPr>
         </p:nvSpPr>
         <p:spPr>
           <a:xfrm>
-            <a:off x="381300" y="685800"/>
+            <a:off x="381000" y="685800"/>
             <a:ext cx="6096000" cy="3429000"/>
           </a:xfrm>
           <a:custGeom>
-            <a:rect b="b" l="l" r="r" t="t"/>
+            <a:avLst/>
+            <a:gdLst/>
+            <a:ahLst/>
+            <a:cxnLst/>
+            <a:rect l="l" t="t" r="r" b="b"/>
             <a:pathLst>
-              <a:path extrusionOk="0" h="120000" w="120000">
+              <a:path w="120000" h="120000" extrusionOk="0">
                 <a:moveTo>
                   <a:pt x="0" y="0"/>
                 </a:moveTo>
@@ -1241,9 +1296,11 @@
       <p:sp>
         <p:nvSpPr>
           <p:cNvPr id="84" name="Google Shape;84;g157a0ab9c49_0_0:notes"/>
-          <p:cNvSpPr txBox="1"/>
+          <p:cNvSpPr txBox="1">
+            <a:spLocks noGrp="1"/>
+          </p:cNvSpPr>
           <p:nvPr>
-            <p:ph idx="1" type="body"/>
+            <p:ph type="body" idx="1"/>
           </p:nvPr>
         </p:nvSpPr>
         <p:spPr>
@@ -1256,12 +1313,12 @@
           </a:prstGeom>
         </p:spPr>
         <p:txBody>
-          <a:bodyPr anchorCtr="0" anchor="t" bIns="91425" lIns="91425" spcFirstLastPara="1" rIns="91425" wrap="square" tIns="91425">
+          <a:bodyPr spcFirstLastPara="1" wrap="square" lIns="91425" tIns="91425" rIns="91425" bIns="91425" anchor="t" anchorCtr="0">
             <a:noAutofit/>
           </a:bodyPr>
           <a:lstStyle/>
           <a:p>
-            <a:pPr indent="0" lvl="0" marL="0" rtl="0" algn="l">
+            <a:pPr marL="0" lvl="0" indent="0" algn="l" rtl="0">
               <a:spcBef>
                 <a:spcPts val="0"/>
               </a:spcBef>
@@ -1270,9 +1327,6 @@
               </a:spcAft>
               <a:buNone/>
             </a:pPr>
-            <a:r>
-              <a:t/>
-            </a:r>
             <a:endParaRPr/>
           </a:p>
         </p:txBody>
@@ -1286,11 +1340,11 @@
 </file>
 
 <file path=ppt/slideLayouts/slideLayout1.xml><?xml version="1.0" encoding="utf-8"?>
-<p:sldLayout xmlns:a="http://schemas.openxmlformats.org/drawingml/2006/main" xmlns:r="http://schemas.openxmlformats.org/officeDocument/2006/relationships" xmlns:mc="http://schemas.openxmlformats.org/markup-compatibility/2006" xmlns:mv="urn:schemas-microsoft-com:mac:vml" xmlns:p="http://schemas.openxmlformats.org/presentationml/2006/main" xmlns:c="http://schemas.openxmlformats.org/drawingml/2006/chart" xmlns:dgm="http://schemas.openxmlformats.org/drawingml/2006/diagram" xmlns:o="urn:schemas-microsoft-com:office:office" xmlns:v="urn:schemas-microsoft-com:vml" xmlns:pvml="urn:schemas-microsoft-com:office:powerpoint" xmlns:com="http://schemas.openxmlformats.org/drawingml/2006/compatibility" xmlns:p14="http://schemas.microsoft.com/office/powerpoint/2010/main" xmlns:p15="http://schemas.microsoft.com/office/powerpoint/2012/main" xmlns:ahyp="http://schemas.microsoft.com/office/drawing/2018/hyperlinkcolor" matchingName="Title slide" type="title">
+<p:sldLayout xmlns:a="http://schemas.openxmlformats.org/drawingml/2006/main" xmlns:r="http://schemas.openxmlformats.org/officeDocument/2006/relationships" xmlns:p="http://schemas.openxmlformats.org/presentationml/2006/main" matchingName="Title slide" type="title">
   <p:cSld name="TITLE">
     <p:spTree>
       <p:nvGrpSpPr>
-        <p:cNvPr id="10" name="Shape 10"/>
+        <p:cNvPr id="1" name="Shape 10"/>
         <p:cNvGrpSpPr/>
         <p:nvPr/>
       </p:nvGrpSpPr>
@@ -1305,7 +1359,9 @@
       <p:sp>
         <p:nvSpPr>
           <p:cNvPr id="11" name="Google Shape;11;p2"/>
-          <p:cNvSpPr txBox="1"/>
+          <p:cNvSpPr txBox="1">
+            <a:spLocks noGrp="1"/>
+          </p:cNvSpPr>
           <p:nvPr>
             <p:ph type="ctrTitle"/>
           </p:nvPr>
@@ -1320,7 +1376,7 @@
           </a:prstGeom>
         </p:spPr>
         <p:txBody>
-          <a:bodyPr anchorCtr="0" anchor="b" bIns="91425" lIns="91425" spcFirstLastPara="1" rIns="91425" wrap="square" tIns="91425">
+          <a:bodyPr spcFirstLastPara="1" wrap="square" lIns="91425" tIns="91425" rIns="91425" bIns="91425" anchor="b" anchorCtr="0">
             <a:normAutofit/>
           </a:bodyPr>
           <a:lstStyle>
@@ -1424,15 +1480,19 @@
               <a:defRPr sz="5200"/>
             </a:lvl9pPr>
           </a:lstStyle>
-          <a:p/>
+          <a:p>
+            <a:endParaRPr/>
+          </a:p>
         </p:txBody>
       </p:sp>
       <p:sp>
         <p:nvSpPr>
           <p:cNvPr id="12" name="Google Shape;12;p2"/>
-          <p:cNvSpPr txBox="1"/>
+          <p:cNvSpPr txBox="1">
+            <a:spLocks noGrp="1"/>
+          </p:cNvSpPr>
           <p:nvPr>
-            <p:ph idx="1" type="subTitle"/>
+            <p:ph type="subTitle" idx="1"/>
           </p:nvPr>
         </p:nvSpPr>
         <p:spPr>
@@ -1445,7 +1505,7 @@
           </a:prstGeom>
         </p:spPr>
         <p:txBody>
-          <a:bodyPr anchorCtr="0" anchor="t" bIns="91425" lIns="91425" spcFirstLastPara="1" rIns="91425" wrap="square" tIns="91425">
+          <a:bodyPr spcFirstLastPara="1" wrap="square" lIns="91425" tIns="91425" rIns="91425" bIns="91425" anchor="t" anchorCtr="0">
             <a:normAutofit/>
           </a:bodyPr>
           <a:lstStyle>
@@ -1576,15 +1636,19 @@
               <a:defRPr sz="2800"/>
             </a:lvl9pPr>
           </a:lstStyle>
-          <a:p/>
+          <a:p>
+            <a:endParaRPr/>
+          </a:p>
         </p:txBody>
       </p:sp>
       <p:sp>
         <p:nvSpPr>
           <p:cNvPr id="13" name="Google Shape;13;p2"/>
-          <p:cNvSpPr txBox="1"/>
+          <p:cNvSpPr txBox="1">
+            <a:spLocks noGrp="1"/>
+          </p:cNvSpPr>
           <p:nvPr>
-            <p:ph idx="12" type="sldNum"/>
+            <p:ph type="sldNum" idx="12"/>
           </p:nvPr>
         </p:nvSpPr>
         <p:spPr>
@@ -1597,7 +1661,7 @@
           </a:prstGeom>
         </p:spPr>
         <p:txBody>
-          <a:bodyPr anchorCtr="0" anchor="ctr" bIns="91425" lIns="91425" spcFirstLastPara="1" rIns="91425" wrap="square" tIns="91425">
+          <a:bodyPr spcFirstLastPara="1" wrap="square" lIns="91425" tIns="91425" rIns="91425" bIns="91425" anchor="ctr" anchorCtr="0">
             <a:normAutofit/>
           </a:bodyPr>
           <a:lstStyle>
@@ -1639,7 +1703,7 @@
             </a:lvl9pPr>
           </a:lstStyle>
           <a:p>
-            <a:pPr indent="0" lvl="0" marL="0" rtl="0" algn="r">
+            <a:pPr marL="0" lvl="0" indent="0" algn="r" rtl="0">
               <a:spcBef>
                 <a:spcPts val="0"/>
               </a:spcBef>
@@ -1650,7 +1714,7 @@
             </a:pPr>
             <a:fld id="{00000000-1234-1234-1234-123412341234}" type="slidenum">
               <a:rPr lang="fr"/>
-              <a:t>‹#›</a:t>
+              <a:t>‹N°›</a:t>
             </a:fld>
             <a:endParaRPr/>
           </a:p>
@@ -1665,11 +1729,11 @@
 </file>
 
 <file path=ppt/slideLayouts/slideLayout10.xml><?xml version="1.0" encoding="utf-8"?>
-<p:sldLayout xmlns:a="http://schemas.openxmlformats.org/drawingml/2006/main" xmlns:r="http://schemas.openxmlformats.org/officeDocument/2006/relationships" xmlns:mc="http://schemas.openxmlformats.org/markup-compatibility/2006" xmlns:mv="urn:schemas-microsoft-com:mac:vml" xmlns:p="http://schemas.openxmlformats.org/presentationml/2006/main" xmlns:c="http://schemas.openxmlformats.org/drawingml/2006/chart" xmlns:dgm="http://schemas.openxmlformats.org/drawingml/2006/diagram" xmlns:o="urn:schemas-microsoft-com:office:office" xmlns:v="urn:schemas-microsoft-com:vml" xmlns:pvml="urn:schemas-microsoft-com:office:powerpoint" xmlns:com="http://schemas.openxmlformats.org/drawingml/2006/compatibility" xmlns:p14="http://schemas.microsoft.com/office/powerpoint/2010/main" xmlns:p15="http://schemas.microsoft.com/office/powerpoint/2012/main" xmlns:ahyp="http://schemas.microsoft.com/office/drawing/2018/hyperlinkcolor" matchingName="Big number">
+<p:sldLayout xmlns:a="http://schemas.openxmlformats.org/drawingml/2006/main" xmlns:r="http://schemas.openxmlformats.org/officeDocument/2006/relationships" xmlns:p="http://schemas.openxmlformats.org/presentationml/2006/main" matchingName="Big number">
   <p:cSld name="BIG_NUMBER">
     <p:spTree>
       <p:nvGrpSpPr>
-        <p:cNvPr id="45" name="Shape 45"/>
+        <p:cNvPr id="1" name="Shape 45"/>
         <p:cNvGrpSpPr/>
         <p:nvPr/>
       </p:nvGrpSpPr>
@@ -1684,9 +1748,11 @@
       <p:sp>
         <p:nvSpPr>
           <p:cNvPr id="46" name="Google Shape;46;p11"/>
-          <p:cNvSpPr txBox="1"/>
+          <p:cNvSpPr txBox="1">
+            <a:spLocks noGrp="1"/>
+          </p:cNvSpPr>
           <p:nvPr>
-            <p:ph hasCustomPrompt="1" type="title"/>
+            <p:ph type="title" hasCustomPrompt="1"/>
           </p:nvPr>
         </p:nvSpPr>
         <p:spPr>
@@ -1699,7 +1765,7 @@
           </a:prstGeom>
         </p:spPr>
         <p:txBody>
-          <a:bodyPr anchorCtr="0" anchor="b" bIns="91425" lIns="91425" spcFirstLastPara="1" rIns="91425" wrap="square" tIns="91425">
+          <a:bodyPr spcFirstLastPara="1" wrap="square" lIns="91425" tIns="91425" rIns="91425" bIns="91425" anchor="b" anchorCtr="0">
             <a:normAutofit/>
           </a:bodyPr>
           <a:lstStyle>
@@ -1813,9 +1879,11 @@
       <p:sp>
         <p:nvSpPr>
           <p:cNvPr id="47" name="Google Shape;47;p11"/>
-          <p:cNvSpPr txBox="1"/>
+          <p:cNvSpPr txBox="1">
+            <a:spLocks noGrp="1"/>
+          </p:cNvSpPr>
           <p:nvPr>
-            <p:ph idx="1" type="body"/>
+            <p:ph type="body" idx="1"/>
           </p:nvPr>
         </p:nvSpPr>
         <p:spPr>
@@ -1828,11 +1896,11 @@
           </a:prstGeom>
         </p:spPr>
         <p:txBody>
-          <a:bodyPr anchorCtr="0" anchor="t" bIns="91425" lIns="91425" spcFirstLastPara="1" rIns="91425" wrap="square" tIns="91425">
+          <a:bodyPr spcFirstLastPara="1" wrap="square" lIns="91425" tIns="91425" rIns="91425" bIns="91425" anchor="t" anchorCtr="0">
             <a:normAutofit/>
           </a:bodyPr>
           <a:lstStyle>
-            <a:lvl1pPr indent="-342900" lvl="0" marL="457200" algn="ctr">
+            <a:lvl1pPr marL="457200" lvl="0" indent="-342900" algn="ctr">
               <a:spcBef>
                 <a:spcPts val="0"/>
               </a:spcBef>
@@ -1843,7 +1911,7 @@
               <a:buChar char="●"/>
               <a:defRPr/>
             </a:lvl1pPr>
-            <a:lvl2pPr indent="-317500" lvl="1" marL="914400" algn="ctr">
+            <a:lvl2pPr marL="914400" lvl="1" indent="-317500" algn="ctr">
               <a:spcBef>
                 <a:spcPts val="0"/>
               </a:spcBef>
@@ -1854,7 +1922,7 @@
               <a:buChar char="○"/>
               <a:defRPr/>
             </a:lvl2pPr>
-            <a:lvl3pPr indent="-317500" lvl="2" marL="1371600" algn="ctr">
+            <a:lvl3pPr marL="1371600" lvl="2" indent="-317500" algn="ctr">
               <a:spcBef>
                 <a:spcPts val="0"/>
               </a:spcBef>
@@ -1865,7 +1933,7 @@
               <a:buChar char="■"/>
               <a:defRPr/>
             </a:lvl3pPr>
-            <a:lvl4pPr indent="-317500" lvl="3" marL="1828800" algn="ctr">
+            <a:lvl4pPr marL="1828800" lvl="3" indent="-317500" algn="ctr">
               <a:spcBef>
                 <a:spcPts val="0"/>
               </a:spcBef>
@@ -1876,7 +1944,7 @@
               <a:buChar char="●"/>
               <a:defRPr/>
             </a:lvl4pPr>
-            <a:lvl5pPr indent="-317500" lvl="4" marL="2286000" algn="ctr">
+            <a:lvl5pPr marL="2286000" lvl="4" indent="-317500" algn="ctr">
               <a:spcBef>
                 <a:spcPts val="0"/>
               </a:spcBef>
@@ -1887,7 +1955,7 @@
               <a:buChar char="○"/>
               <a:defRPr/>
             </a:lvl5pPr>
-            <a:lvl6pPr indent="-317500" lvl="5" marL="2743200" algn="ctr">
+            <a:lvl6pPr marL="2743200" lvl="5" indent="-317500" algn="ctr">
               <a:spcBef>
                 <a:spcPts val="0"/>
               </a:spcBef>
@@ -1898,7 +1966,7 @@
               <a:buChar char="■"/>
               <a:defRPr/>
             </a:lvl6pPr>
-            <a:lvl7pPr indent="-317500" lvl="6" marL="3200400" algn="ctr">
+            <a:lvl7pPr marL="3200400" lvl="6" indent="-317500" algn="ctr">
               <a:spcBef>
                 <a:spcPts val="0"/>
               </a:spcBef>
@@ -1909,7 +1977,7 @@
               <a:buChar char="●"/>
               <a:defRPr/>
             </a:lvl7pPr>
-            <a:lvl8pPr indent="-317500" lvl="7" marL="3657600" algn="ctr">
+            <a:lvl8pPr marL="3657600" lvl="7" indent="-317500" algn="ctr">
               <a:spcBef>
                 <a:spcPts val="0"/>
               </a:spcBef>
@@ -1920,7 +1988,7 @@
               <a:buChar char="○"/>
               <a:defRPr/>
             </a:lvl8pPr>
-            <a:lvl9pPr indent="-317500" lvl="8" marL="4114800" algn="ctr">
+            <a:lvl9pPr marL="4114800" lvl="8" indent="-317500" algn="ctr">
               <a:spcBef>
                 <a:spcPts val="0"/>
               </a:spcBef>
@@ -1932,15 +2000,19 @@
               <a:defRPr/>
             </a:lvl9pPr>
           </a:lstStyle>
-          <a:p/>
+          <a:p>
+            <a:endParaRPr/>
+          </a:p>
         </p:txBody>
       </p:sp>
       <p:sp>
         <p:nvSpPr>
           <p:cNvPr id="48" name="Google Shape;48;p11"/>
-          <p:cNvSpPr txBox="1"/>
+          <p:cNvSpPr txBox="1">
+            <a:spLocks noGrp="1"/>
+          </p:cNvSpPr>
           <p:nvPr>
-            <p:ph idx="12" type="sldNum"/>
+            <p:ph type="sldNum" idx="12"/>
           </p:nvPr>
         </p:nvSpPr>
         <p:spPr>
@@ -1953,7 +2025,7 @@
           </a:prstGeom>
         </p:spPr>
         <p:txBody>
-          <a:bodyPr anchorCtr="0" anchor="ctr" bIns="91425" lIns="91425" spcFirstLastPara="1" rIns="91425" wrap="square" tIns="91425">
+          <a:bodyPr spcFirstLastPara="1" wrap="square" lIns="91425" tIns="91425" rIns="91425" bIns="91425" anchor="ctr" anchorCtr="0">
             <a:normAutofit/>
           </a:bodyPr>
           <a:lstStyle>
@@ -1995,7 +2067,7 @@
             </a:lvl9pPr>
           </a:lstStyle>
           <a:p>
-            <a:pPr indent="0" lvl="0" marL="0" rtl="0" algn="r">
+            <a:pPr marL="0" lvl="0" indent="0" algn="r" rtl="0">
               <a:spcBef>
                 <a:spcPts val="0"/>
               </a:spcBef>
@@ -2006,7 +2078,7 @@
             </a:pPr>
             <a:fld id="{00000000-1234-1234-1234-123412341234}" type="slidenum">
               <a:rPr lang="fr"/>
-              <a:t>‹#›</a:t>
+              <a:t>‹N°›</a:t>
             </a:fld>
             <a:endParaRPr/>
           </a:p>
@@ -2021,11 +2093,11 @@
 </file>
 
 <file path=ppt/slideLayouts/slideLayout11.xml><?xml version="1.0" encoding="utf-8"?>
-<p:sldLayout xmlns:a="http://schemas.openxmlformats.org/drawingml/2006/main" xmlns:r="http://schemas.openxmlformats.org/officeDocument/2006/relationships" xmlns:mc="http://schemas.openxmlformats.org/markup-compatibility/2006" xmlns:mv="urn:schemas-microsoft-com:mac:vml" xmlns:p="http://schemas.openxmlformats.org/presentationml/2006/main" xmlns:c="http://schemas.openxmlformats.org/drawingml/2006/chart" xmlns:dgm="http://schemas.openxmlformats.org/drawingml/2006/diagram" xmlns:o="urn:schemas-microsoft-com:office:office" xmlns:v="urn:schemas-microsoft-com:vml" xmlns:pvml="urn:schemas-microsoft-com:office:powerpoint" xmlns:com="http://schemas.openxmlformats.org/drawingml/2006/compatibility" xmlns:p14="http://schemas.microsoft.com/office/powerpoint/2010/main" xmlns:p15="http://schemas.microsoft.com/office/powerpoint/2012/main" xmlns:ahyp="http://schemas.microsoft.com/office/drawing/2018/hyperlinkcolor" matchingName="Blank" type="blank">
+<p:sldLayout xmlns:a="http://schemas.openxmlformats.org/drawingml/2006/main" xmlns:r="http://schemas.openxmlformats.org/officeDocument/2006/relationships" xmlns:p="http://schemas.openxmlformats.org/presentationml/2006/main" matchingName="Blank" type="blank">
   <p:cSld name="BLANK">
     <p:spTree>
       <p:nvGrpSpPr>
-        <p:cNvPr id="49" name="Shape 49"/>
+        <p:cNvPr id="1" name="Shape 49"/>
         <p:cNvGrpSpPr/>
         <p:nvPr/>
       </p:nvGrpSpPr>
@@ -2040,9 +2112,11 @@
       <p:sp>
         <p:nvSpPr>
           <p:cNvPr id="50" name="Google Shape;50;p12"/>
-          <p:cNvSpPr txBox="1"/>
+          <p:cNvSpPr txBox="1">
+            <a:spLocks noGrp="1"/>
+          </p:cNvSpPr>
           <p:nvPr>
-            <p:ph idx="12" type="sldNum"/>
+            <p:ph type="sldNum" idx="12"/>
           </p:nvPr>
         </p:nvSpPr>
         <p:spPr>
@@ -2055,7 +2129,7 @@
           </a:prstGeom>
         </p:spPr>
         <p:txBody>
-          <a:bodyPr anchorCtr="0" anchor="ctr" bIns="91425" lIns="91425" spcFirstLastPara="1" rIns="91425" wrap="square" tIns="91425">
+          <a:bodyPr spcFirstLastPara="1" wrap="square" lIns="91425" tIns="91425" rIns="91425" bIns="91425" anchor="ctr" anchorCtr="0">
             <a:normAutofit/>
           </a:bodyPr>
           <a:lstStyle>
@@ -2097,7 +2171,7 @@
             </a:lvl9pPr>
           </a:lstStyle>
           <a:p>
-            <a:pPr indent="0" lvl="0" marL="0" rtl="0" algn="r">
+            <a:pPr marL="0" lvl="0" indent="0" algn="r" rtl="0">
               <a:spcBef>
                 <a:spcPts val="0"/>
               </a:spcBef>
@@ -2108,7 +2182,7 @@
             </a:pPr>
             <a:fld id="{00000000-1234-1234-1234-123412341234}" type="slidenum">
               <a:rPr lang="fr"/>
-              <a:t>‹#›</a:t>
+              <a:t>‹N°›</a:t>
             </a:fld>
             <a:endParaRPr/>
           </a:p>
@@ -2123,11 +2197,11 @@
 </file>
 
 <file path=ppt/slideLayouts/slideLayout2.xml><?xml version="1.0" encoding="utf-8"?>
-<p:sldLayout xmlns:a="http://schemas.openxmlformats.org/drawingml/2006/main" xmlns:r="http://schemas.openxmlformats.org/officeDocument/2006/relationships" xmlns:mc="http://schemas.openxmlformats.org/markup-compatibility/2006" xmlns:mv="urn:schemas-microsoft-com:mac:vml" xmlns:p="http://schemas.openxmlformats.org/presentationml/2006/main" xmlns:c="http://schemas.openxmlformats.org/drawingml/2006/chart" xmlns:dgm="http://schemas.openxmlformats.org/drawingml/2006/diagram" xmlns:o="urn:schemas-microsoft-com:office:office" xmlns:v="urn:schemas-microsoft-com:vml" xmlns:pvml="urn:schemas-microsoft-com:office:powerpoint" xmlns:com="http://schemas.openxmlformats.org/drawingml/2006/compatibility" xmlns:p14="http://schemas.microsoft.com/office/powerpoint/2010/main" xmlns:p15="http://schemas.microsoft.com/office/powerpoint/2012/main" xmlns:ahyp="http://schemas.microsoft.com/office/drawing/2018/hyperlinkcolor" matchingName="Section header" type="secHead">
+<p:sldLayout xmlns:a="http://schemas.openxmlformats.org/drawingml/2006/main" xmlns:r="http://schemas.openxmlformats.org/officeDocument/2006/relationships" xmlns:p="http://schemas.openxmlformats.org/presentationml/2006/main" matchingName="Section header" type="secHead">
   <p:cSld name="SECTION_HEADER">
     <p:spTree>
       <p:nvGrpSpPr>
-        <p:cNvPr id="14" name="Shape 14"/>
+        <p:cNvPr id="1" name="Shape 14"/>
         <p:cNvGrpSpPr/>
         <p:nvPr/>
       </p:nvGrpSpPr>
@@ -2142,7 +2216,9 @@
       <p:sp>
         <p:nvSpPr>
           <p:cNvPr id="15" name="Google Shape;15;p3"/>
-          <p:cNvSpPr txBox="1"/>
+          <p:cNvSpPr txBox="1">
+            <a:spLocks noGrp="1"/>
+          </p:cNvSpPr>
           <p:nvPr>
             <p:ph type="title"/>
           </p:nvPr>
@@ -2157,7 +2233,7 @@
           </a:prstGeom>
         </p:spPr>
         <p:txBody>
-          <a:bodyPr anchorCtr="0" anchor="ctr" bIns="91425" lIns="91425" spcFirstLastPara="1" rIns="91425" wrap="square" tIns="91425">
+          <a:bodyPr spcFirstLastPara="1" wrap="square" lIns="91425" tIns="91425" rIns="91425" bIns="91425" anchor="ctr" anchorCtr="0">
             <a:normAutofit/>
           </a:bodyPr>
           <a:lstStyle>
@@ -2261,15 +2337,19 @@
               <a:defRPr sz="3600"/>
             </a:lvl9pPr>
           </a:lstStyle>
-          <a:p/>
+          <a:p>
+            <a:endParaRPr/>
+          </a:p>
         </p:txBody>
       </p:sp>
       <p:sp>
         <p:nvSpPr>
           <p:cNvPr id="16" name="Google Shape;16;p3"/>
-          <p:cNvSpPr txBox="1"/>
+          <p:cNvSpPr txBox="1">
+            <a:spLocks noGrp="1"/>
+          </p:cNvSpPr>
           <p:nvPr>
-            <p:ph idx="12" type="sldNum"/>
+            <p:ph type="sldNum" idx="12"/>
           </p:nvPr>
         </p:nvSpPr>
         <p:spPr>
@@ -2282,7 +2362,7 @@
           </a:prstGeom>
         </p:spPr>
         <p:txBody>
-          <a:bodyPr anchorCtr="0" anchor="ctr" bIns="91425" lIns="91425" spcFirstLastPara="1" rIns="91425" wrap="square" tIns="91425">
+          <a:bodyPr spcFirstLastPara="1" wrap="square" lIns="91425" tIns="91425" rIns="91425" bIns="91425" anchor="ctr" anchorCtr="0">
             <a:normAutofit/>
           </a:bodyPr>
           <a:lstStyle>
@@ -2324,7 +2404,7 @@
             </a:lvl9pPr>
           </a:lstStyle>
           <a:p>
-            <a:pPr indent="0" lvl="0" marL="0" rtl="0" algn="r">
+            <a:pPr marL="0" lvl="0" indent="0" algn="r" rtl="0">
               <a:spcBef>
                 <a:spcPts val="0"/>
               </a:spcBef>
@@ -2335,7 +2415,7 @@
             </a:pPr>
             <a:fld id="{00000000-1234-1234-1234-123412341234}" type="slidenum">
               <a:rPr lang="fr"/>
-              <a:t>‹#›</a:t>
+              <a:t>‹N°›</a:t>
             </a:fld>
             <a:endParaRPr/>
           </a:p>
@@ -2350,11 +2430,11 @@
 </file>
 
 <file path=ppt/slideLayouts/slideLayout3.xml><?xml version="1.0" encoding="utf-8"?>
-<p:sldLayout xmlns:a="http://schemas.openxmlformats.org/drawingml/2006/main" xmlns:r="http://schemas.openxmlformats.org/officeDocument/2006/relationships" xmlns:mc="http://schemas.openxmlformats.org/markup-compatibility/2006" xmlns:mv="urn:schemas-microsoft-com:mac:vml" xmlns:p="http://schemas.openxmlformats.org/presentationml/2006/main" xmlns:c="http://schemas.openxmlformats.org/drawingml/2006/chart" xmlns:dgm="http://schemas.openxmlformats.org/drawingml/2006/diagram" xmlns:o="urn:schemas-microsoft-com:office:office" xmlns:v="urn:schemas-microsoft-com:vml" xmlns:pvml="urn:schemas-microsoft-com:office:powerpoint" xmlns:com="http://schemas.openxmlformats.org/drawingml/2006/compatibility" xmlns:p14="http://schemas.microsoft.com/office/powerpoint/2010/main" xmlns:p15="http://schemas.microsoft.com/office/powerpoint/2012/main" xmlns:ahyp="http://schemas.microsoft.com/office/drawing/2018/hyperlinkcolor" matchingName="Title and body" type="tx">
+<p:sldLayout xmlns:a="http://schemas.openxmlformats.org/drawingml/2006/main" xmlns:r="http://schemas.openxmlformats.org/officeDocument/2006/relationships" xmlns:p="http://schemas.openxmlformats.org/presentationml/2006/main" matchingName="Title and body" type="tx">
   <p:cSld name="TITLE_AND_BODY">
     <p:spTree>
       <p:nvGrpSpPr>
-        <p:cNvPr id="17" name="Shape 17"/>
+        <p:cNvPr id="1" name="Shape 17"/>
         <p:cNvGrpSpPr/>
         <p:nvPr/>
       </p:nvGrpSpPr>
@@ -2369,7 +2449,9 @@
       <p:sp>
         <p:nvSpPr>
           <p:cNvPr id="18" name="Google Shape;18;p4"/>
-          <p:cNvSpPr txBox="1"/>
+          <p:cNvSpPr txBox="1">
+            <a:spLocks noGrp="1"/>
+          </p:cNvSpPr>
           <p:nvPr>
             <p:ph type="title"/>
           </p:nvPr>
@@ -2384,7 +2466,7 @@
           </a:prstGeom>
         </p:spPr>
         <p:txBody>
-          <a:bodyPr anchorCtr="0" anchor="t" bIns="91425" lIns="91425" spcFirstLastPara="1" rIns="91425" wrap="square" tIns="91425">
+          <a:bodyPr spcFirstLastPara="1" wrap="square" lIns="91425" tIns="91425" rIns="91425" bIns="91425" anchor="t" anchorCtr="0">
             <a:normAutofit/>
           </a:bodyPr>
           <a:lstStyle>
@@ -2488,15 +2570,19 @@
               <a:defRPr/>
             </a:lvl9pPr>
           </a:lstStyle>
-          <a:p/>
+          <a:p>
+            <a:endParaRPr/>
+          </a:p>
         </p:txBody>
       </p:sp>
       <p:sp>
         <p:nvSpPr>
           <p:cNvPr id="19" name="Google Shape;19;p4"/>
-          <p:cNvSpPr txBox="1"/>
+          <p:cNvSpPr txBox="1">
+            <a:spLocks noGrp="1"/>
+          </p:cNvSpPr>
           <p:nvPr>
-            <p:ph idx="1" type="body"/>
+            <p:ph type="body" idx="1"/>
           </p:nvPr>
         </p:nvSpPr>
         <p:spPr>
@@ -2509,11 +2595,11 @@
           </a:prstGeom>
         </p:spPr>
         <p:txBody>
-          <a:bodyPr anchorCtr="0" anchor="t" bIns="91425" lIns="91425" spcFirstLastPara="1" rIns="91425" wrap="square" tIns="91425">
+          <a:bodyPr spcFirstLastPara="1" wrap="square" lIns="91425" tIns="91425" rIns="91425" bIns="91425" anchor="t" anchorCtr="0">
             <a:normAutofit/>
           </a:bodyPr>
           <a:lstStyle>
-            <a:lvl1pPr indent="-342900" lvl="0" marL="457200">
+            <a:lvl1pPr marL="457200" lvl="0" indent="-342900">
               <a:spcBef>
                 <a:spcPts val="0"/>
               </a:spcBef>
@@ -2524,7 +2610,7 @@
               <a:buChar char="●"/>
               <a:defRPr/>
             </a:lvl1pPr>
-            <a:lvl2pPr indent="-317500" lvl="1" marL="914400">
+            <a:lvl2pPr marL="914400" lvl="1" indent="-317500">
               <a:spcBef>
                 <a:spcPts val="0"/>
               </a:spcBef>
@@ -2535,7 +2621,7 @@
               <a:buChar char="○"/>
               <a:defRPr/>
             </a:lvl2pPr>
-            <a:lvl3pPr indent="-317500" lvl="2" marL="1371600">
+            <a:lvl3pPr marL="1371600" lvl="2" indent="-317500">
               <a:spcBef>
                 <a:spcPts val="0"/>
               </a:spcBef>
@@ -2546,7 +2632,7 @@
               <a:buChar char="■"/>
               <a:defRPr/>
             </a:lvl3pPr>
-            <a:lvl4pPr indent="-317500" lvl="3" marL="1828800">
+            <a:lvl4pPr marL="1828800" lvl="3" indent="-317500">
               <a:spcBef>
                 <a:spcPts val="0"/>
               </a:spcBef>
@@ -2557,7 +2643,7 @@
               <a:buChar char="●"/>
               <a:defRPr/>
             </a:lvl4pPr>
-            <a:lvl5pPr indent="-317500" lvl="4" marL="2286000">
+            <a:lvl5pPr marL="2286000" lvl="4" indent="-317500">
               <a:spcBef>
                 <a:spcPts val="0"/>
               </a:spcBef>
@@ -2568,7 +2654,7 @@
               <a:buChar char="○"/>
               <a:defRPr/>
             </a:lvl5pPr>
-            <a:lvl6pPr indent="-317500" lvl="5" marL="2743200">
+            <a:lvl6pPr marL="2743200" lvl="5" indent="-317500">
               <a:spcBef>
                 <a:spcPts val="0"/>
               </a:spcBef>
@@ -2579,7 +2665,7 @@
               <a:buChar char="■"/>
               <a:defRPr/>
             </a:lvl6pPr>
-            <a:lvl7pPr indent="-317500" lvl="6" marL="3200400">
+            <a:lvl7pPr marL="3200400" lvl="6" indent="-317500">
               <a:spcBef>
                 <a:spcPts val="0"/>
               </a:spcBef>
@@ -2590,7 +2676,7 @@
               <a:buChar char="●"/>
               <a:defRPr/>
             </a:lvl7pPr>
-            <a:lvl8pPr indent="-317500" lvl="7" marL="3657600">
+            <a:lvl8pPr marL="3657600" lvl="7" indent="-317500">
               <a:spcBef>
                 <a:spcPts val="0"/>
               </a:spcBef>
@@ -2601,7 +2687,7 @@
               <a:buChar char="○"/>
               <a:defRPr/>
             </a:lvl8pPr>
-            <a:lvl9pPr indent="-317500" lvl="8" marL="4114800">
+            <a:lvl9pPr marL="4114800" lvl="8" indent="-317500">
               <a:spcBef>
                 <a:spcPts val="0"/>
               </a:spcBef>
@@ -2613,15 +2699,19 @@
               <a:defRPr/>
             </a:lvl9pPr>
           </a:lstStyle>
-          <a:p/>
+          <a:p>
+            <a:endParaRPr/>
+          </a:p>
         </p:txBody>
       </p:sp>
       <p:sp>
         <p:nvSpPr>
           <p:cNvPr id="20" name="Google Shape;20;p4"/>
-          <p:cNvSpPr txBox="1"/>
+          <p:cNvSpPr txBox="1">
+            <a:spLocks noGrp="1"/>
+          </p:cNvSpPr>
           <p:nvPr>
-            <p:ph idx="12" type="sldNum"/>
+            <p:ph type="sldNum" idx="12"/>
           </p:nvPr>
         </p:nvSpPr>
         <p:spPr>
@@ -2634,7 +2724,7 @@
           </a:prstGeom>
         </p:spPr>
         <p:txBody>
-          <a:bodyPr anchorCtr="0" anchor="ctr" bIns="91425" lIns="91425" spcFirstLastPara="1" rIns="91425" wrap="square" tIns="91425">
+          <a:bodyPr spcFirstLastPara="1" wrap="square" lIns="91425" tIns="91425" rIns="91425" bIns="91425" anchor="ctr" anchorCtr="0">
             <a:normAutofit/>
           </a:bodyPr>
           <a:lstStyle>
@@ -2676,7 +2766,7 @@
             </a:lvl9pPr>
           </a:lstStyle>
           <a:p>
-            <a:pPr indent="0" lvl="0" marL="0" rtl="0" algn="r">
+            <a:pPr marL="0" lvl="0" indent="0" algn="r" rtl="0">
               <a:spcBef>
                 <a:spcPts val="0"/>
               </a:spcBef>
@@ -2687,7 +2777,7 @@
             </a:pPr>
             <a:fld id="{00000000-1234-1234-1234-123412341234}" type="slidenum">
               <a:rPr lang="fr"/>
-              <a:t>‹#›</a:t>
+              <a:t>‹N°›</a:t>
             </a:fld>
             <a:endParaRPr/>
           </a:p>
@@ -2702,11 +2792,11 @@
 </file>
 
 <file path=ppt/slideLayouts/slideLayout4.xml><?xml version="1.0" encoding="utf-8"?>
-<p:sldLayout xmlns:a="http://schemas.openxmlformats.org/drawingml/2006/main" xmlns:r="http://schemas.openxmlformats.org/officeDocument/2006/relationships" xmlns:mc="http://schemas.openxmlformats.org/markup-compatibility/2006" xmlns:mv="urn:schemas-microsoft-com:mac:vml" xmlns:p="http://schemas.openxmlformats.org/presentationml/2006/main" xmlns:c="http://schemas.openxmlformats.org/drawingml/2006/chart" xmlns:dgm="http://schemas.openxmlformats.org/drawingml/2006/diagram" xmlns:o="urn:schemas-microsoft-com:office:office" xmlns:v="urn:schemas-microsoft-com:vml" xmlns:pvml="urn:schemas-microsoft-com:office:powerpoint" xmlns:com="http://schemas.openxmlformats.org/drawingml/2006/compatibility" xmlns:p14="http://schemas.microsoft.com/office/powerpoint/2010/main" xmlns:p15="http://schemas.microsoft.com/office/powerpoint/2012/main" xmlns:ahyp="http://schemas.microsoft.com/office/drawing/2018/hyperlinkcolor" matchingName="Title and two columns" type="twoColTx">
+<p:sldLayout xmlns:a="http://schemas.openxmlformats.org/drawingml/2006/main" xmlns:r="http://schemas.openxmlformats.org/officeDocument/2006/relationships" xmlns:p="http://schemas.openxmlformats.org/presentationml/2006/main" matchingName="Title and two columns" type="twoColTx">
   <p:cSld name="TITLE_AND_TWO_COLUMNS">
     <p:spTree>
       <p:nvGrpSpPr>
-        <p:cNvPr id="21" name="Shape 21"/>
+        <p:cNvPr id="1" name="Shape 21"/>
         <p:cNvGrpSpPr/>
         <p:nvPr/>
       </p:nvGrpSpPr>
@@ -2721,7 +2811,9 @@
       <p:sp>
         <p:nvSpPr>
           <p:cNvPr id="22" name="Google Shape;22;p5"/>
-          <p:cNvSpPr txBox="1"/>
+          <p:cNvSpPr txBox="1">
+            <a:spLocks noGrp="1"/>
+          </p:cNvSpPr>
           <p:nvPr>
             <p:ph type="title"/>
           </p:nvPr>
@@ -2736,7 +2828,7 @@
           </a:prstGeom>
         </p:spPr>
         <p:txBody>
-          <a:bodyPr anchorCtr="0" anchor="t" bIns="91425" lIns="91425" spcFirstLastPara="1" rIns="91425" wrap="square" tIns="91425">
+          <a:bodyPr spcFirstLastPara="1" wrap="square" lIns="91425" tIns="91425" rIns="91425" bIns="91425" anchor="t" anchorCtr="0">
             <a:normAutofit/>
           </a:bodyPr>
           <a:lstStyle>
@@ -2840,15 +2932,19 @@
               <a:defRPr/>
             </a:lvl9pPr>
           </a:lstStyle>
-          <a:p/>
+          <a:p>
+            <a:endParaRPr/>
+          </a:p>
         </p:txBody>
       </p:sp>
       <p:sp>
         <p:nvSpPr>
           <p:cNvPr id="23" name="Google Shape;23;p5"/>
-          <p:cNvSpPr txBox="1"/>
+          <p:cNvSpPr txBox="1">
+            <a:spLocks noGrp="1"/>
+          </p:cNvSpPr>
           <p:nvPr>
-            <p:ph idx="1" type="body"/>
+            <p:ph type="body" idx="1"/>
           </p:nvPr>
         </p:nvSpPr>
         <p:spPr>
@@ -2861,11 +2957,11 @@
           </a:prstGeom>
         </p:spPr>
         <p:txBody>
-          <a:bodyPr anchorCtr="0" anchor="t" bIns="91425" lIns="91425" spcFirstLastPara="1" rIns="91425" wrap="square" tIns="91425">
+          <a:bodyPr spcFirstLastPara="1" wrap="square" lIns="91425" tIns="91425" rIns="91425" bIns="91425" anchor="t" anchorCtr="0">
             <a:normAutofit/>
           </a:bodyPr>
           <a:lstStyle>
-            <a:lvl1pPr indent="-317500" lvl="0" marL="457200">
+            <a:lvl1pPr marL="457200" lvl="0" indent="-317500">
               <a:spcBef>
                 <a:spcPts val="0"/>
               </a:spcBef>
@@ -2876,7 +2972,7 @@
               <a:buChar char="●"/>
               <a:defRPr sz="1400"/>
             </a:lvl1pPr>
-            <a:lvl2pPr indent="-304800" lvl="1" marL="914400">
+            <a:lvl2pPr marL="914400" lvl="1" indent="-304800">
               <a:spcBef>
                 <a:spcPts val="0"/>
               </a:spcBef>
@@ -2887,7 +2983,7 @@
               <a:buChar char="○"/>
               <a:defRPr sz="1200"/>
             </a:lvl2pPr>
-            <a:lvl3pPr indent="-304800" lvl="2" marL="1371600">
+            <a:lvl3pPr marL="1371600" lvl="2" indent="-304800">
               <a:spcBef>
                 <a:spcPts val="0"/>
               </a:spcBef>
@@ -2898,7 +2994,7 @@
               <a:buChar char="■"/>
               <a:defRPr sz="1200"/>
             </a:lvl3pPr>
-            <a:lvl4pPr indent="-304800" lvl="3" marL="1828800">
+            <a:lvl4pPr marL="1828800" lvl="3" indent="-304800">
               <a:spcBef>
                 <a:spcPts val="0"/>
               </a:spcBef>
@@ -2909,7 +3005,7 @@
               <a:buChar char="●"/>
               <a:defRPr sz="1200"/>
             </a:lvl4pPr>
-            <a:lvl5pPr indent="-304800" lvl="4" marL="2286000">
+            <a:lvl5pPr marL="2286000" lvl="4" indent="-304800">
               <a:spcBef>
                 <a:spcPts val="0"/>
               </a:spcBef>
@@ -2920,7 +3016,7 @@
               <a:buChar char="○"/>
               <a:defRPr sz="1200"/>
             </a:lvl5pPr>
-            <a:lvl6pPr indent="-304800" lvl="5" marL="2743200">
+            <a:lvl6pPr marL="2743200" lvl="5" indent="-304800">
               <a:spcBef>
                 <a:spcPts val="0"/>
               </a:spcBef>
@@ -2931,7 +3027,7 @@
               <a:buChar char="■"/>
               <a:defRPr sz="1200"/>
             </a:lvl6pPr>
-            <a:lvl7pPr indent="-304800" lvl="6" marL="3200400">
+            <a:lvl7pPr marL="3200400" lvl="6" indent="-304800">
               <a:spcBef>
                 <a:spcPts val="0"/>
               </a:spcBef>
@@ -2942,7 +3038,7 @@
               <a:buChar char="●"/>
               <a:defRPr sz="1200"/>
             </a:lvl7pPr>
-            <a:lvl8pPr indent="-304800" lvl="7" marL="3657600">
+            <a:lvl8pPr marL="3657600" lvl="7" indent="-304800">
               <a:spcBef>
                 <a:spcPts val="0"/>
               </a:spcBef>
@@ -2953,7 +3049,7 @@
               <a:buChar char="○"/>
               <a:defRPr sz="1200"/>
             </a:lvl8pPr>
-            <a:lvl9pPr indent="-304800" lvl="8" marL="4114800">
+            <a:lvl9pPr marL="4114800" lvl="8" indent="-304800">
               <a:spcBef>
                 <a:spcPts val="0"/>
               </a:spcBef>
@@ -2965,15 +3061,19 @@
               <a:defRPr sz="1200"/>
             </a:lvl9pPr>
           </a:lstStyle>
-          <a:p/>
+          <a:p>
+            <a:endParaRPr/>
+          </a:p>
         </p:txBody>
       </p:sp>
       <p:sp>
         <p:nvSpPr>
           <p:cNvPr id="24" name="Google Shape;24;p5"/>
-          <p:cNvSpPr txBox="1"/>
+          <p:cNvSpPr txBox="1">
+            <a:spLocks noGrp="1"/>
+          </p:cNvSpPr>
           <p:nvPr>
-            <p:ph idx="2" type="body"/>
+            <p:ph type="body" idx="2"/>
           </p:nvPr>
         </p:nvSpPr>
         <p:spPr>
@@ -2986,11 +3086,11 @@
           </a:prstGeom>
         </p:spPr>
         <p:txBody>
-          <a:bodyPr anchorCtr="0" anchor="t" bIns="91425" lIns="91425" spcFirstLastPara="1" rIns="91425" wrap="square" tIns="91425">
+          <a:bodyPr spcFirstLastPara="1" wrap="square" lIns="91425" tIns="91425" rIns="91425" bIns="91425" anchor="t" anchorCtr="0">
             <a:normAutofit/>
           </a:bodyPr>
           <a:lstStyle>
-            <a:lvl1pPr indent="-317500" lvl="0" marL="457200">
+            <a:lvl1pPr marL="457200" lvl="0" indent="-317500">
               <a:spcBef>
                 <a:spcPts val="0"/>
               </a:spcBef>
@@ -3001,7 +3101,7 @@
               <a:buChar char="●"/>
               <a:defRPr sz="1400"/>
             </a:lvl1pPr>
-            <a:lvl2pPr indent="-304800" lvl="1" marL="914400">
+            <a:lvl2pPr marL="914400" lvl="1" indent="-304800">
               <a:spcBef>
                 <a:spcPts val="0"/>
               </a:spcBef>
@@ -3012,7 +3112,7 @@
               <a:buChar char="○"/>
               <a:defRPr sz="1200"/>
             </a:lvl2pPr>
-            <a:lvl3pPr indent="-304800" lvl="2" marL="1371600">
+            <a:lvl3pPr marL="1371600" lvl="2" indent="-304800">
               <a:spcBef>
                 <a:spcPts val="0"/>
               </a:spcBef>
@@ -3023,7 +3123,7 @@
               <a:buChar char="■"/>
               <a:defRPr sz="1200"/>
             </a:lvl3pPr>
-            <a:lvl4pPr indent="-304800" lvl="3" marL="1828800">
+            <a:lvl4pPr marL="1828800" lvl="3" indent="-304800">
               <a:spcBef>
                 <a:spcPts val="0"/>
               </a:spcBef>
@@ -3034,7 +3134,7 @@
               <a:buChar char="●"/>
               <a:defRPr sz="1200"/>
             </a:lvl4pPr>
-            <a:lvl5pPr indent="-304800" lvl="4" marL="2286000">
+            <a:lvl5pPr marL="2286000" lvl="4" indent="-304800">
               <a:spcBef>
                 <a:spcPts val="0"/>
               </a:spcBef>
@@ -3045,7 +3145,7 @@
               <a:buChar char="○"/>
               <a:defRPr sz="1200"/>
             </a:lvl5pPr>
-            <a:lvl6pPr indent="-304800" lvl="5" marL="2743200">
+            <a:lvl6pPr marL="2743200" lvl="5" indent="-304800">
               <a:spcBef>
                 <a:spcPts val="0"/>
               </a:spcBef>
@@ -3056,7 +3156,7 @@
               <a:buChar char="■"/>
               <a:defRPr sz="1200"/>
             </a:lvl6pPr>
-            <a:lvl7pPr indent="-304800" lvl="6" marL="3200400">
+            <a:lvl7pPr marL="3200400" lvl="6" indent="-304800">
               <a:spcBef>
                 <a:spcPts val="0"/>
               </a:spcBef>
@@ -3067,7 +3167,7 @@
               <a:buChar char="●"/>
               <a:defRPr sz="1200"/>
             </a:lvl7pPr>
-            <a:lvl8pPr indent="-304800" lvl="7" marL="3657600">
+            <a:lvl8pPr marL="3657600" lvl="7" indent="-304800">
               <a:spcBef>
                 <a:spcPts val="0"/>
               </a:spcBef>
@@ -3078,7 +3178,7 @@
               <a:buChar char="○"/>
               <a:defRPr sz="1200"/>
             </a:lvl8pPr>
-            <a:lvl9pPr indent="-304800" lvl="8" marL="4114800">
+            <a:lvl9pPr marL="4114800" lvl="8" indent="-304800">
               <a:spcBef>
                 <a:spcPts val="0"/>
               </a:spcBef>
@@ -3090,15 +3190,19 @@
               <a:defRPr sz="1200"/>
             </a:lvl9pPr>
           </a:lstStyle>
-          <a:p/>
+          <a:p>
+            <a:endParaRPr/>
+          </a:p>
         </p:txBody>
       </p:sp>
       <p:sp>
         <p:nvSpPr>
           <p:cNvPr id="25" name="Google Shape;25;p5"/>
-          <p:cNvSpPr txBox="1"/>
+          <p:cNvSpPr txBox="1">
+            <a:spLocks noGrp="1"/>
+          </p:cNvSpPr>
           <p:nvPr>
-            <p:ph idx="12" type="sldNum"/>
+            <p:ph type="sldNum" idx="12"/>
           </p:nvPr>
         </p:nvSpPr>
         <p:spPr>
@@ -3111,7 +3215,7 @@
           </a:prstGeom>
         </p:spPr>
         <p:txBody>
-          <a:bodyPr anchorCtr="0" anchor="ctr" bIns="91425" lIns="91425" spcFirstLastPara="1" rIns="91425" wrap="square" tIns="91425">
+          <a:bodyPr spcFirstLastPara="1" wrap="square" lIns="91425" tIns="91425" rIns="91425" bIns="91425" anchor="ctr" anchorCtr="0">
             <a:normAutofit/>
           </a:bodyPr>
           <a:lstStyle>
@@ -3153,7 +3257,7 @@
             </a:lvl9pPr>
           </a:lstStyle>
           <a:p>
-            <a:pPr indent="0" lvl="0" marL="0" rtl="0" algn="r">
+            <a:pPr marL="0" lvl="0" indent="0" algn="r" rtl="0">
               <a:spcBef>
                 <a:spcPts val="0"/>
               </a:spcBef>
@@ -3164,7 +3268,7 @@
             </a:pPr>
             <a:fld id="{00000000-1234-1234-1234-123412341234}" type="slidenum">
               <a:rPr lang="fr"/>
-              <a:t>‹#›</a:t>
+              <a:t>‹N°›</a:t>
             </a:fld>
             <a:endParaRPr/>
           </a:p>
@@ -3179,11 +3283,11 @@
 </file>
 
 <file path=ppt/slideLayouts/slideLayout5.xml><?xml version="1.0" encoding="utf-8"?>
-<p:sldLayout xmlns:a="http://schemas.openxmlformats.org/drawingml/2006/main" xmlns:r="http://schemas.openxmlformats.org/officeDocument/2006/relationships" xmlns:mc="http://schemas.openxmlformats.org/markup-compatibility/2006" xmlns:mv="urn:schemas-microsoft-com:mac:vml" xmlns:p="http://schemas.openxmlformats.org/presentationml/2006/main" xmlns:c="http://schemas.openxmlformats.org/drawingml/2006/chart" xmlns:dgm="http://schemas.openxmlformats.org/drawingml/2006/diagram" xmlns:o="urn:schemas-microsoft-com:office:office" xmlns:v="urn:schemas-microsoft-com:vml" xmlns:pvml="urn:schemas-microsoft-com:office:powerpoint" xmlns:com="http://schemas.openxmlformats.org/drawingml/2006/compatibility" xmlns:p14="http://schemas.microsoft.com/office/powerpoint/2010/main" xmlns:p15="http://schemas.microsoft.com/office/powerpoint/2012/main" xmlns:ahyp="http://schemas.microsoft.com/office/drawing/2018/hyperlinkcolor" matchingName="Title only" type="titleOnly">
+<p:sldLayout xmlns:a="http://schemas.openxmlformats.org/drawingml/2006/main" xmlns:r="http://schemas.openxmlformats.org/officeDocument/2006/relationships" xmlns:p="http://schemas.openxmlformats.org/presentationml/2006/main" matchingName="Title only" type="titleOnly">
   <p:cSld name="TITLE_ONLY">
     <p:spTree>
       <p:nvGrpSpPr>
-        <p:cNvPr id="26" name="Shape 26"/>
+        <p:cNvPr id="1" name="Shape 26"/>
         <p:cNvGrpSpPr/>
         <p:nvPr/>
       </p:nvGrpSpPr>
@@ -3198,7 +3302,9 @@
       <p:sp>
         <p:nvSpPr>
           <p:cNvPr id="27" name="Google Shape;27;p6"/>
-          <p:cNvSpPr txBox="1"/>
+          <p:cNvSpPr txBox="1">
+            <a:spLocks noGrp="1"/>
+          </p:cNvSpPr>
           <p:nvPr>
             <p:ph type="title"/>
           </p:nvPr>
@@ -3213,7 +3319,7 @@
           </a:prstGeom>
         </p:spPr>
         <p:txBody>
-          <a:bodyPr anchorCtr="0" anchor="t" bIns="91425" lIns="91425" spcFirstLastPara="1" rIns="91425" wrap="square" tIns="91425">
+          <a:bodyPr spcFirstLastPara="1" wrap="square" lIns="91425" tIns="91425" rIns="91425" bIns="91425" anchor="t" anchorCtr="0">
             <a:normAutofit/>
           </a:bodyPr>
           <a:lstStyle>
@@ -3317,15 +3423,19 @@
               <a:defRPr/>
             </a:lvl9pPr>
           </a:lstStyle>
-          <a:p/>
+          <a:p>
+            <a:endParaRPr/>
+          </a:p>
         </p:txBody>
       </p:sp>
       <p:sp>
         <p:nvSpPr>
           <p:cNvPr id="28" name="Google Shape;28;p6"/>
-          <p:cNvSpPr txBox="1"/>
+          <p:cNvSpPr txBox="1">
+            <a:spLocks noGrp="1"/>
+          </p:cNvSpPr>
           <p:nvPr>
-            <p:ph idx="12" type="sldNum"/>
+            <p:ph type="sldNum" idx="12"/>
           </p:nvPr>
         </p:nvSpPr>
         <p:spPr>
@@ -3338,7 +3448,7 @@
           </a:prstGeom>
         </p:spPr>
         <p:txBody>
-          <a:bodyPr anchorCtr="0" anchor="ctr" bIns="91425" lIns="91425" spcFirstLastPara="1" rIns="91425" wrap="square" tIns="91425">
+          <a:bodyPr spcFirstLastPara="1" wrap="square" lIns="91425" tIns="91425" rIns="91425" bIns="91425" anchor="ctr" anchorCtr="0">
             <a:normAutofit/>
           </a:bodyPr>
           <a:lstStyle>
@@ -3380,7 +3490,7 @@
             </a:lvl9pPr>
           </a:lstStyle>
           <a:p>
-            <a:pPr indent="0" lvl="0" marL="0" rtl="0" algn="r">
+            <a:pPr marL="0" lvl="0" indent="0" algn="r" rtl="0">
               <a:spcBef>
                 <a:spcPts val="0"/>
               </a:spcBef>
@@ -3391,7 +3501,7 @@
             </a:pPr>
             <a:fld id="{00000000-1234-1234-1234-123412341234}" type="slidenum">
               <a:rPr lang="fr"/>
-              <a:t>‹#›</a:t>
+              <a:t>‹N°›</a:t>
             </a:fld>
             <a:endParaRPr/>
           </a:p>
@@ -3406,11 +3516,11 @@
 </file>
 
 <file path=ppt/slideLayouts/slideLayout6.xml><?xml version="1.0" encoding="utf-8"?>
-<p:sldLayout xmlns:a="http://schemas.openxmlformats.org/drawingml/2006/main" xmlns:r="http://schemas.openxmlformats.org/officeDocument/2006/relationships" xmlns:mc="http://schemas.openxmlformats.org/markup-compatibility/2006" xmlns:mv="urn:schemas-microsoft-com:mac:vml" xmlns:p="http://schemas.openxmlformats.org/presentationml/2006/main" xmlns:c="http://schemas.openxmlformats.org/drawingml/2006/chart" xmlns:dgm="http://schemas.openxmlformats.org/drawingml/2006/diagram" xmlns:o="urn:schemas-microsoft-com:office:office" xmlns:v="urn:schemas-microsoft-com:vml" xmlns:pvml="urn:schemas-microsoft-com:office:powerpoint" xmlns:com="http://schemas.openxmlformats.org/drawingml/2006/compatibility" xmlns:p14="http://schemas.microsoft.com/office/powerpoint/2010/main" xmlns:p15="http://schemas.microsoft.com/office/powerpoint/2012/main" xmlns:ahyp="http://schemas.microsoft.com/office/drawing/2018/hyperlinkcolor" matchingName="One column text">
+<p:sldLayout xmlns:a="http://schemas.openxmlformats.org/drawingml/2006/main" xmlns:r="http://schemas.openxmlformats.org/officeDocument/2006/relationships" xmlns:p="http://schemas.openxmlformats.org/presentationml/2006/main" matchingName="One column text">
   <p:cSld name="ONE_COLUMN_TEXT">
     <p:spTree>
       <p:nvGrpSpPr>
-        <p:cNvPr id="29" name="Shape 29"/>
+        <p:cNvPr id="1" name="Shape 29"/>
         <p:cNvGrpSpPr/>
         <p:nvPr/>
       </p:nvGrpSpPr>
@@ -3425,7 +3535,9 @@
       <p:sp>
         <p:nvSpPr>
           <p:cNvPr id="30" name="Google Shape;30;p7"/>
-          <p:cNvSpPr txBox="1"/>
+          <p:cNvSpPr txBox="1">
+            <a:spLocks noGrp="1"/>
+          </p:cNvSpPr>
           <p:nvPr>
             <p:ph type="title"/>
           </p:nvPr>
@@ -3440,7 +3552,7 @@
           </a:prstGeom>
         </p:spPr>
         <p:txBody>
-          <a:bodyPr anchorCtr="0" anchor="b" bIns="91425" lIns="91425" spcFirstLastPara="1" rIns="91425" wrap="square" tIns="91425">
+          <a:bodyPr spcFirstLastPara="1" wrap="square" lIns="91425" tIns="91425" rIns="91425" bIns="91425" anchor="b" anchorCtr="0">
             <a:normAutofit/>
           </a:bodyPr>
           <a:lstStyle>
@@ -3544,15 +3656,19 @@
               <a:defRPr sz="2400"/>
             </a:lvl9pPr>
           </a:lstStyle>
-          <a:p/>
+          <a:p>
+            <a:endParaRPr/>
+          </a:p>
         </p:txBody>
       </p:sp>
       <p:sp>
         <p:nvSpPr>
           <p:cNvPr id="31" name="Google Shape;31;p7"/>
-          <p:cNvSpPr txBox="1"/>
+          <p:cNvSpPr txBox="1">
+            <a:spLocks noGrp="1"/>
+          </p:cNvSpPr>
           <p:nvPr>
-            <p:ph idx="1" type="body"/>
+            <p:ph type="body" idx="1"/>
           </p:nvPr>
         </p:nvSpPr>
         <p:spPr>
@@ -3565,11 +3681,11 @@
           </a:prstGeom>
         </p:spPr>
         <p:txBody>
-          <a:bodyPr anchorCtr="0" anchor="t" bIns="91425" lIns="91425" spcFirstLastPara="1" rIns="91425" wrap="square" tIns="91425">
+          <a:bodyPr spcFirstLastPara="1" wrap="square" lIns="91425" tIns="91425" rIns="91425" bIns="91425" anchor="t" anchorCtr="0">
             <a:normAutofit/>
           </a:bodyPr>
           <a:lstStyle>
-            <a:lvl1pPr indent="-304800" lvl="0" marL="457200">
+            <a:lvl1pPr marL="457200" lvl="0" indent="-304800">
               <a:spcBef>
                 <a:spcPts val="0"/>
               </a:spcBef>
@@ -3580,7 +3696,7 @@
               <a:buChar char="●"/>
               <a:defRPr sz="1200"/>
             </a:lvl1pPr>
-            <a:lvl2pPr indent="-304800" lvl="1" marL="914400">
+            <a:lvl2pPr marL="914400" lvl="1" indent="-304800">
               <a:spcBef>
                 <a:spcPts val="0"/>
               </a:spcBef>
@@ -3591,7 +3707,7 @@
               <a:buChar char="○"/>
               <a:defRPr sz="1200"/>
             </a:lvl2pPr>
-            <a:lvl3pPr indent="-304800" lvl="2" marL="1371600">
+            <a:lvl3pPr marL="1371600" lvl="2" indent="-304800">
               <a:spcBef>
                 <a:spcPts val="0"/>
               </a:spcBef>
@@ -3602,7 +3718,7 @@
               <a:buChar char="■"/>
               <a:defRPr sz="1200"/>
             </a:lvl3pPr>
-            <a:lvl4pPr indent="-304800" lvl="3" marL="1828800">
+            <a:lvl4pPr marL="1828800" lvl="3" indent="-304800">
               <a:spcBef>
                 <a:spcPts val="0"/>
               </a:spcBef>
@@ -3613,7 +3729,7 @@
               <a:buChar char="●"/>
               <a:defRPr sz="1200"/>
             </a:lvl4pPr>
-            <a:lvl5pPr indent="-304800" lvl="4" marL="2286000">
+            <a:lvl5pPr marL="2286000" lvl="4" indent="-304800">
               <a:spcBef>
                 <a:spcPts val="0"/>
               </a:spcBef>
@@ -3624,7 +3740,7 @@
               <a:buChar char="○"/>
               <a:defRPr sz="1200"/>
             </a:lvl5pPr>
-            <a:lvl6pPr indent="-304800" lvl="5" marL="2743200">
+            <a:lvl6pPr marL="2743200" lvl="5" indent="-304800">
               <a:spcBef>
                 <a:spcPts val="0"/>
               </a:spcBef>
@@ -3635,7 +3751,7 @@
               <a:buChar char="■"/>
               <a:defRPr sz="1200"/>
             </a:lvl6pPr>
-            <a:lvl7pPr indent="-304800" lvl="6" marL="3200400">
+            <a:lvl7pPr marL="3200400" lvl="6" indent="-304800">
               <a:spcBef>
                 <a:spcPts val="0"/>
               </a:spcBef>
@@ -3646,7 +3762,7 @@
               <a:buChar char="●"/>
               <a:defRPr sz="1200"/>
             </a:lvl7pPr>
-            <a:lvl8pPr indent="-304800" lvl="7" marL="3657600">
+            <a:lvl8pPr marL="3657600" lvl="7" indent="-304800">
               <a:spcBef>
                 <a:spcPts val="0"/>
               </a:spcBef>
@@ -3657,7 +3773,7 @@
               <a:buChar char="○"/>
               <a:defRPr sz="1200"/>
             </a:lvl8pPr>
-            <a:lvl9pPr indent="-304800" lvl="8" marL="4114800">
+            <a:lvl9pPr marL="4114800" lvl="8" indent="-304800">
               <a:spcBef>
                 <a:spcPts val="0"/>
               </a:spcBef>
@@ -3669,15 +3785,19 @@
               <a:defRPr sz="1200"/>
             </a:lvl9pPr>
           </a:lstStyle>
-          <a:p/>
+          <a:p>
+            <a:endParaRPr/>
+          </a:p>
         </p:txBody>
       </p:sp>
       <p:sp>
         <p:nvSpPr>
           <p:cNvPr id="32" name="Google Shape;32;p7"/>
-          <p:cNvSpPr txBox="1"/>
+          <p:cNvSpPr txBox="1">
+            <a:spLocks noGrp="1"/>
+          </p:cNvSpPr>
           <p:nvPr>
-            <p:ph idx="12" type="sldNum"/>
+            <p:ph type="sldNum" idx="12"/>
           </p:nvPr>
         </p:nvSpPr>
         <p:spPr>
@@ -3690,7 +3810,7 @@
           </a:prstGeom>
         </p:spPr>
         <p:txBody>
-          <a:bodyPr anchorCtr="0" anchor="ctr" bIns="91425" lIns="91425" spcFirstLastPara="1" rIns="91425" wrap="square" tIns="91425">
+          <a:bodyPr spcFirstLastPara="1" wrap="square" lIns="91425" tIns="91425" rIns="91425" bIns="91425" anchor="ctr" anchorCtr="0">
             <a:normAutofit/>
           </a:bodyPr>
           <a:lstStyle>
@@ -3732,7 +3852,7 @@
             </a:lvl9pPr>
           </a:lstStyle>
           <a:p>
-            <a:pPr indent="0" lvl="0" marL="0" rtl="0" algn="r">
+            <a:pPr marL="0" lvl="0" indent="0" algn="r" rtl="0">
               <a:spcBef>
                 <a:spcPts val="0"/>
               </a:spcBef>
@@ -3743,7 +3863,7 @@
             </a:pPr>
             <a:fld id="{00000000-1234-1234-1234-123412341234}" type="slidenum">
               <a:rPr lang="fr"/>
-              <a:t>‹#›</a:t>
+              <a:t>‹N°›</a:t>
             </a:fld>
             <a:endParaRPr/>
           </a:p>
@@ -3758,11 +3878,11 @@
 </file>
 
 <file path=ppt/slideLayouts/slideLayout7.xml><?xml version="1.0" encoding="utf-8"?>
-<p:sldLayout xmlns:a="http://schemas.openxmlformats.org/drawingml/2006/main" xmlns:r="http://schemas.openxmlformats.org/officeDocument/2006/relationships" xmlns:mc="http://schemas.openxmlformats.org/markup-compatibility/2006" xmlns:mv="urn:schemas-microsoft-com:mac:vml" xmlns:p="http://schemas.openxmlformats.org/presentationml/2006/main" xmlns:c="http://schemas.openxmlformats.org/drawingml/2006/chart" xmlns:dgm="http://schemas.openxmlformats.org/drawingml/2006/diagram" xmlns:o="urn:schemas-microsoft-com:office:office" xmlns:v="urn:schemas-microsoft-com:vml" xmlns:pvml="urn:schemas-microsoft-com:office:powerpoint" xmlns:com="http://schemas.openxmlformats.org/drawingml/2006/compatibility" xmlns:p14="http://schemas.microsoft.com/office/powerpoint/2010/main" xmlns:p15="http://schemas.microsoft.com/office/powerpoint/2012/main" xmlns:ahyp="http://schemas.microsoft.com/office/drawing/2018/hyperlinkcolor" matchingName="Main point">
+<p:sldLayout xmlns:a="http://schemas.openxmlformats.org/drawingml/2006/main" xmlns:r="http://schemas.openxmlformats.org/officeDocument/2006/relationships" xmlns:p="http://schemas.openxmlformats.org/presentationml/2006/main" matchingName="Main point">
   <p:cSld name="MAIN_POINT">
     <p:spTree>
       <p:nvGrpSpPr>
-        <p:cNvPr id="33" name="Shape 33"/>
+        <p:cNvPr id="1" name="Shape 33"/>
         <p:cNvGrpSpPr/>
         <p:nvPr/>
       </p:nvGrpSpPr>
@@ -3777,7 +3897,9 @@
       <p:sp>
         <p:nvSpPr>
           <p:cNvPr id="34" name="Google Shape;34;p8"/>
-          <p:cNvSpPr txBox="1"/>
+          <p:cNvSpPr txBox="1">
+            <a:spLocks noGrp="1"/>
+          </p:cNvSpPr>
           <p:nvPr>
             <p:ph type="title"/>
           </p:nvPr>
@@ -3792,7 +3914,7 @@
           </a:prstGeom>
         </p:spPr>
         <p:txBody>
-          <a:bodyPr anchorCtr="0" anchor="ctr" bIns="91425" lIns="91425" spcFirstLastPara="1" rIns="91425" wrap="square" tIns="91425">
+          <a:bodyPr spcFirstLastPara="1" wrap="square" lIns="91425" tIns="91425" rIns="91425" bIns="91425" anchor="ctr" anchorCtr="0">
             <a:normAutofit/>
           </a:bodyPr>
           <a:lstStyle>
@@ -3896,15 +4018,19 @@
               <a:defRPr sz="4800"/>
             </a:lvl9pPr>
           </a:lstStyle>
-          <a:p/>
+          <a:p>
+            <a:endParaRPr/>
+          </a:p>
         </p:txBody>
       </p:sp>
       <p:sp>
         <p:nvSpPr>
           <p:cNvPr id="35" name="Google Shape;35;p8"/>
-          <p:cNvSpPr txBox="1"/>
+          <p:cNvSpPr txBox="1">
+            <a:spLocks noGrp="1"/>
+          </p:cNvSpPr>
           <p:nvPr>
-            <p:ph idx="12" type="sldNum"/>
+            <p:ph type="sldNum" idx="12"/>
           </p:nvPr>
         </p:nvSpPr>
         <p:spPr>
@@ -3917,7 +4043,7 @@
           </a:prstGeom>
         </p:spPr>
         <p:txBody>
-          <a:bodyPr anchorCtr="0" anchor="ctr" bIns="91425" lIns="91425" spcFirstLastPara="1" rIns="91425" wrap="square" tIns="91425">
+          <a:bodyPr spcFirstLastPara="1" wrap="square" lIns="91425" tIns="91425" rIns="91425" bIns="91425" anchor="ctr" anchorCtr="0">
             <a:normAutofit/>
           </a:bodyPr>
           <a:lstStyle>
@@ -3959,7 +4085,7 @@
             </a:lvl9pPr>
           </a:lstStyle>
           <a:p>
-            <a:pPr indent="0" lvl="0" marL="0" rtl="0" algn="r">
+            <a:pPr marL="0" lvl="0" indent="0" algn="r" rtl="0">
               <a:spcBef>
                 <a:spcPts val="0"/>
               </a:spcBef>
@@ -3970,7 +4096,7 @@
             </a:pPr>
             <a:fld id="{00000000-1234-1234-1234-123412341234}" type="slidenum">
               <a:rPr lang="fr"/>
-              <a:t>‹#›</a:t>
+              <a:t>‹N°›</a:t>
             </a:fld>
             <a:endParaRPr/>
           </a:p>
@@ -3985,11 +4111,11 @@
 </file>
 
 <file path=ppt/slideLayouts/slideLayout8.xml><?xml version="1.0" encoding="utf-8"?>
-<p:sldLayout xmlns:a="http://schemas.openxmlformats.org/drawingml/2006/main" xmlns:r="http://schemas.openxmlformats.org/officeDocument/2006/relationships" xmlns:mc="http://schemas.openxmlformats.org/markup-compatibility/2006" xmlns:mv="urn:schemas-microsoft-com:mac:vml" xmlns:p="http://schemas.openxmlformats.org/presentationml/2006/main" xmlns:c="http://schemas.openxmlformats.org/drawingml/2006/chart" xmlns:dgm="http://schemas.openxmlformats.org/drawingml/2006/diagram" xmlns:o="urn:schemas-microsoft-com:office:office" xmlns:v="urn:schemas-microsoft-com:vml" xmlns:pvml="urn:schemas-microsoft-com:office:powerpoint" xmlns:com="http://schemas.openxmlformats.org/drawingml/2006/compatibility" xmlns:p14="http://schemas.microsoft.com/office/powerpoint/2010/main" xmlns:p15="http://schemas.microsoft.com/office/powerpoint/2012/main" xmlns:ahyp="http://schemas.microsoft.com/office/drawing/2018/hyperlinkcolor" matchingName="Section title and description">
+<p:sldLayout xmlns:a="http://schemas.openxmlformats.org/drawingml/2006/main" xmlns:r="http://schemas.openxmlformats.org/officeDocument/2006/relationships" xmlns:p="http://schemas.openxmlformats.org/presentationml/2006/main" matchingName="Section title and description">
   <p:cSld name="SECTION_TITLE_AND_DESCRIPTION">
     <p:spTree>
       <p:nvGrpSpPr>
-        <p:cNvPr id="36" name="Shape 36"/>
+        <p:cNvPr id="1" name="Shape 36"/>
         <p:cNvGrpSpPr/>
         <p:nvPr/>
       </p:nvGrpSpPr>
@@ -4023,12 +4149,12 @@
           </a:ln>
         </p:spPr>
         <p:txBody>
-          <a:bodyPr anchorCtr="0" anchor="ctr" bIns="91425" lIns="91425" spcFirstLastPara="1" rIns="91425" wrap="square" tIns="91425">
+          <a:bodyPr spcFirstLastPara="1" wrap="square" lIns="91425" tIns="91425" rIns="91425" bIns="91425" anchor="ctr" anchorCtr="0">
             <a:noAutofit/>
           </a:bodyPr>
           <a:lstStyle/>
           <a:p>
-            <a:pPr indent="0" lvl="0" marL="0" rtl="0" algn="l">
+            <a:pPr marL="0" lvl="0" indent="0" algn="l" rtl="0">
               <a:spcBef>
                 <a:spcPts val="0"/>
               </a:spcBef>
@@ -4037,9 +4163,6 @@
               </a:spcAft>
               <a:buNone/>
             </a:pPr>
-            <a:r>
-              <a:t/>
-            </a:r>
             <a:endParaRPr/>
           </a:p>
         </p:txBody>
@@ -4047,7 +4170,9 @@
       <p:sp>
         <p:nvSpPr>
           <p:cNvPr id="38" name="Google Shape;38;p9"/>
-          <p:cNvSpPr txBox="1"/>
+          <p:cNvSpPr txBox="1">
+            <a:spLocks noGrp="1"/>
+          </p:cNvSpPr>
           <p:nvPr>
             <p:ph type="title"/>
           </p:nvPr>
@@ -4062,7 +4187,7 @@
           </a:prstGeom>
         </p:spPr>
         <p:txBody>
-          <a:bodyPr anchorCtr="0" anchor="b" bIns="91425" lIns="91425" spcFirstLastPara="1" rIns="91425" wrap="square" tIns="91425">
+          <a:bodyPr spcFirstLastPara="1" wrap="square" lIns="91425" tIns="91425" rIns="91425" bIns="91425" anchor="b" anchorCtr="0">
             <a:normAutofit/>
           </a:bodyPr>
           <a:lstStyle>
@@ -4166,15 +4291,19 @@
               <a:defRPr sz="4200"/>
             </a:lvl9pPr>
           </a:lstStyle>
-          <a:p/>
+          <a:p>
+            <a:endParaRPr/>
+          </a:p>
         </p:txBody>
       </p:sp>
       <p:sp>
         <p:nvSpPr>
           <p:cNvPr id="39" name="Google Shape;39;p9"/>
-          <p:cNvSpPr txBox="1"/>
+          <p:cNvSpPr txBox="1">
+            <a:spLocks noGrp="1"/>
+          </p:cNvSpPr>
           <p:nvPr>
-            <p:ph idx="1" type="subTitle"/>
+            <p:ph type="subTitle" idx="1"/>
           </p:nvPr>
         </p:nvSpPr>
         <p:spPr>
@@ -4187,7 +4316,7 @@
           </a:prstGeom>
         </p:spPr>
         <p:txBody>
-          <a:bodyPr anchorCtr="0" anchor="t" bIns="91425" lIns="91425" spcFirstLastPara="1" rIns="91425" wrap="square" tIns="91425">
+          <a:bodyPr spcFirstLastPara="1" wrap="square" lIns="91425" tIns="91425" rIns="91425" bIns="91425" anchor="t" anchorCtr="0">
             <a:normAutofit/>
           </a:bodyPr>
           <a:lstStyle>
@@ -4318,15 +4447,19 @@
               <a:defRPr sz="2100"/>
             </a:lvl9pPr>
           </a:lstStyle>
-          <a:p/>
+          <a:p>
+            <a:endParaRPr/>
+          </a:p>
         </p:txBody>
       </p:sp>
       <p:sp>
         <p:nvSpPr>
           <p:cNvPr id="40" name="Google Shape;40;p9"/>
-          <p:cNvSpPr txBox="1"/>
+          <p:cNvSpPr txBox="1">
+            <a:spLocks noGrp="1"/>
+          </p:cNvSpPr>
           <p:nvPr>
-            <p:ph idx="2" type="body"/>
+            <p:ph type="body" idx="2"/>
           </p:nvPr>
         </p:nvSpPr>
         <p:spPr>
@@ -4339,11 +4472,11 @@
           </a:prstGeom>
         </p:spPr>
         <p:txBody>
-          <a:bodyPr anchorCtr="0" anchor="ctr" bIns="91425" lIns="91425" spcFirstLastPara="1" rIns="91425" wrap="square" tIns="91425">
+          <a:bodyPr spcFirstLastPara="1" wrap="square" lIns="91425" tIns="91425" rIns="91425" bIns="91425" anchor="ctr" anchorCtr="0">
             <a:normAutofit/>
           </a:bodyPr>
           <a:lstStyle>
-            <a:lvl1pPr indent="-342900" lvl="0" marL="457200">
+            <a:lvl1pPr marL="457200" lvl="0" indent="-342900">
               <a:spcBef>
                 <a:spcPts val="0"/>
               </a:spcBef>
@@ -4354,7 +4487,7 @@
               <a:buChar char="●"/>
               <a:defRPr/>
             </a:lvl1pPr>
-            <a:lvl2pPr indent="-317500" lvl="1" marL="914400">
+            <a:lvl2pPr marL="914400" lvl="1" indent="-317500">
               <a:spcBef>
                 <a:spcPts val="0"/>
               </a:spcBef>
@@ -4365,7 +4498,7 @@
               <a:buChar char="○"/>
               <a:defRPr/>
             </a:lvl2pPr>
-            <a:lvl3pPr indent="-317500" lvl="2" marL="1371600">
+            <a:lvl3pPr marL="1371600" lvl="2" indent="-317500">
               <a:spcBef>
                 <a:spcPts val="0"/>
               </a:spcBef>
@@ -4376,7 +4509,7 @@
               <a:buChar char="■"/>
               <a:defRPr/>
             </a:lvl3pPr>
-            <a:lvl4pPr indent="-317500" lvl="3" marL="1828800">
+            <a:lvl4pPr marL="1828800" lvl="3" indent="-317500">
               <a:spcBef>
                 <a:spcPts val="0"/>
               </a:spcBef>
@@ -4387,7 +4520,7 @@
               <a:buChar char="●"/>
               <a:defRPr/>
             </a:lvl4pPr>
-            <a:lvl5pPr indent="-317500" lvl="4" marL="2286000">
+            <a:lvl5pPr marL="2286000" lvl="4" indent="-317500">
               <a:spcBef>
                 <a:spcPts val="0"/>
               </a:spcBef>
@@ -4398,7 +4531,7 @@
               <a:buChar char="○"/>
               <a:defRPr/>
             </a:lvl5pPr>
-            <a:lvl6pPr indent="-317500" lvl="5" marL="2743200">
+            <a:lvl6pPr marL="2743200" lvl="5" indent="-317500">
               <a:spcBef>
                 <a:spcPts val="0"/>
               </a:spcBef>
@@ -4409,7 +4542,7 @@
               <a:buChar char="■"/>
               <a:defRPr/>
             </a:lvl6pPr>
-            <a:lvl7pPr indent="-317500" lvl="6" marL="3200400">
+            <a:lvl7pPr marL="3200400" lvl="6" indent="-317500">
               <a:spcBef>
                 <a:spcPts val="0"/>
               </a:spcBef>
@@ -4420,7 +4553,7 @@
               <a:buChar char="●"/>
               <a:defRPr/>
             </a:lvl7pPr>
-            <a:lvl8pPr indent="-317500" lvl="7" marL="3657600">
+            <a:lvl8pPr marL="3657600" lvl="7" indent="-317500">
               <a:spcBef>
                 <a:spcPts val="0"/>
               </a:spcBef>
@@ -4431,7 +4564,7 @@
               <a:buChar char="○"/>
               <a:defRPr/>
             </a:lvl8pPr>
-            <a:lvl9pPr indent="-317500" lvl="8" marL="4114800">
+            <a:lvl9pPr marL="4114800" lvl="8" indent="-317500">
               <a:spcBef>
                 <a:spcPts val="0"/>
               </a:spcBef>
@@ -4443,15 +4576,19 @@
               <a:defRPr/>
             </a:lvl9pPr>
           </a:lstStyle>
-          <a:p/>
+          <a:p>
+            <a:endParaRPr/>
+          </a:p>
         </p:txBody>
       </p:sp>
       <p:sp>
         <p:nvSpPr>
           <p:cNvPr id="41" name="Google Shape;41;p9"/>
-          <p:cNvSpPr txBox="1"/>
+          <p:cNvSpPr txBox="1">
+            <a:spLocks noGrp="1"/>
+          </p:cNvSpPr>
           <p:nvPr>
-            <p:ph idx="12" type="sldNum"/>
+            <p:ph type="sldNum" idx="12"/>
           </p:nvPr>
         </p:nvSpPr>
         <p:spPr>
@@ -4464,7 +4601,7 @@
           </a:prstGeom>
         </p:spPr>
         <p:txBody>
-          <a:bodyPr anchorCtr="0" anchor="ctr" bIns="91425" lIns="91425" spcFirstLastPara="1" rIns="91425" wrap="square" tIns="91425">
+          <a:bodyPr spcFirstLastPara="1" wrap="square" lIns="91425" tIns="91425" rIns="91425" bIns="91425" anchor="ctr" anchorCtr="0">
             <a:normAutofit/>
           </a:bodyPr>
           <a:lstStyle>
@@ -4506,7 +4643,7 @@
             </a:lvl9pPr>
           </a:lstStyle>
           <a:p>
-            <a:pPr indent="0" lvl="0" marL="0" rtl="0" algn="r">
+            <a:pPr marL="0" lvl="0" indent="0" algn="r" rtl="0">
               <a:spcBef>
                 <a:spcPts val="0"/>
               </a:spcBef>
@@ -4517,7 +4654,7 @@
             </a:pPr>
             <a:fld id="{00000000-1234-1234-1234-123412341234}" type="slidenum">
               <a:rPr lang="fr"/>
-              <a:t>‹#›</a:t>
+              <a:t>‹N°›</a:t>
             </a:fld>
             <a:endParaRPr/>
           </a:p>
@@ -4532,11 +4669,11 @@
 </file>
 
 <file path=ppt/slideLayouts/slideLayout9.xml><?xml version="1.0" encoding="utf-8"?>
-<p:sldLayout xmlns:a="http://schemas.openxmlformats.org/drawingml/2006/main" xmlns:r="http://schemas.openxmlformats.org/officeDocument/2006/relationships" xmlns:mc="http://schemas.openxmlformats.org/markup-compatibility/2006" xmlns:mv="urn:schemas-microsoft-com:mac:vml" xmlns:p="http://schemas.openxmlformats.org/presentationml/2006/main" xmlns:c="http://schemas.openxmlformats.org/drawingml/2006/chart" xmlns:dgm="http://schemas.openxmlformats.org/drawingml/2006/diagram" xmlns:o="urn:schemas-microsoft-com:office:office" xmlns:v="urn:schemas-microsoft-com:vml" xmlns:pvml="urn:schemas-microsoft-com:office:powerpoint" xmlns:com="http://schemas.openxmlformats.org/drawingml/2006/compatibility" xmlns:p14="http://schemas.microsoft.com/office/powerpoint/2010/main" xmlns:p15="http://schemas.microsoft.com/office/powerpoint/2012/main" xmlns:ahyp="http://schemas.microsoft.com/office/drawing/2018/hyperlinkcolor" matchingName="Caption">
+<p:sldLayout xmlns:a="http://schemas.openxmlformats.org/drawingml/2006/main" xmlns:r="http://schemas.openxmlformats.org/officeDocument/2006/relationships" xmlns:p="http://schemas.openxmlformats.org/presentationml/2006/main" matchingName="Caption">
   <p:cSld name="CAPTION_ONLY">
     <p:spTree>
       <p:nvGrpSpPr>
-        <p:cNvPr id="42" name="Shape 42"/>
+        <p:cNvPr id="1" name="Shape 42"/>
         <p:cNvGrpSpPr/>
         <p:nvPr/>
       </p:nvGrpSpPr>
@@ -4551,9 +4688,11 @@
       <p:sp>
         <p:nvSpPr>
           <p:cNvPr id="43" name="Google Shape;43;p10"/>
-          <p:cNvSpPr txBox="1"/>
+          <p:cNvSpPr txBox="1">
+            <a:spLocks noGrp="1"/>
+          </p:cNvSpPr>
           <p:nvPr>
-            <p:ph idx="1" type="body"/>
+            <p:ph type="body" idx="1"/>
           </p:nvPr>
         </p:nvSpPr>
         <p:spPr>
@@ -4566,11 +4705,11 @@
           </a:prstGeom>
         </p:spPr>
         <p:txBody>
-          <a:bodyPr anchorCtr="0" anchor="ctr" bIns="91425" lIns="91425" spcFirstLastPara="1" rIns="91425" wrap="square" tIns="91425">
+          <a:bodyPr spcFirstLastPara="1" wrap="square" lIns="91425" tIns="91425" rIns="91425" bIns="91425" anchor="ctr" anchorCtr="0">
             <a:normAutofit/>
           </a:bodyPr>
           <a:lstStyle>
-            <a:lvl1pPr indent="-228600" lvl="0" marL="457200">
+            <a:lvl1pPr marL="457200" lvl="0" indent="-228600">
               <a:lnSpc>
                 <a:spcPct val="100000"/>
               </a:lnSpc>
@@ -4585,15 +4724,19 @@
               <a:defRPr/>
             </a:lvl1pPr>
           </a:lstStyle>
-          <a:p/>
+          <a:p>
+            <a:endParaRPr/>
+          </a:p>
         </p:txBody>
       </p:sp>
       <p:sp>
         <p:nvSpPr>
           <p:cNvPr id="44" name="Google Shape;44;p10"/>
-          <p:cNvSpPr txBox="1"/>
+          <p:cNvSpPr txBox="1">
+            <a:spLocks noGrp="1"/>
+          </p:cNvSpPr>
           <p:nvPr>
-            <p:ph idx="12" type="sldNum"/>
+            <p:ph type="sldNum" idx="12"/>
           </p:nvPr>
         </p:nvSpPr>
         <p:spPr>
@@ -4606,7 +4749,7 @@
           </a:prstGeom>
         </p:spPr>
         <p:txBody>
-          <a:bodyPr anchorCtr="0" anchor="ctr" bIns="91425" lIns="91425" spcFirstLastPara="1" rIns="91425" wrap="square" tIns="91425">
+          <a:bodyPr spcFirstLastPara="1" wrap="square" lIns="91425" tIns="91425" rIns="91425" bIns="91425" anchor="ctr" anchorCtr="0">
             <a:normAutofit/>
           </a:bodyPr>
           <a:lstStyle>
@@ -4648,7 +4791,7 @@
             </a:lvl9pPr>
           </a:lstStyle>
           <a:p>
-            <a:pPr indent="0" lvl="0" marL="0" rtl="0" algn="r">
+            <a:pPr marL="0" lvl="0" indent="0" algn="r" rtl="0">
               <a:spcBef>
                 <a:spcPts val="0"/>
               </a:spcBef>
@@ -4659,7 +4802,7 @@
             </a:pPr>
             <a:fld id="{00000000-1234-1234-1234-123412341234}" type="slidenum">
               <a:rPr lang="fr"/>
-              <a:t>‹#›</a:t>
+              <a:t>‹N°›</a:t>
             </a:fld>
             <a:endParaRPr/>
           </a:p>
@@ -4674,18 +4817,19 @@
 </file>
 
 <file path=ppt/slideMasters/slideMaster1.xml><?xml version="1.0" encoding="utf-8"?>
-<p:sldMaster xmlns:a="http://schemas.openxmlformats.org/drawingml/2006/main" xmlns:r="http://schemas.openxmlformats.org/officeDocument/2006/relationships" xmlns:mc="http://schemas.openxmlformats.org/markup-compatibility/2006" xmlns:mv="urn:schemas-microsoft-com:mac:vml" xmlns:p="http://schemas.openxmlformats.org/presentationml/2006/main" xmlns:c="http://schemas.openxmlformats.org/drawingml/2006/chart" xmlns:dgm="http://schemas.openxmlformats.org/drawingml/2006/diagram" xmlns:o="urn:schemas-microsoft-com:office:office" xmlns:v="urn:schemas-microsoft-com:vml" xmlns:pvml="urn:schemas-microsoft-com:office:powerpoint" xmlns:com="http://schemas.openxmlformats.org/drawingml/2006/compatibility" xmlns:p14="http://schemas.microsoft.com/office/powerpoint/2010/main" xmlns:p15="http://schemas.microsoft.com/office/powerpoint/2012/main" xmlns:ahyp="http://schemas.microsoft.com/office/drawing/2018/hyperlinkcolor">
+<p:sldMaster xmlns:a="http://schemas.openxmlformats.org/drawingml/2006/main" xmlns:r="http://schemas.openxmlformats.org/officeDocument/2006/relationships" xmlns:p="http://schemas.openxmlformats.org/presentationml/2006/main">
   <p:cSld name="simple-light-2">
     <p:bg>
       <p:bgPr>
         <a:solidFill>
           <a:srgbClr val="D9BCA9"/>
         </a:solidFill>
+        <a:effectLst/>
       </p:bgPr>
     </p:bg>
     <p:spTree>
       <p:nvGrpSpPr>
-        <p:cNvPr id="5" name="Shape 5"/>
+        <p:cNvPr id="1" name="Shape 5"/>
         <p:cNvGrpSpPr/>
         <p:nvPr/>
       </p:nvGrpSpPr>
@@ -4700,7 +4844,9 @@
       <p:sp>
         <p:nvSpPr>
           <p:cNvPr id="6" name="Google Shape;6;p1"/>
-          <p:cNvSpPr txBox="1"/>
+          <p:cNvSpPr txBox="1">
+            <a:spLocks noGrp="1"/>
+          </p:cNvSpPr>
           <p:nvPr>
             <p:ph type="title"/>
           </p:nvPr>
@@ -4719,7 +4865,7 @@
           </a:ln>
         </p:spPr>
         <p:txBody>
-          <a:bodyPr anchorCtr="0" anchor="t" bIns="91425" lIns="91425" spcFirstLastPara="1" rIns="91425" wrap="square" tIns="91425">
+          <a:bodyPr spcFirstLastPara="1" wrap="square" lIns="91425" tIns="91425" rIns="91425" bIns="91425" anchor="t" anchorCtr="0">
             <a:normAutofit/>
           </a:bodyPr>
           <a:lstStyle>
@@ -4886,15 +5032,19 @@
               </a:defRPr>
             </a:lvl9pPr>
           </a:lstStyle>
-          <a:p/>
+          <a:p>
+            <a:endParaRPr/>
+          </a:p>
         </p:txBody>
       </p:sp>
       <p:sp>
         <p:nvSpPr>
           <p:cNvPr id="7" name="Google Shape;7;p1"/>
-          <p:cNvSpPr txBox="1"/>
+          <p:cNvSpPr txBox="1">
+            <a:spLocks noGrp="1"/>
+          </p:cNvSpPr>
           <p:nvPr>
-            <p:ph idx="1" type="body"/>
+            <p:ph type="body" idx="1"/>
           </p:nvPr>
         </p:nvSpPr>
         <p:spPr>
@@ -4911,11 +5061,11 @@
           </a:ln>
         </p:spPr>
         <p:txBody>
-          <a:bodyPr anchorCtr="0" anchor="t" bIns="91425" lIns="91425" spcFirstLastPara="1" rIns="91425" wrap="square" tIns="91425">
+          <a:bodyPr spcFirstLastPara="1" wrap="square" lIns="91425" tIns="91425" rIns="91425" bIns="91425" anchor="t" anchorCtr="0">
             <a:normAutofit/>
           </a:bodyPr>
           <a:lstStyle>
-            <a:lvl1pPr indent="-342900" lvl="0" marL="457200">
+            <a:lvl1pPr marL="457200" lvl="0" indent="-342900">
               <a:lnSpc>
                 <a:spcPct val="115000"/>
               </a:lnSpc>
@@ -4936,7 +5086,7 @@
                 </a:solidFill>
               </a:defRPr>
             </a:lvl1pPr>
-            <a:lvl2pPr indent="-317500" lvl="1" marL="914400">
+            <a:lvl2pPr marL="914400" lvl="1" indent="-317500">
               <a:lnSpc>
                 <a:spcPct val="115000"/>
               </a:lnSpc>
@@ -4957,7 +5107,7 @@
                 </a:solidFill>
               </a:defRPr>
             </a:lvl2pPr>
-            <a:lvl3pPr indent="-317500" lvl="2" marL="1371600">
+            <a:lvl3pPr marL="1371600" lvl="2" indent="-317500">
               <a:lnSpc>
                 <a:spcPct val="115000"/>
               </a:lnSpc>
@@ -4978,7 +5128,7 @@
                 </a:solidFill>
               </a:defRPr>
             </a:lvl3pPr>
-            <a:lvl4pPr indent="-317500" lvl="3" marL="1828800">
+            <a:lvl4pPr marL="1828800" lvl="3" indent="-317500">
               <a:lnSpc>
                 <a:spcPct val="115000"/>
               </a:lnSpc>
@@ -4999,7 +5149,7 @@
                 </a:solidFill>
               </a:defRPr>
             </a:lvl4pPr>
-            <a:lvl5pPr indent="-317500" lvl="4" marL="2286000">
+            <a:lvl5pPr marL="2286000" lvl="4" indent="-317500">
               <a:lnSpc>
                 <a:spcPct val="115000"/>
               </a:lnSpc>
@@ -5020,7 +5170,7 @@
                 </a:solidFill>
               </a:defRPr>
             </a:lvl5pPr>
-            <a:lvl6pPr indent="-317500" lvl="5" marL="2743200">
+            <a:lvl6pPr marL="2743200" lvl="5" indent="-317500">
               <a:lnSpc>
                 <a:spcPct val="115000"/>
               </a:lnSpc>
@@ -5041,7 +5191,7 @@
                 </a:solidFill>
               </a:defRPr>
             </a:lvl6pPr>
-            <a:lvl7pPr indent="-317500" lvl="6" marL="3200400">
+            <a:lvl7pPr marL="3200400" lvl="6" indent="-317500">
               <a:lnSpc>
                 <a:spcPct val="115000"/>
               </a:lnSpc>
@@ -5062,7 +5212,7 @@
                 </a:solidFill>
               </a:defRPr>
             </a:lvl7pPr>
-            <a:lvl8pPr indent="-317500" lvl="7" marL="3657600">
+            <a:lvl8pPr marL="3657600" lvl="7" indent="-317500">
               <a:lnSpc>
                 <a:spcPct val="115000"/>
               </a:lnSpc>
@@ -5083,7 +5233,7 @@
                 </a:solidFill>
               </a:defRPr>
             </a:lvl8pPr>
-            <a:lvl9pPr indent="-317500" lvl="8" marL="4114800">
+            <a:lvl9pPr marL="4114800" lvl="8" indent="-317500">
               <a:lnSpc>
                 <a:spcPct val="115000"/>
               </a:lnSpc>
@@ -5105,15 +5255,19 @@
               </a:defRPr>
             </a:lvl9pPr>
           </a:lstStyle>
-          <a:p/>
+          <a:p>
+            <a:endParaRPr/>
+          </a:p>
         </p:txBody>
       </p:sp>
       <p:sp>
         <p:nvSpPr>
           <p:cNvPr id="8" name="Google Shape;8;p1"/>
-          <p:cNvSpPr txBox="1"/>
+          <p:cNvSpPr txBox="1">
+            <a:spLocks noGrp="1"/>
+          </p:cNvSpPr>
           <p:nvPr>
-            <p:ph idx="12" type="sldNum"/>
+            <p:ph type="sldNum" idx="12"/>
           </p:nvPr>
         </p:nvSpPr>
         <p:spPr>
@@ -5130,7 +5284,7 @@
           </a:ln>
         </p:spPr>
         <p:txBody>
-          <a:bodyPr anchorCtr="0" anchor="ctr" bIns="91425" lIns="91425" spcFirstLastPara="1" rIns="91425" wrap="square" tIns="91425">
+          <a:bodyPr spcFirstLastPara="1" wrap="square" lIns="91425" tIns="91425" rIns="91425" bIns="91425" anchor="ctr" anchorCtr="0">
             <a:normAutofit/>
           </a:bodyPr>
           <a:lstStyle>
@@ -5208,7 +5362,7 @@
             </a:lvl9pPr>
           </a:lstStyle>
           <a:p>
-            <a:pPr indent="0" lvl="0" marL="0" rtl="0" algn="r">
+            <a:pPr marL="0" lvl="0" indent="0" algn="r" rtl="0">
               <a:spcBef>
                 <a:spcPts val="0"/>
               </a:spcBef>
@@ -5219,7 +5373,7 @@
             </a:pPr>
             <a:fld id="{00000000-1234-1234-1234-123412341234}" type="slidenum">
               <a:rPr lang="fr"/>
-              <a:t>‹#›</a:t>
+              <a:t>‹N°›</a:t>
             </a:fld>
             <a:endParaRPr/>
           </a:p>
@@ -5232,7 +5386,7 @@
           <p:nvPr/>
         </p:nvPicPr>
         <p:blipFill>
-          <a:blip r:embed="rId1">
+          <a:blip r:embed="rId13">
             <a:alphaModFix/>
           </a:blip>
           <a:stretch>
@@ -5255,24 +5409,24 @@
       </p:pic>
     </p:spTree>
   </p:cSld>
-  <p:clrMap accent1="accent1" accent2="accent2" accent3="accent3" accent4="accent4" accent5="accent5" accent6="accent6" bg1="lt1" bg2="dk2" tx1="dk1" tx2="lt2" folHlink="folHlink" hlink="hlink"/>
+  <p:clrMap bg1="lt1" tx1="dk1" bg2="dk2" tx2="lt2" accent1="accent1" accent2="accent2" accent3="accent3" accent4="accent4" accent5="accent5" accent6="accent6" hlink="hlink" folHlink="folHlink"/>
   <p:sldLayoutIdLst>
-    <p:sldLayoutId id="2147483648" r:id="rId2"/>
-    <p:sldLayoutId id="2147483649" r:id="rId3"/>
-    <p:sldLayoutId id="2147483650" r:id="rId4"/>
-    <p:sldLayoutId id="2147483651" r:id="rId5"/>
-    <p:sldLayoutId id="2147483652" r:id="rId6"/>
-    <p:sldLayoutId id="2147483653" r:id="rId7"/>
-    <p:sldLayoutId id="2147483654" r:id="rId8"/>
-    <p:sldLayoutId id="2147483655" r:id="rId9"/>
-    <p:sldLayoutId id="2147483656" r:id="rId10"/>
-    <p:sldLayoutId id="2147483657" r:id="rId11"/>
-    <p:sldLayoutId id="2147483658" r:id="rId12"/>
+    <p:sldLayoutId id="2147483648" r:id="rId1"/>
+    <p:sldLayoutId id="2147483649" r:id="rId2"/>
+    <p:sldLayoutId id="2147483650" r:id="rId3"/>
+    <p:sldLayoutId id="2147483651" r:id="rId4"/>
+    <p:sldLayoutId id="2147483652" r:id="rId5"/>
+    <p:sldLayoutId id="2147483653" r:id="rId6"/>
+    <p:sldLayoutId id="2147483654" r:id="rId7"/>
+    <p:sldLayoutId id="2147483655" r:id="rId8"/>
+    <p:sldLayoutId id="2147483656" r:id="rId9"/>
+    <p:sldLayoutId id="2147483657" r:id="rId10"/>
+    <p:sldLayoutId id="2147483658" r:id="rId11"/>
   </p:sldLayoutIdLst>
-  <p:hf dt="0" ftr="0" hdr="0" sldNum="0"/>
+  <p:hf sldNum="0" hdr="0" ftr="0" dt="0"/>
   <p:txStyles>
     <p:titleStyle>
-      <a:defPPr lvl="0" marR="0" rtl="0" algn="l">
+      <a:defPPr marR="0" lvl="0" algn="l" rtl="0">
         <a:lnSpc>
           <a:spcPct val="100000"/>
         </a:lnSpc>
@@ -5283,7 +5437,7 @@
           <a:spcPts val="0"/>
         </a:spcAft>
       </a:defPPr>
-      <a:lvl1pPr lvl="0" marR="0" rtl="0" algn="l">
+      <a:lvl1pPr marR="0" lvl="0" algn="l" rtl="0">
         <a:lnSpc>
           <a:spcPct val="100000"/>
         </a:lnSpc>
@@ -5297,7 +5451,7 @@
           <a:srgbClr val="000000"/>
         </a:buClr>
         <a:buFont typeface="Arial"/>
-        <a:defRPr b="0" i="0" sz="1400" u="none" cap="none" strike="noStrike">
+        <a:defRPr sz="1400" b="0" i="0" u="none" strike="noStrike" cap="none">
           <a:solidFill>
             <a:srgbClr val="000000"/>
           </a:solidFill>
@@ -5307,7 +5461,7 @@
           <a:sym typeface="Arial"/>
         </a:defRPr>
       </a:lvl1pPr>
-      <a:lvl2pPr lvl="1" marR="0" rtl="0" algn="l">
+      <a:lvl2pPr marR="0" lvl="1" algn="l" rtl="0">
         <a:lnSpc>
           <a:spcPct val="100000"/>
         </a:lnSpc>
@@ -5321,7 +5475,7 @@
           <a:srgbClr val="000000"/>
         </a:buClr>
         <a:buFont typeface="Arial"/>
-        <a:defRPr b="0" i="0" sz="1400" u="none" cap="none" strike="noStrike">
+        <a:defRPr sz="1400" b="0" i="0" u="none" strike="noStrike" cap="none">
           <a:solidFill>
             <a:srgbClr val="000000"/>
           </a:solidFill>
@@ -5331,7 +5485,7 @@
           <a:sym typeface="Arial"/>
         </a:defRPr>
       </a:lvl2pPr>
-      <a:lvl3pPr lvl="2" marR="0" rtl="0" algn="l">
+      <a:lvl3pPr marR="0" lvl="2" algn="l" rtl="0">
         <a:lnSpc>
           <a:spcPct val="100000"/>
         </a:lnSpc>
@@ -5345,7 +5499,7 @@
           <a:srgbClr val="000000"/>
         </a:buClr>
         <a:buFont typeface="Arial"/>
-        <a:defRPr b="0" i="0" sz="1400" u="none" cap="none" strike="noStrike">
+        <a:defRPr sz="1400" b="0" i="0" u="none" strike="noStrike" cap="none">
           <a:solidFill>
             <a:srgbClr val="000000"/>
           </a:solidFill>
@@ -5355,7 +5509,7 @@
           <a:sym typeface="Arial"/>
         </a:defRPr>
       </a:lvl3pPr>
-      <a:lvl4pPr lvl="3" marR="0" rtl="0" algn="l">
+      <a:lvl4pPr marR="0" lvl="3" algn="l" rtl="0">
         <a:lnSpc>
           <a:spcPct val="100000"/>
         </a:lnSpc>
@@ -5369,7 +5523,7 @@
           <a:srgbClr val="000000"/>
         </a:buClr>
         <a:buFont typeface="Arial"/>
-        <a:defRPr b="0" i="0" sz="1400" u="none" cap="none" strike="noStrike">
+        <a:defRPr sz="1400" b="0" i="0" u="none" strike="noStrike" cap="none">
           <a:solidFill>
             <a:srgbClr val="000000"/>
           </a:solidFill>
@@ -5379,7 +5533,7 @@
           <a:sym typeface="Arial"/>
         </a:defRPr>
       </a:lvl4pPr>
-      <a:lvl5pPr lvl="4" marR="0" rtl="0" algn="l">
+      <a:lvl5pPr marR="0" lvl="4" algn="l" rtl="0">
         <a:lnSpc>
           <a:spcPct val="100000"/>
         </a:lnSpc>
@@ -5393,7 +5547,7 @@
           <a:srgbClr val="000000"/>
         </a:buClr>
         <a:buFont typeface="Arial"/>
-        <a:defRPr b="0" i="0" sz="1400" u="none" cap="none" strike="noStrike">
+        <a:defRPr sz="1400" b="0" i="0" u="none" strike="noStrike" cap="none">
           <a:solidFill>
             <a:srgbClr val="000000"/>
           </a:solidFill>
@@ -5403,7 +5557,7 @@
           <a:sym typeface="Arial"/>
         </a:defRPr>
       </a:lvl5pPr>
-      <a:lvl6pPr lvl="5" marR="0" rtl="0" algn="l">
+      <a:lvl6pPr marR="0" lvl="5" algn="l" rtl="0">
         <a:lnSpc>
           <a:spcPct val="100000"/>
         </a:lnSpc>
@@ -5417,7 +5571,7 @@
           <a:srgbClr val="000000"/>
         </a:buClr>
         <a:buFont typeface="Arial"/>
-        <a:defRPr b="0" i="0" sz="1400" u="none" cap="none" strike="noStrike">
+        <a:defRPr sz="1400" b="0" i="0" u="none" strike="noStrike" cap="none">
           <a:solidFill>
             <a:srgbClr val="000000"/>
           </a:solidFill>
@@ -5427,7 +5581,7 @@
           <a:sym typeface="Arial"/>
         </a:defRPr>
       </a:lvl6pPr>
-      <a:lvl7pPr lvl="6" marR="0" rtl="0" algn="l">
+      <a:lvl7pPr marR="0" lvl="6" algn="l" rtl="0">
         <a:lnSpc>
           <a:spcPct val="100000"/>
         </a:lnSpc>
@@ -5441,7 +5595,7 @@
           <a:srgbClr val="000000"/>
         </a:buClr>
         <a:buFont typeface="Arial"/>
-        <a:defRPr b="0" i="0" sz="1400" u="none" cap="none" strike="noStrike">
+        <a:defRPr sz="1400" b="0" i="0" u="none" strike="noStrike" cap="none">
           <a:solidFill>
             <a:srgbClr val="000000"/>
           </a:solidFill>
@@ -5451,7 +5605,7 @@
           <a:sym typeface="Arial"/>
         </a:defRPr>
       </a:lvl7pPr>
-      <a:lvl8pPr lvl="7" marR="0" rtl="0" algn="l">
+      <a:lvl8pPr marR="0" lvl="7" algn="l" rtl="0">
         <a:lnSpc>
           <a:spcPct val="100000"/>
         </a:lnSpc>
@@ -5465,7 +5619,7 @@
           <a:srgbClr val="000000"/>
         </a:buClr>
         <a:buFont typeface="Arial"/>
-        <a:defRPr b="0" i="0" sz="1400" u="none" cap="none" strike="noStrike">
+        <a:defRPr sz="1400" b="0" i="0" u="none" strike="noStrike" cap="none">
           <a:solidFill>
             <a:srgbClr val="000000"/>
           </a:solidFill>
@@ -5475,7 +5629,7 @@
           <a:sym typeface="Arial"/>
         </a:defRPr>
       </a:lvl8pPr>
-      <a:lvl9pPr lvl="8" marR="0" rtl="0" algn="l">
+      <a:lvl9pPr marR="0" lvl="8" algn="l" rtl="0">
         <a:lnSpc>
           <a:spcPct val="100000"/>
         </a:lnSpc>
@@ -5489,7 +5643,7 @@
           <a:srgbClr val="000000"/>
         </a:buClr>
         <a:buFont typeface="Arial"/>
-        <a:defRPr b="0" i="0" sz="1400" u="none" cap="none" strike="noStrike">
+        <a:defRPr sz="1400" b="0" i="0" u="none" strike="noStrike" cap="none">
           <a:solidFill>
             <a:srgbClr val="000000"/>
           </a:solidFill>
@@ -5501,7 +5655,7 @@
       </a:lvl9pPr>
     </p:titleStyle>
     <p:bodyStyle>
-      <a:defPPr lvl="0" marR="0" rtl="0" algn="l">
+      <a:defPPr marR="0" lvl="0" algn="l" rtl="0">
         <a:lnSpc>
           <a:spcPct val="100000"/>
         </a:lnSpc>
@@ -5512,7 +5666,7 @@
           <a:spcPts val="0"/>
         </a:spcAft>
       </a:defPPr>
-      <a:lvl1pPr lvl="0" marR="0" rtl="0" algn="l">
+      <a:lvl1pPr marR="0" lvl="0" algn="l" rtl="0">
         <a:lnSpc>
           <a:spcPct val="100000"/>
         </a:lnSpc>
@@ -5526,7 +5680,7 @@
           <a:srgbClr val="000000"/>
         </a:buClr>
         <a:buFont typeface="Arial"/>
-        <a:defRPr b="0" i="0" sz="1400" u="none" cap="none" strike="noStrike">
+        <a:defRPr sz="1400" b="0" i="0" u="none" strike="noStrike" cap="none">
           <a:solidFill>
             <a:srgbClr val="000000"/>
           </a:solidFill>
@@ -5536,7 +5690,7 @@
           <a:sym typeface="Arial"/>
         </a:defRPr>
       </a:lvl1pPr>
-      <a:lvl2pPr lvl="1" marR="0" rtl="0" algn="l">
+      <a:lvl2pPr marR="0" lvl="1" algn="l" rtl="0">
         <a:lnSpc>
           <a:spcPct val="100000"/>
         </a:lnSpc>
@@ -5550,7 +5704,7 @@
           <a:srgbClr val="000000"/>
         </a:buClr>
         <a:buFont typeface="Arial"/>
-        <a:defRPr b="0" i="0" sz="1400" u="none" cap="none" strike="noStrike">
+        <a:defRPr sz="1400" b="0" i="0" u="none" strike="noStrike" cap="none">
           <a:solidFill>
             <a:srgbClr val="000000"/>
           </a:solidFill>
@@ -5560,7 +5714,7 @@
           <a:sym typeface="Arial"/>
         </a:defRPr>
       </a:lvl2pPr>
-      <a:lvl3pPr lvl="2" marR="0" rtl="0" algn="l">
+      <a:lvl3pPr marR="0" lvl="2" algn="l" rtl="0">
         <a:lnSpc>
           <a:spcPct val="100000"/>
         </a:lnSpc>
@@ -5574,7 +5728,7 @@
           <a:srgbClr val="000000"/>
         </a:buClr>
         <a:buFont typeface="Arial"/>
-        <a:defRPr b="0" i="0" sz="1400" u="none" cap="none" strike="noStrike">
+        <a:defRPr sz="1400" b="0" i="0" u="none" strike="noStrike" cap="none">
           <a:solidFill>
             <a:srgbClr val="000000"/>
           </a:solidFill>
@@ -5584,7 +5738,7 @@
           <a:sym typeface="Arial"/>
         </a:defRPr>
       </a:lvl3pPr>
-      <a:lvl4pPr lvl="3" marR="0" rtl="0" algn="l">
+      <a:lvl4pPr marR="0" lvl="3" algn="l" rtl="0">
         <a:lnSpc>
           <a:spcPct val="100000"/>
         </a:lnSpc>
@@ -5598,7 +5752,7 @@
           <a:srgbClr val="000000"/>
         </a:buClr>
         <a:buFont typeface="Arial"/>
-        <a:defRPr b="0" i="0" sz="1400" u="none" cap="none" strike="noStrike">
+        <a:defRPr sz="1400" b="0" i="0" u="none" strike="noStrike" cap="none">
           <a:solidFill>
             <a:srgbClr val="000000"/>
           </a:solidFill>
@@ -5608,7 +5762,7 @@
           <a:sym typeface="Arial"/>
         </a:defRPr>
       </a:lvl4pPr>
-      <a:lvl5pPr lvl="4" marR="0" rtl="0" algn="l">
+      <a:lvl5pPr marR="0" lvl="4" algn="l" rtl="0">
         <a:lnSpc>
           <a:spcPct val="100000"/>
         </a:lnSpc>
@@ -5622,7 +5776,7 @@
           <a:srgbClr val="000000"/>
         </a:buClr>
         <a:buFont typeface="Arial"/>
-        <a:defRPr b="0" i="0" sz="1400" u="none" cap="none" strike="noStrike">
+        <a:defRPr sz="1400" b="0" i="0" u="none" strike="noStrike" cap="none">
           <a:solidFill>
             <a:srgbClr val="000000"/>
           </a:solidFill>
@@ -5632,7 +5786,7 @@
           <a:sym typeface="Arial"/>
         </a:defRPr>
       </a:lvl5pPr>
-      <a:lvl6pPr lvl="5" marR="0" rtl="0" algn="l">
+      <a:lvl6pPr marR="0" lvl="5" algn="l" rtl="0">
         <a:lnSpc>
           <a:spcPct val="100000"/>
         </a:lnSpc>
@@ -5646,7 +5800,7 @@
           <a:srgbClr val="000000"/>
         </a:buClr>
         <a:buFont typeface="Arial"/>
-        <a:defRPr b="0" i="0" sz="1400" u="none" cap="none" strike="noStrike">
+        <a:defRPr sz="1400" b="0" i="0" u="none" strike="noStrike" cap="none">
           <a:solidFill>
             <a:srgbClr val="000000"/>
           </a:solidFill>
@@ -5656,7 +5810,7 @@
           <a:sym typeface="Arial"/>
         </a:defRPr>
       </a:lvl6pPr>
-      <a:lvl7pPr lvl="6" marR="0" rtl="0" algn="l">
+      <a:lvl7pPr marR="0" lvl="6" algn="l" rtl="0">
         <a:lnSpc>
           <a:spcPct val="100000"/>
         </a:lnSpc>
@@ -5670,7 +5824,7 @@
           <a:srgbClr val="000000"/>
         </a:buClr>
         <a:buFont typeface="Arial"/>
-        <a:defRPr b="0" i="0" sz="1400" u="none" cap="none" strike="noStrike">
+        <a:defRPr sz="1400" b="0" i="0" u="none" strike="noStrike" cap="none">
           <a:solidFill>
             <a:srgbClr val="000000"/>
           </a:solidFill>
@@ -5680,7 +5834,7 @@
           <a:sym typeface="Arial"/>
         </a:defRPr>
       </a:lvl7pPr>
-      <a:lvl8pPr lvl="7" marR="0" rtl="0" algn="l">
+      <a:lvl8pPr marR="0" lvl="7" algn="l" rtl="0">
         <a:lnSpc>
           <a:spcPct val="100000"/>
         </a:lnSpc>
@@ -5694,7 +5848,7 @@
           <a:srgbClr val="000000"/>
         </a:buClr>
         <a:buFont typeface="Arial"/>
-        <a:defRPr b="0" i="0" sz="1400" u="none" cap="none" strike="noStrike">
+        <a:defRPr sz="1400" b="0" i="0" u="none" strike="noStrike" cap="none">
           <a:solidFill>
             <a:srgbClr val="000000"/>
           </a:solidFill>
@@ -5704,7 +5858,7 @@
           <a:sym typeface="Arial"/>
         </a:defRPr>
       </a:lvl8pPr>
-      <a:lvl9pPr lvl="8" marR="0" rtl="0" algn="l">
+      <a:lvl9pPr marR="0" lvl="8" algn="l" rtl="0">
         <a:lnSpc>
           <a:spcPct val="100000"/>
         </a:lnSpc>
@@ -5718,7 +5872,7 @@
           <a:srgbClr val="000000"/>
         </a:buClr>
         <a:buFont typeface="Arial"/>
-        <a:defRPr b="0" i="0" sz="1400" u="none" cap="none" strike="noStrike">
+        <a:defRPr sz="1400" b="0" i="0" u="none" strike="noStrike" cap="none">
           <a:solidFill>
             <a:srgbClr val="000000"/>
           </a:solidFill>
@@ -5730,7 +5884,7 @@
       </a:lvl9pPr>
     </p:bodyStyle>
     <p:otherStyle>
-      <a:defPPr lvl="0" marR="0" rtl="0" algn="l">
+      <a:defPPr marR="0" lvl="0" algn="l" rtl="0">
         <a:lnSpc>
           <a:spcPct val="100000"/>
         </a:lnSpc>
@@ -5741,7 +5895,7 @@
           <a:spcPts val="0"/>
         </a:spcAft>
       </a:defPPr>
-      <a:lvl1pPr lvl="0" marR="0" rtl="0" algn="l">
+      <a:lvl1pPr marR="0" lvl="0" algn="l" rtl="0">
         <a:lnSpc>
           <a:spcPct val="100000"/>
         </a:lnSpc>
@@ -5755,7 +5909,7 @@
           <a:srgbClr val="000000"/>
         </a:buClr>
         <a:buFont typeface="Arial"/>
-        <a:defRPr b="0" i="0" sz="1400" u="none" cap="none" strike="noStrike">
+        <a:defRPr sz="1400" b="0" i="0" u="none" strike="noStrike" cap="none">
           <a:solidFill>
             <a:srgbClr val="000000"/>
           </a:solidFill>
@@ -5765,7 +5919,7 @@
           <a:sym typeface="Arial"/>
         </a:defRPr>
       </a:lvl1pPr>
-      <a:lvl2pPr lvl="1" marR="0" rtl="0" algn="l">
+      <a:lvl2pPr marR="0" lvl="1" algn="l" rtl="0">
         <a:lnSpc>
           <a:spcPct val="100000"/>
         </a:lnSpc>
@@ -5779,7 +5933,7 @@
           <a:srgbClr val="000000"/>
         </a:buClr>
         <a:buFont typeface="Arial"/>
-        <a:defRPr b="0" i="0" sz="1400" u="none" cap="none" strike="noStrike">
+        <a:defRPr sz="1400" b="0" i="0" u="none" strike="noStrike" cap="none">
           <a:solidFill>
             <a:srgbClr val="000000"/>
           </a:solidFill>
@@ -5789,7 +5943,7 @@
           <a:sym typeface="Arial"/>
         </a:defRPr>
       </a:lvl2pPr>
-      <a:lvl3pPr lvl="2" marR="0" rtl="0" algn="l">
+      <a:lvl3pPr marR="0" lvl="2" algn="l" rtl="0">
         <a:lnSpc>
           <a:spcPct val="100000"/>
         </a:lnSpc>
@@ -5803,7 +5957,7 @@
           <a:srgbClr val="000000"/>
         </a:buClr>
         <a:buFont typeface="Arial"/>
-        <a:defRPr b="0" i="0" sz="1400" u="none" cap="none" strike="noStrike">
+        <a:defRPr sz="1400" b="0" i="0" u="none" strike="noStrike" cap="none">
           <a:solidFill>
             <a:srgbClr val="000000"/>
           </a:solidFill>
@@ -5813,7 +5967,7 @@
           <a:sym typeface="Arial"/>
         </a:defRPr>
       </a:lvl3pPr>
-      <a:lvl4pPr lvl="3" marR="0" rtl="0" algn="l">
+      <a:lvl4pPr marR="0" lvl="3" algn="l" rtl="0">
         <a:lnSpc>
           <a:spcPct val="100000"/>
         </a:lnSpc>
@@ -5827,7 +5981,7 @@
           <a:srgbClr val="000000"/>
         </a:buClr>
         <a:buFont typeface="Arial"/>
-        <a:defRPr b="0" i="0" sz="1400" u="none" cap="none" strike="noStrike">
+        <a:defRPr sz="1400" b="0" i="0" u="none" strike="noStrike" cap="none">
           <a:solidFill>
             <a:srgbClr val="000000"/>
           </a:solidFill>
@@ -5837,7 +5991,7 @@
           <a:sym typeface="Arial"/>
         </a:defRPr>
       </a:lvl4pPr>
-      <a:lvl5pPr lvl="4" marR="0" rtl="0" algn="l">
+      <a:lvl5pPr marR="0" lvl="4" algn="l" rtl="0">
         <a:lnSpc>
           <a:spcPct val="100000"/>
         </a:lnSpc>
@@ -5851,7 +6005,7 @@
           <a:srgbClr val="000000"/>
         </a:buClr>
         <a:buFont typeface="Arial"/>
-        <a:defRPr b="0" i="0" sz="1400" u="none" cap="none" strike="noStrike">
+        <a:defRPr sz="1400" b="0" i="0" u="none" strike="noStrike" cap="none">
           <a:solidFill>
             <a:srgbClr val="000000"/>
           </a:solidFill>
@@ -5861,7 +6015,7 @@
           <a:sym typeface="Arial"/>
         </a:defRPr>
       </a:lvl5pPr>
-      <a:lvl6pPr lvl="5" marR="0" rtl="0" algn="l">
+      <a:lvl6pPr marR="0" lvl="5" algn="l" rtl="0">
         <a:lnSpc>
           <a:spcPct val="100000"/>
         </a:lnSpc>
@@ -5875,7 +6029,7 @@
           <a:srgbClr val="000000"/>
         </a:buClr>
         <a:buFont typeface="Arial"/>
-        <a:defRPr b="0" i="0" sz="1400" u="none" cap="none" strike="noStrike">
+        <a:defRPr sz="1400" b="0" i="0" u="none" strike="noStrike" cap="none">
           <a:solidFill>
             <a:srgbClr val="000000"/>
           </a:solidFill>
@@ -5885,7 +6039,7 @@
           <a:sym typeface="Arial"/>
         </a:defRPr>
       </a:lvl6pPr>
-      <a:lvl7pPr lvl="6" marR="0" rtl="0" algn="l">
+      <a:lvl7pPr marR="0" lvl="6" algn="l" rtl="0">
         <a:lnSpc>
           <a:spcPct val="100000"/>
         </a:lnSpc>
@@ -5899,7 +6053,7 @@
           <a:srgbClr val="000000"/>
         </a:buClr>
         <a:buFont typeface="Arial"/>
-        <a:defRPr b="0" i="0" sz="1400" u="none" cap="none" strike="noStrike">
+        <a:defRPr sz="1400" b="0" i="0" u="none" strike="noStrike" cap="none">
           <a:solidFill>
             <a:srgbClr val="000000"/>
           </a:solidFill>
@@ -5909,7 +6063,7 @@
           <a:sym typeface="Arial"/>
         </a:defRPr>
       </a:lvl7pPr>
-      <a:lvl8pPr lvl="7" marR="0" rtl="0" algn="l">
+      <a:lvl8pPr marR="0" lvl="7" algn="l" rtl="0">
         <a:lnSpc>
           <a:spcPct val="100000"/>
         </a:lnSpc>
@@ -5923,7 +6077,7 @@
           <a:srgbClr val="000000"/>
         </a:buClr>
         <a:buFont typeface="Arial"/>
-        <a:defRPr b="0" i="0" sz="1400" u="none" cap="none" strike="noStrike">
+        <a:defRPr sz="1400" b="0" i="0" u="none" strike="noStrike" cap="none">
           <a:solidFill>
             <a:srgbClr val="000000"/>
           </a:solidFill>
@@ -5933,7 +6087,7 @@
           <a:sym typeface="Arial"/>
         </a:defRPr>
       </a:lvl8pPr>
-      <a:lvl9pPr lvl="8" marR="0" rtl="0" algn="l">
+      <a:lvl9pPr marR="0" lvl="8" algn="l" rtl="0">
         <a:lnSpc>
           <a:spcPct val="100000"/>
         </a:lnSpc>
@@ -5947,7 +6101,7 @@
           <a:srgbClr val="000000"/>
         </a:buClr>
         <a:buFont typeface="Arial"/>
-        <a:defRPr b="0" i="0" sz="1400" u="none" cap="none" strike="noStrike">
+        <a:defRPr sz="1400" b="0" i="0" u="none" strike="noStrike" cap="none">
           <a:solidFill>
             <a:srgbClr val="000000"/>
           </a:solidFill>
@@ -5963,11 +6117,11 @@
 </file>
 
 <file path=ppt/slides/slide1.xml><?xml version="1.0" encoding="utf-8"?>
-<p:sld xmlns:a="http://schemas.openxmlformats.org/drawingml/2006/main" xmlns:r="http://schemas.openxmlformats.org/officeDocument/2006/relationships" xmlns:mc="http://schemas.openxmlformats.org/markup-compatibility/2006" xmlns:mv="urn:schemas-microsoft-com:mac:vml" xmlns:p="http://schemas.openxmlformats.org/presentationml/2006/main" xmlns:c="http://schemas.openxmlformats.org/drawingml/2006/chart" xmlns:dgm="http://schemas.openxmlformats.org/drawingml/2006/diagram" xmlns:o="urn:schemas-microsoft-com:office:office" xmlns:v="urn:schemas-microsoft-com:vml" xmlns:pvml="urn:schemas-microsoft-com:office:powerpoint" xmlns:com="http://schemas.openxmlformats.org/drawingml/2006/compatibility" xmlns:p14="http://schemas.microsoft.com/office/powerpoint/2010/main" xmlns:p15="http://schemas.microsoft.com/office/powerpoint/2012/main" xmlns:ahyp="http://schemas.microsoft.com/office/drawing/2018/hyperlinkcolor">
+<p:sld xmlns:a="http://schemas.openxmlformats.org/drawingml/2006/main" xmlns:r="http://schemas.openxmlformats.org/officeDocument/2006/relationships" xmlns:p="http://schemas.openxmlformats.org/presentationml/2006/main">
   <p:cSld>
     <p:spTree>
       <p:nvGrpSpPr>
-        <p:cNvPr id="54" name="Shape 54"/>
+        <p:cNvPr id="1" name="Shape 54"/>
         <p:cNvGrpSpPr/>
         <p:nvPr/>
       </p:nvGrpSpPr>
@@ -5982,7 +6136,9 @@
       <p:sp>
         <p:nvSpPr>
           <p:cNvPr id="55" name="Google Shape;55;p13"/>
-          <p:cNvSpPr txBox="1"/>
+          <p:cNvSpPr txBox="1">
+            <a:spLocks noGrp="1"/>
+          </p:cNvSpPr>
           <p:nvPr>
             <p:ph type="ctrTitle"/>
           </p:nvPr>
@@ -5997,12 +6153,12 @@
           </a:prstGeom>
         </p:spPr>
         <p:txBody>
-          <a:bodyPr anchorCtr="0" anchor="b" bIns="91425" lIns="91425" spcFirstLastPara="1" rIns="91425" wrap="square" tIns="91425">
+          <a:bodyPr spcFirstLastPara="1" wrap="square" lIns="91425" tIns="91425" rIns="91425" bIns="91425" anchor="b" anchorCtr="0">
             <a:normAutofit/>
           </a:bodyPr>
           <a:lstStyle/>
           <a:p>
-            <a:pPr indent="0" lvl="0" marL="0" rtl="0" algn="ctr">
+            <a:pPr marL="0" lvl="0" indent="0" algn="ctr" rtl="0">
               <a:spcBef>
                 <a:spcPts val="0"/>
               </a:spcBef>
@@ -6022,9 +6178,11 @@
       <p:sp>
         <p:nvSpPr>
           <p:cNvPr id="56" name="Google Shape;56;p13"/>
-          <p:cNvSpPr txBox="1"/>
+          <p:cNvSpPr txBox="1">
+            <a:spLocks noGrp="1"/>
+          </p:cNvSpPr>
           <p:nvPr>
-            <p:ph idx="1" type="subTitle"/>
+            <p:ph type="subTitle" idx="1"/>
           </p:nvPr>
         </p:nvSpPr>
         <p:spPr>
@@ -6037,12 +6195,12 @@
           </a:prstGeom>
         </p:spPr>
         <p:txBody>
-          <a:bodyPr anchorCtr="0" anchor="t" bIns="91425" lIns="91425" spcFirstLastPara="1" rIns="91425" wrap="square" tIns="91425">
+          <a:bodyPr spcFirstLastPara="1" wrap="square" lIns="91425" tIns="91425" rIns="91425" bIns="91425" anchor="t" anchorCtr="0">
             <a:normAutofit/>
           </a:bodyPr>
           <a:lstStyle/>
           <a:p>
-            <a:pPr indent="0" lvl="0" marL="0" rtl="0" algn="ctr">
+            <a:pPr marL="0" lvl="0" indent="0" algn="ctr" rtl="0">
               <a:lnSpc>
                 <a:spcPct val="90000"/>
               </a:lnSpc>
@@ -6061,15 +6219,7 @@
                   <a:schemeClr val="dk1"/>
                 </a:solidFill>
               </a:rPr>
-              <a:t>Benjamin BASSET </a:t>
-            </a:r>
-            <a:r>
-              <a:rPr lang="fr" sz="1570">
-                <a:solidFill>
-                  <a:schemeClr val="dk1"/>
-                </a:solidFill>
-              </a:rPr>
-              <a:t>présente</a:t>
+              <a:t>Benjamin BASSET présente</a:t>
             </a:r>
             <a:r>
               <a:rPr lang="fr" sz="1570"/>
@@ -6089,9 +6239,11 @@
       <p:sp>
         <p:nvSpPr>
           <p:cNvPr id="57" name="Google Shape;57;p13"/>
-          <p:cNvSpPr txBox="1"/>
+          <p:cNvSpPr txBox="1">
+            <a:spLocks noGrp="1"/>
+          </p:cNvSpPr>
           <p:nvPr>
-            <p:ph idx="1" type="subTitle"/>
+            <p:ph type="subTitle" idx="1"/>
           </p:nvPr>
         </p:nvSpPr>
         <p:spPr>
@@ -6104,12 +6256,12 @@
           </a:prstGeom>
         </p:spPr>
         <p:txBody>
-          <a:bodyPr anchorCtr="0" anchor="ctr" bIns="91425" lIns="91425" spcFirstLastPara="1" rIns="91425" wrap="square" tIns="91425">
+          <a:bodyPr spcFirstLastPara="1" wrap="square" lIns="91425" tIns="91425" rIns="91425" bIns="91425" anchor="ctr" anchorCtr="0">
             <a:normAutofit/>
           </a:bodyPr>
           <a:lstStyle/>
           <a:p>
-            <a:pPr indent="0" lvl="0" marL="0" rtl="0" algn="ctr">
+            <a:pPr marL="0" lvl="0" indent="0" algn="ctr" rtl="0">
               <a:lnSpc>
                 <a:spcPct val="90000"/>
               </a:lnSpc>
@@ -6128,15 +6280,7 @@
                   <a:schemeClr val="dk1"/>
                 </a:solidFill>
               </a:rPr>
-              <a:t>ITFAM - </a:t>
-            </a:r>
-            <a:r>
-              <a:rPr lang="fr" sz="970">
-                <a:solidFill>
-                  <a:schemeClr val="dk1"/>
-                </a:solidFill>
-              </a:rPr>
-              <a:t>Information Technology for Finance, Accounting and Management</a:t>
+              <a:t>ITFAM - Information Technology for Finance, Accounting and Management</a:t>
             </a:r>
             <a:br>
               <a:rPr lang="fr" sz="1570"/>
@@ -6146,6 +6290,840 @@
               <a:t> </a:t>
             </a:r>
             <a:endParaRPr sz="1570"/>
+          </a:p>
+        </p:txBody>
+      </p:sp>
+    </p:spTree>
+  </p:cSld>
+  <p:clrMapOvr>
+    <a:masterClrMapping/>
+  </p:clrMapOvr>
+</p:sld>
+</file>
+
+<file path=ppt/slides/slide10.xml><?xml version="1.0" encoding="utf-8"?>
+<p:sld xmlns:a="http://schemas.openxmlformats.org/drawingml/2006/main" xmlns:r="http://schemas.openxmlformats.org/officeDocument/2006/relationships" xmlns:p="http://schemas.openxmlformats.org/presentationml/2006/main">
+  <p:cSld>
+    <p:spTree>
+      <p:nvGrpSpPr>
+        <p:cNvPr id="1" name=""/>
+        <p:cNvGrpSpPr/>
+        <p:nvPr/>
+      </p:nvGrpSpPr>
+      <p:grpSpPr>
+        <a:xfrm>
+          <a:off x="0" y="0"/>
+          <a:ext cx="0" cy="0"/>
+          <a:chOff x="0" y="0"/>
+          <a:chExt cx="0" cy="0"/>
+        </a:xfrm>
+      </p:grpSpPr>
+      <p:sp>
+        <p:nvSpPr>
+          <p:cNvPr id="4" name="Titre 3">
+            <a:extLst>
+              <a:ext uri="{FF2B5EF4-FFF2-40B4-BE49-F238E27FC236}">
+                <a16:creationId xmlns:a16="http://schemas.microsoft.com/office/drawing/2014/main" id="{D13B63CD-B2A7-ADA4-92D5-5B5C376890F1}"/>
+              </a:ext>
+            </a:extLst>
+          </p:cNvPr>
+          <p:cNvSpPr>
+            <a:spLocks noGrp="1"/>
+          </p:cNvSpPr>
+          <p:nvPr>
+            <p:ph type="title"/>
+          </p:nvPr>
+        </p:nvSpPr>
+        <p:spPr/>
+        <p:txBody>
+          <a:bodyPr/>
+          <a:lstStyle/>
+          <a:p>
+            <a:r>
+              <a:rPr lang="fr-FR" dirty="0" err="1"/>
+              <a:t>Apperçu</a:t>
+            </a:r>
+            <a:r>
+              <a:rPr lang="fr-FR" dirty="0"/>
+              <a:t> </a:t>
+            </a:r>
+          </a:p>
+        </p:txBody>
+      </p:sp>
+    </p:spTree>
+    <p:extLst>
+      <p:ext uri="{BB962C8B-B14F-4D97-AF65-F5344CB8AC3E}">
+        <p14:creationId xmlns:p14="http://schemas.microsoft.com/office/powerpoint/2010/main" val="1293051747"/>
+      </p:ext>
+    </p:extLst>
+  </p:cSld>
+  <p:clrMapOvr>
+    <a:masterClrMapping/>
+  </p:clrMapOvr>
+</p:sld>
+</file>
+
+<file path=ppt/slides/slide11.xml><?xml version="1.0" encoding="utf-8"?>
+<p:sld xmlns:a="http://schemas.openxmlformats.org/drawingml/2006/main" xmlns:r="http://schemas.openxmlformats.org/officeDocument/2006/relationships" xmlns:p="http://schemas.openxmlformats.org/presentationml/2006/main" showMasterSp="0">
+  <p:cSld>
+    <p:bg>
+      <p:bgPr>
+        <a:blipFill dpi="0" rotWithShape="1">
+          <a:blip r:embed="rId2">
+            <a:lum/>
+          </a:blip>
+          <a:srcRect/>
+          <a:stretch>
+            <a:fillRect/>
+          </a:stretch>
+        </a:blipFill>
+        <a:effectLst/>
+      </p:bgPr>
+    </p:bg>
+    <p:spTree>
+      <p:nvGrpSpPr>
+        <p:cNvPr id="1" name=""/>
+        <p:cNvGrpSpPr/>
+        <p:nvPr/>
+      </p:nvGrpSpPr>
+      <p:grpSpPr>
+        <a:xfrm>
+          <a:off x="0" y="0"/>
+          <a:ext cx="0" cy="0"/>
+          <a:chOff x="0" y="0"/>
+          <a:chExt cx="0" cy="0"/>
+        </a:xfrm>
+      </p:grpSpPr>
+    </p:spTree>
+    <p:extLst>
+      <p:ext uri="{BB962C8B-B14F-4D97-AF65-F5344CB8AC3E}">
+        <p14:creationId xmlns:p14="http://schemas.microsoft.com/office/powerpoint/2010/main" val="2325490018"/>
+      </p:ext>
+    </p:extLst>
+  </p:cSld>
+  <p:clrMapOvr>
+    <a:masterClrMapping/>
+  </p:clrMapOvr>
+</p:sld>
+</file>
+
+<file path=ppt/slides/slide12.xml><?xml version="1.0" encoding="utf-8"?>
+<p:sld xmlns:a="http://schemas.openxmlformats.org/drawingml/2006/main" xmlns:r="http://schemas.openxmlformats.org/officeDocument/2006/relationships" xmlns:p="http://schemas.openxmlformats.org/presentationml/2006/main" showMasterSp="0">
+  <p:cSld>
+    <p:bg>
+      <p:bgPr>
+        <a:blipFill dpi="0" rotWithShape="1">
+          <a:blip r:embed="rId2">
+            <a:lum/>
+          </a:blip>
+          <a:srcRect/>
+          <a:stretch>
+            <a:fillRect/>
+          </a:stretch>
+        </a:blipFill>
+        <a:effectLst/>
+      </p:bgPr>
+    </p:bg>
+    <p:spTree>
+      <p:nvGrpSpPr>
+        <p:cNvPr id="1" name=""/>
+        <p:cNvGrpSpPr/>
+        <p:nvPr/>
+      </p:nvGrpSpPr>
+      <p:grpSpPr>
+        <a:xfrm>
+          <a:off x="0" y="0"/>
+          <a:ext cx="0" cy="0"/>
+          <a:chOff x="0" y="0"/>
+          <a:chExt cx="0" cy="0"/>
+        </a:xfrm>
+      </p:grpSpPr>
+    </p:spTree>
+    <p:extLst>
+      <p:ext uri="{BB962C8B-B14F-4D97-AF65-F5344CB8AC3E}">
+        <p14:creationId xmlns:p14="http://schemas.microsoft.com/office/powerpoint/2010/main" val="4238758113"/>
+      </p:ext>
+    </p:extLst>
+  </p:cSld>
+  <p:clrMapOvr>
+    <a:masterClrMapping/>
+  </p:clrMapOvr>
+</p:sld>
+</file>
+
+<file path=ppt/slides/slide13.xml><?xml version="1.0" encoding="utf-8"?>
+<p:sld xmlns:a="http://schemas.openxmlformats.org/drawingml/2006/main" xmlns:r="http://schemas.openxmlformats.org/officeDocument/2006/relationships" xmlns:p="http://schemas.openxmlformats.org/presentationml/2006/main" showMasterSp="0">
+  <p:cSld>
+    <p:bg>
+      <p:bgPr>
+        <a:blipFill dpi="0" rotWithShape="1">
+          <a:blip r:embed="rId2">
+            <a:lum/>
+          </a:blip>
+          <a:srcRect/>
+          <a:stretch>
+            <a:fillRect/>
+          </a:stretch>
+        </a:blipFill>
+        <a:effectLst/>
+      </p:bgPr>
+    </p:bg>
+    <p:spTree>
+      <p:nvGrpSpPr>
+        <p:cNvPr id="1" name=""/>
+        <p:cNvGrpSpPr/>
+        <p:nvPr/>
+      </p:nvGrpSpPr>
+      <p:grpSpPr>
+        <a:xfrm>
+          <a:off x="0" y="0"/>
+          <a:ext cx="0" cy="0"/>
+          <a:chOff x="0" y="0"/>
+          <a:chExt cx="0" cy="0"/>
+        </a:xfrm>
+      </p:grpSpPr>
+    </p:spTree>
+    <p:extLst>
+      <p:ext uri="{BB962C8B-B14F-4D97-AF65-F5344CB8AC3E}">
+        <p14:creationId xmlns:p14="http://schemas.microsoft.com/office/powerpoint/2010/main" val="2208579806"/>
+      </p:ext>
+    </p:extLst>
+  </p:cSld>
+  <p:clrMapOvr>
+    <a:masterClrMapping/>
+  </p:clrMapOvr>
+</p:sld>
+</file>
+
+<file path=ppt/slides/slide14.xml><?xml version="1.0" encoding="utf-8"?>
+<p:sld xmlns:a="http://schemas.openxmlformats.org/drawingml/2006/main" xmlns:r="http://schemas.openxmlformats.org/officeDocument/2006/relationships" xmlns:p="http://schemas.openxmlformats.org/presentationml/2006/main" showMasterSp="0">
+  <p:cSld>
+    <p:bg>
+      <p:bgPr>
+        <a:solidFill>
+          <a:schemeClr val="bg1"/>
+        </a:solidFill>
+        <a:effectLst/>
+      </p:bgPr>
+    </p:bg>
+    <p:spTree>
+      <p:nvGrpSpPr>
+        <p:cNvPr id="1" name=""/>
+        <p:cNvGrpSpPr/>
+        <p:nvPr/>
+      </p:nvGrpSpPr>
+      <p:grpSpPr>
+        <a:xfrm>
+          <a:off x="0" y="0"/>
+          <a:ext cx="0" cy="0"/>
+          <a:chOff x="0" y="0"/>
+          <a:chExt cx="0" cy="0"/>
+        </a:xfrm>
+      </p:grpSpPr>
+      <p:pic>
+        <p:nvPicPr>
+          <p:cNvPr id="4" name="Image 3">
+            <a:extLst>
+              <a:ext uri="{FF2B5EF4-FFF2-40B4-BE49-F238E27FC236}">
+                <a16:creationId xmlns:a16="http://schemas.microsoft.com/office/drawing/2014/main" id="{BEC916B9-44B5-0790-FEA5-2A4EAEFFB2AD}"/>
+              </a:ext>
+            </a:extLst>
+          </p:cNvPr>
+          <p:cNvPicPr>
+            <a:picLocks noChangeAspect="1"/>
+          </p:cNvPicPr>
+          <p:nvPr/>
+        </p:nvPicPr>
+        <p:blipFill>
+          <a:blip r:embed="rId2"/>
+          <a:stretch>
+            <a:fillRect/>
+          </a:stretch>
+        </p:blipFill>
+        <p:spPr>
+          <a:xfrm>
+            <a:off x="862157" y="0"/>
+            <a:ext cx="7419686" cy="5143500"/>
+          </a:xfrm>
+          <a:prstGeom prst="rect">
+            <a:avLst/>
+          </a:prstGeom>
+        </p:spPr>
+      </p:pic>
+      <p:sp>
+        <p:nvSpPr>
+          <p:cNvPr id="5" name="Rectangle 4">
+            <a:extLst>
+              <a:ext uri="{FF2B5EF4-FFF2-40B4-BE49-F238E27FC236}">
+                <a16:creationId xmlns:a16="http://schemas.microsoft.com/office/drawing/2014/main" id="{5532E95A-F243-6A37-957B-AEF3C566799F}"/>
+              </a:ext>
+            </a:extLst>
+          </p:cNvPr>
+          <p:cNvSpPr/>
+          <p:nvPr/>
+        </p:nvSpPr>
+        <p:spPr>
+          <a:xfrm>
+            <a:off x="434340" y="342900"/>
+            <a:ext cx="1897380" cy="525780"/>
+          </a:xfrm>
+          <a:prstGeom prst="rect">
+            <a:avLst/>
+          </a:prstGeom>
+          <a:noFill/>
+          <a:ln>
+            <a:solidFill>
+              <a:schemeClr val="tx1"/>
+            </a:solidFill>
+          </a:ln>
+        </p:spPr>
+        <p:style>
+          <a:lnRef idx="2">
+            <a:schemeClr val="accent1">
+              <a:shade val="50000"/>
+            </a:schemeClr>
+          </a:lnRef>
+          <a:fillRef idx="1">
+            <a:schemeClr val="accent1"/>
+          </a:fillRef>
+          <a:effectRef idx="0">
+            <a:schemeClr val="accent1"/>
+          </a:effectRef>
+          <a:fontRef idx="minor">
+            <a:schemeClr val="lt1"/>
+          </a:fontRef>
+        </p:style>
+        <p:txBody>
+          <a:bodyPr rtlCol="0" anchor="ctr"/>
+          <a:lstStyle/>
+          <a:p>
+            <a:pPr algn="ctr"/>
+            <a:r>
+              <a:rPr lang="fr-FR" dirty="0">
+                <a:solidFill>
+                  <a:schemeClr val="tx1"/>
+                </a:solidFill>
+              </a:rPr>
+              <a:t>Exemple de balance au format .PDF</a:t>
+            </a:r>
+          </a:p>
+        </p:txBody>
+      </p:sp>
+    </p:spTree>
+    <p:extLst>
+      <p:ext uri="{BB962C8B-B14F-4D97-AF65-F5344CB8AC3E}">
+        <p14:creationId xmlns:p14="http://schemas.microsoft.com/office/powerpoint/2010/main" val="3313759599"/>
+      </p:ext>
+    </p:extLst>
+  </p:cSld>
+  <p:clrMapOvr>
+    <a:masterClrMapping/>
+  </p:clrMapOvr>
+</p:sld>
+</file>
+
+<file path=ppt/slides/slide15.xml><?xml version="1.0" encoding="utf-8"?>
+<p:sld xmlns:a="http://schemas.openxmlformats.org/drawingml/2006/main" xmlns:r="http://schemas.openxmlformats.org/officeDocument/2006/relationships" xmlns:p="http://schemas.openxmlformats.org/presentationml/2006/main">
+  <p:cSld>
+    <p:spTree>
+      <p:nvGrpSpPr>
+        <p:cNvPr id="1" name="Shape 85"/>
+        <p:cNvGrpSpPr/>
+        <p:nvPr/>
+      </p:nvGrpSpPr>
+      <p:grpSpPr>
+        <a:xfrm>
+          <a:off x="0" y="0"/>
+          <a:ext cx="0" cy="0"/>
+          <a:chOff x="0" y="0"/>
+          <a:chExt cx="0" cy="0"/>
+        </a:xfrm>
+      </p:grpSpPr>
+      <p:sp>
+        <p:nvSpPr>
+          <p:cNvPr id="86" name="Google Shape;86;p18"/>
+          <p:cNvSpPr txBox="1">
+            <a:spLocks noGrp="1"/>
+          </p:cNvSpPr>
+          <p:nvPr>
+            <p:ph type="title"/>
+          </p:nvPr>
+        </p:nvSpPr>
+        <p:spPr>
+          <a:xfrm>
+            <a:off x="311700" y="445025"/>
+            <a:ext cx="8520600" cy="572700"/>
+          </a:xfrm>
+          <a:prstGeom prst="rect">
+            <a:avLst/>
+          </a:prstGeom>
+        </p:spPr>
+        <p:txBody>
+          <a:bodyPr spcFirstLastPara="1" wrap="square" lIns="91425" tIns="91425" rIns="91425" bIns="91425" anchor="t" anchorCtr="0">
+            <a:normAutofit fontScale="90000"/>
+          </a:bodyPr>
+          <a:lstStyle/>
+          <a:p>
+            <a:pPr marL="0" lvl="0" indent="0" algn="l" rtl="0">
+              <a:spcBef>
+                <a:spcPts val="0"/>
+              </a:spcBef>
+              <a:spcAft>
+                <a:spcPts val="0"/>
+              </a:spcAft>
+              <a:buNone/>
+            </a:pPr>
+            <a:r>
+              <a:rPr lang="fr"/>
+              <a:t>Les évolutions possibles (roadmap)</a:t>
+            </a:r>
+            <a:endParaRPr/>
+          </a:p>
+        </p:txBody>
+      </p:sp>
+      <p:sp>
+        <p:nvSpPr>
+          <p:cNvPr id="87" name="Google Shape;87;p18"/>
+          <p:cNvSpPr txBox="1">
+            <a:spLocks noGrp="1"/>
+          </p:cNvSpPr>
+          <p:nvPr>
+            <p:ph type="body" idx="1"/>
+          </p:nvPr>
+        </p:nvSpPr>
+        <p:spPr>
+          <a:xfrm>
+            <a:off x="311700" y="1152475"/>
+            <a:ext cx="8520600" cy="3416400"/>
+          </a:xfrm>
+          <a:prstGeom prst="rect">
+            <a:avLst/>
+          </a:prstGeom>
+        </p:spPr>
+        <p:txBody>
+          <a:bodyPr spcFirstLastPara="1" wrap="square" lIns="91425" tIns="91425" rIns="91425" bIns="91425" anchor="t" anchorCtr="0">
+            <a:normAutofit fontScale="70000" lnSpcReduction="20000"/>
+          </a:bodyPr>
+          <a:lstStyle/>
+          <a:p>
+            <a:pPr marL="457200" lvl="0" indent="-308610" algn="l" rtl="0">
+              <a:spcBef>
+                <a:spcPts val="0"/>
+              </a:spcBef>
+              <a:spcAft>
+                <a:spcPts val="0"/>
+              </a:spcAft>
+              <a:buClr>
+                <a:schemeClr val="dk1"/>
+              </a:buClr>
+              <a:buSzPct val="100000"/>
+              <a:buChar char="●"/>
+            </a:pPr>
+            <a:r>
+              <a:rPr lang="fr">
+                <a:solidFill>
+                  <a:schemeClr val="dk1"/>
+                </a:solidFill>
+              </a:rPr>
+              <a:t>La saisie des immobilisations et financements</a:t>
+            </a:r>
+            <a:endParaRPr>
+              <a:solidFill>
+                <a:schemeClr val="dk1"/>
+              </a:solidFill>
+            </a:endParaRPr>
+          </a:p>
+          <a:p>
+            <a:pPr marL="457200" lvl="0" indent="-308610" algn="l" rtl="0">
+              <a:spcBef>
+                <a:spcPts val="0"/>
+              </a:spcBef>
+              <a:spcAft>
+                <a:spcPts val="0"/>
+              </a:spcAft>
+              <a:buClr>
+                <a:schemeClr val="dk1"/>
+              </a:buClr>
+              <a:buSzPct val="100000"/>
+              <a:buChar char="●"/>
+            </a:pPr>
+            <a:r>
+              <a:rPr lang="fr">
+                <a:solidFill>
+                  <a:schemeClr val="dk1"/>
+                </a:solidFill>
+              </a:rPr>
+              <a:t>La possibilité de personnaliser son plan comptable</a:t>
+            </a:r>
+            <a:endParaRPr>
+              <a:solidFill>
+                <a:schemeClr val="dk1"/>
+              </a:solidFill>
+            </a:endParaRPr>
+          </a:p>
+          <a:p>
+            <a:pPr marL="457200" lvl="0" indent="-308610" algn="l" rtl="0">
+              <a:spcBef>
+                <a:spcPts val="0"/>
+              </a:spcBef>
+              <a:spcAft>
+                <a:spcPts val="0"/>
+              </a:spcAft>
+              <a:buClr>
+                <a:schemeClr val="dk1"/>
+              </a:buClr>
+              <a:buSzPct val="100000"/>
+              <a:buChar char="●"/>
+            </a:pPr>
+            <a:r>
+              <a:rPr lang="fr">
+                <a:solidFill>
+                  <a:schemeClr val="dk1"/>
+                </a:solidFill>
+              </a:rPr>
+              <a:t>Le passage automatique d’écritures d’inventaire</a:t>
+            </a:r>
+            <a:endParaRPr>
+              <a:solidFill>
+                <a:schemeClr val="dk1"/>
+              </a:solidFill>
+            </a:endParaRPr>
+          </a:p>
+          <a:p>
+            <a:pPr marL="457200" lvl="0" indent="-308610" algn="l" rtl="0">
+              <a:spcBef>
+                <a:spcPts val="0"/>
+              </a:spcBef>
+              <a:spcAft>
+                <a:spcPts val="0"/>
+              </a:spcAft>
+              <a:buClr>
+                <a:schemeClr val="dk1"/>
+              </a:buClr>
+              <a:buSzPct val="100000"/>
+              <a:buChar char="●"/>
+            </a:pPr>
+            <a:r>
+              <a:rPr lang="fr">
+                <a:solidFill>
+                  <a:schemeClr val="dk1"/>
+                </a:solidFill>
+              </a:rPr>
+              <a:t>La génération de tableaux d’amortissements </a:t>
+            </a:r>
+            <a:endParaRPr>
+              <a:solidFill>
+                <a:schemeClr val="dk1"/>
+              </a:solidFill>
+            </a:endParaRPr>
+          </a:p>
+          <a:p>
+            <a:pPr marL="457200" lvl="0" indent="-308610" algn="l" rtl="0">
+              <a:spcBef>
+                <a:spcPts val="0"/>
+              </a:spcBef>
+              <a:spcAft>
+                <a:spcPts val="0"/>
+              </a:spcAft>
+              <a:buClr>
+                <a:schemeClr val="dk1"/>
+              </a:buClr>
+              <a:buSzPct val="100000"/>
+              <a:buChar char="●"/>
+            </a:pPr>
+            <a:r>
+              <a:rPr lang="fr">
+                <a:solidFill>
+                  <a:schemeClr val="dk1"/>
+                </a:solidFill>
+              </a:rPr>
+              <a:t>La gestion des utilisateurs et des habilitations</a:t>
+            </a:r>
+            <a:endParaRPr>
+              <a:solidFill>
+                <a:schemeClr val="dk1"/>
+              </a:solidFill>
+            </a:endParaRPr>
+          </a:p>
+          <a:p>
+            <a:pPr marL="457200" lvl="0" indent="-308610" algn="l" rtl="0">
+              <a:spcBef>
+                <a:spcPts val="0"/>
+              </a:spcBef>
+              <a:spcAft>
+                <a:spcPts val="0"/>
+              </a:spcAft>
+              <a:buClr>
+                <a:schemeClr val="dk1"/>
+              </a:buClr>
+              <a:buSzPct val="100000"/>
+              <a:buChar char="●"/>
+            </a:pPr>
+            <a:r>
+              <a:rPr lang="fr">
+                <a:solidFill>
+                  <a:schemeClr val="dk1"/>
+                </a:solidFill>
+              </a:rPr>
+              <a:t>La gestion de la comptabilité analytique et des fonctionnalités avancées concernant les ventes/stocks</a:t>
+            </a:r>
+            <a:endParaRPr>
+              <a:solidFill>
+                <a:schemeClr val="dk1"/>
+              </a:solidFill>
+            </a:endParaRPr>
+          </a:p>
+          <a:p>
+            <a:pPr marL="457200" lvl="0" indent="-308610" algn="l" rtl="0">
+              <a:spcBef>
+                <a:spcPts val="0"/>
+              </a:spcBef>
+              <a:spcAft>
+                <a:spcPts val="0"/>
+              </a:spcAft>
+              <a:buClr>
+                <a:schemeClr val="dk1"/>
+              </a:buClr>
+              <a:buSzPct val="100000"/>
+              <a:buChar char="●"/>
+            </a:pPr>
+            <a:r>
+              <a:rPr lang="fr">
+                <a:solidFill>
+                  <a:schemeClr val="dk1"/>
+                </a:solidFill>
+              </a:rPr>
+              <a:t>L’édition de bilan </a:t>
+            </a:r>
+            <a:endParaRPr>
+              <a:solidFill>
+                <a:schemeClr val="dk1"/>
+              </a:solidFill>
+            </a:endParaRPr>
+          </a:p>
+          <a:p>
+            <a:pPr marL="457200" lvl="0" indent="-308610" algn="l" rtl="0">
+              <a:spcBef>
+                <a:spcPts val="0"/>
+              </a:spcBef>
+              <a:spcAft>
+                <a:spcPts val="0"/>
+              </a:spcAft>
+              <a:buClr>
+                <a:schemeClr val="dk1"/>
+              </a:buClr>
+              <a:buSzPct val="100000"/>
+              <a:buChar char="●"/>
+            </a:pPr>
+            <a:r>
+              <a:rPr lang="fr">
+                <a:solidFill>
+                  <a:schemeClr val="dk1"/>
+                </a:solidFill>
+              </a:rPr>
+              <a:t>UX/UI et raccourci clavier</a:t>
+            </a:r>
+            <a:endParaRPr>
+              <a:solidFill>
+                <a:schemeClr val="dk1"/>
+              </a:solidFill>
+            </a:endParaRPr>
+          </a:p>
+          <a:p>
+            <a:pPr marL="457200" lvl="0" indent="-308610" algn="l" rtl="0">
+              <a:spcBef>
+                <a:spcPts val="0"/>
+              </a:spcBef>
+              <a:spcAft>
+                <a:spcPts val="0"/>
+              </a:spcAft>
+              <a:buClr>
+                <a:schemeClr val="dk1"/>
+              </a:buClr>
+              <a:buSzPct val="100000"/>
+              <a:buChar char="●"/>
+            </a:pPr>
+            <a:r>
+              <a:rPr lang="fr">
+                <a:solidFill>
+                  <a:schemeClr val="dk1"/>
+                </a:solidFill>
+              </a:rPr>
+              <a:t>La gestion de la déclaration de TVA</a:t>
+            </a:r>
+            <a:endParaRPr>
+              <a:solidFill>
+                <a:schemeClr val="dk1"/>
+              </a:solidFill>
+            </a:endParaRPr>
+          </a:p>
+          <a:p>
+            <a:pPr marL="457200" lvl="0" indent="-308610" algn="l" rtl="0">
+              <a:spcBef>
+                <a:spcPts val="0"/>
+              </a:spcBef>
+              <a:spcAft>
+                <a:spcPts val="0"/>
+              </a:spcAft>
+              <a:buClr>
+                <a:schemeClr val="dk1"/>
+              </a:buClr>
+              <a:buSzPct val="100000"/>
+              <a:buChar char="●"/>
+            </a:pPr>
+            <a:r>
+              <a:rPr lang="fr">
+                <a:solidFill>
+                  <a:schemeClr val="dk1"/>
+                </a:solidFill>
+              </a:rPr>
+              <a:t>Automatisation du rapprochement bancaire (EBICS) et lettrage</a:t>
+            </a:r>
+            <a:endParaRPr>
+              <a:solidFill>
+                <a:schemeClr val="dk1"/>
+              </a:solidFill>
+            </a:endParaRPr>
+          </a:p>
+          <a:p>
+            <a:pPr marL="457200" lvl="0" indent="-308610" algn="l" rtl="0">
+              <a:spcBef>
+                <a:spcPts val="0"/>
+              </a:spcBef>
+              <a:spcAft>
+                <a:spcPts val="0"/>
+              </a:spcAft>
+              <a:buClr>
+                <a:schemeClr val="dk1"/>
+              </a:buClr>
+              <a:buSzPct val="100000"/>
+              <a:buChar char="●"/>
+            </a:pPr>
+            <a:r>
+              <a:rPr lang="fr">
+                <a:solidFill>
+                  <a:schemeClr val="dk1"/>
+                </a:solidFill>
+              </a:rPr>
+              <a:t>L’import d’écriture comptable issue d’OCR avancée sur le marché (DEXT…) ou de facture électronique (jefacture.com…)</a:t>
+            </a:r>
+            <a:endParaRPr>
+              <a:solidFill>
+                <a:schemeClr val="dk1"/>
+              </a:solidFill>
+            </a:endParaRPr>
+          </a:p>
+          <a:p>
+            <a:pPr marL="457200" lvl="0" indent="-308610" algn="l" rtl="0">
+              <a:spcBef>
+                <a:spcPts val="0"/>
+              </a:spcBef>
+              <a:spcAft>
+                <a:spcPts val="0"/>
+              </a:spcAft>
+              <a:buClr>
+                <a:schemeClr val="dk1"/>
+              </a:buClr>
+              <a:buSzPct val="100000"/>
+              <a:buChar char="●"/>
+            </a:pPr>
+            <a:r>
+              <a:rPr lang="fr">
+                <a:solidFill>
+                  <a:schemeClr val="dk1"/>
+                </a:solidFill>
+              </a:rPr>
+              <a:t>La gestion de l'impôts sur les bénéfices (IS/BA/BNC/BIC)</a:t>
+            </a:r>
+            <a:endParaRPr>
+              <a:solidFill>
+                <a:schemeClr val="dk1"/>
+              </a:solidFill>
+            </a:endParaRPr>
+          </a:p>
+          <a:p>
+            <a:pPr marL="457200" lvl="0" indent="-308610" algn="l" rtl="0">
+              <a:spcBef>
+                <a:spcPts val="0"/>
+              </a:spcBef>
+              <a:spcAft>
+                <a:spcPts val="0"/>
+              </a:spcAft>
+              <a:buClr>
+                <a:schemeClr val="dk1"/>
+              </a:buClr>
+              <a:buSzPct val="100000"/>
+              <a:buChar char="●"/>
+            </a:pPr>
+            <a:r>
+              <a:rPr lang="fr">
+                <a:solidFill>
+                  <a:schemeClr val="dk1"/>
+                </a:solidFill>
+              </a:rPr>
+              <a:t>Réécriture de l’appli en C# .NET pour en faire une desktop app</a:t>
+            </a:r>
+            <a:endParaRPr>
+              <a:solidFill>
+                <a:schemeClr val="dk1"/>
+              </a:solidFill>
+            </a:endParaRPr>
+          </a:p>
+          <a:p>
+            <a:pPr marL="457200" lvl="0" indent="-308610" algn="l" rtl="0">
+              <a:spcBef>
+                <a:spcPts val="0"/>
+              </a:spcBef>
+              <a:spcAft>
+                <a:spcPts val="0"/>
+              </a:spcAft>
+              <a:buClr>
+                <a:schemeClr val="dk1"/>
+              </a:buClr>
+              <a:buSzPct val="100000"/>
+              <a:buChar char="●"/>
+            </a:pPr>
+            <a:r>
+              <a:rPr lang="fr">
+                <a:solidFill>
+                  <a:schemeClr val="dk1"/>
+                </a:solidFill>
+              </a:rPr>
+              <a:t>Utilisation d’une DAOFactory et stockage sous plusieurs formats et stockage GED.</a:t>
+            </a:r>
+            <a:endParaRPr>
+              <a:solidFill>
+                <a:schemeClr val="dk1"/>
+              </a:solidFill>
+            </a:endParaRPr>
+          </a:p>
+          <a:p>
+            <a:pPr marL="457200" lvl="0" indent="-308610" algn="l" rtl="0">
+              <a:spcBef>
+                <a:spcPts val="0"/>
+              </a:spcBef>
+              <a:spcAft>
+                <a:spcPts val="0"/>
+              </a:spcAft>
+              <a:buClr>
+                <a:schemeClr val="dk1"/>
+              </a:buClr>
+              <a:buSzPct val="100000"/>
+              <a:buChar char="●"/>
+            </a:pPr>
+            <a:r>
+              <a:rPr lang="fr">
+                <a:solidFill>
+                  <a:schemeClr val="dk1"/>
+                </a:solidFill>
+              </a:rPr>
+              <a:t>Développement de la BDD pour stocker des timestamps afin de tracer les productions comptables</a:t>
+            </a:r>
+            <a:endParaRPr>
+              <a:solidFill>
+                <a:schemeClr val="dk1"/>
+              </a:solidFill>
+            </a:endParaRPr>
           </a:p>
         </p:txBody>
       </p:sp>
@@ -6158,11 +7136,11 @@
 </file>
 
 <file path=ppt/slides/slide2.xml><?xml version="1.0" encoding="utf-8"?>
-<p:sld xmlns:a="http://schemas.openxmlformats.org/drawingml/2006/main" xmlns:r="http://schemas.openxmlformats.org/officeDocument/2006/relationships" xmlns:mc="http://schemas.openxmlformats.org/markup-compatibility/2006" xmlns:mv="urn:schemas-microsoft-com:mac:vml" xmlns:p="http://schemas.openxmlformats.org/presentationml/2006/main" xmlns:c="http://schemas.openxmlformats.org/drawingml/2006/chart" xmlns:dgm="http://schemas.openxmlformats.org/drawingml/2006/diagram" xmlns:o="urn:schemas-microsoft-com:office:office" xmlns:v="urn:schemas-microsoft-com:vml" xmlns:pvml="urn:schemas-microsoft-com:office:powerpoint" xmlns:com="http://schemas.openxmlformats.org/drawingml/2006/compatibility" xmlns:p14="http://schemas.microsoft.com/office/powerpoint/2010/main" xmlns:p15="http://schemas.microsoft.com/office/powerpoint/2012/main" xmlns:ahyp="http://schemas.microsoft.com/office/drawing/2018/hyperlinkcolor">
+<p:sld xmlns:a="http://schemas.openxmlformats.org/drawingml/2006/main" xmlns:r="http://schemas.openxmlformats.org/officeDocument/2006/relationships" xmlns:p="http://schemas.openxmlformats.org/presentationml/2006/main">
   <p:cSld>
     <p:spTree>
       <p:nvGrpSpPr>
-        <p:cNvPr id="61" name="Shape 61"/>
+        <p:cNvPr id="1" name="Shape 61"/>
         <p:cNvGrpSpPr/>
         <p:nvPr/>
       </p:nvGrpSpPr>
@@ -6177,7 +7155,9 @@
       <p:sp>
         <p:nvSpPr>
           <p:cNvPr id="62" name="Google Shape;62;p14"/>
-          <p:cNvSpPr txBox="1"/>
+          <p:cNvSpPr txBox="1">
+            <a:spLocks noGrp="1"/>
+          </p:cNvSpPr>
           <p:nvPr>
             <p:ph type="title"/>
           </p:nvPr>
@@ -6192,12 +7172,12 @@
           </a:prstGeom>
         </p:spPr>
         <p:txBody>
-          <a:bodyPr anchorCtr="0" anchor="t" bIns="91425" lIns="91425" spcFirstLastPara="1" rIns="91425" wrap="square" tIns="91425">
+          <a:bodyPr spcFirstLastPara="1" wrap="square" lIns="91425" tIns="91425" rIns="91425" bIns="91425" anchor="t" anchorCtr="0">
             <a:normAutofit fontScale="90000"/>
           </a:bodyPr>
           <a:lstStyle/>
           <a:p>
-            <a:pPr indent="0" lvl="0" marL="0" rtl="0" algn="l">
+            <a:pPr marL="0" lvl="0" indent="0" algn="l" rtl="0">
               <a:spcBef>
                 <a:spcPts val="0"/>
               </a:spcBef>
@@ -6217,9 +7197,11 @@
       <p:sp>
         <p:nvSpPr>
           <p:cNvPr id="63" name="Google Shape;63;p14"/>
-          <p:cNvSpPr txBox="1"/>
+          <p:cNvSpPr txBox="1">
+            <a:spLocks noGrp="1"/>
+          </p:cNvSpPr>
           <p:nvPr>
-            <p:ph idx="1" type="body"/>
+            <p:ph type="body" idx="1"/>
           </p:nvPr>
         </p:nvSpPr>
         <p:spPr>
@@ -6232,12 +7214,12 @@
           </a:prstGeom>
         </p:spPr>
         <p:txBody>
-          <a:bodyPr anchorCtr="0" anchor="t" bIns="91425" lIns="91425" spcFirstLastPara="1" rIns="91425" wrap="square" tIns="91425">
+          <a:bodyPr spcFirstLastPara="1" wrap="square" lIns="91425" tIns="91425" rIns="91425" bIns="91425" anchor="t" anchorCtr="0">
             <a:normAutofit/>
           </a:bodyPr>
           <a:lstStyle/>
           <a:p>
-            <a:pPr indent="-342900" lvl="0" marL="457200" rtl="0" algn="l">
+            <a:pPr marL="457200" lvl="0" indent="-342900" algn="l" rtl="0">
               <a:spcBef>
                 <a:spcPts val="0"/>
               </a:spcBef>
@@ -6265,7 +7247,7 @@
             </a:endParaRPr>
           </a:p>
           <a:p>
-            <a:pPr indent="-342900" lvl="0" marL="457200" rtl="0" algn="l">
+            <a:pPr marL="457200" lvl="0" indent="-342900" algn="l" rtl="0">
               <a:spcBef>
                 <a:spcPts val="0"/>
               </a:spcBef>
@@ -6284,15 +7266,7 @@
                   <a:schemeClr val="dk1"/>
                 </a:solidFill>
               </a:rPr>
-              <a:t>L’objectif est de </a:t>
-            </a:r>
-            <a:r>
-              <a:rPr lang="fr">
-                <a:solidFill>
-                  <a:schemeClr val="dk1"/>
-                </a:solidFill>
-              </a:rPr>
-              <a:t>rendre accessible la comptabilité auprès des PME</a:t>
+              <a:t>L’objectif est de rendre accessible la comptabilité auprès des PME</a:t>
             </a:r>
             <a:endParaRPr>
               <a:solidFill>
@@ -6301,7 +7275,7 @@
             </a:endParaRPr>
           </a:p>
           <a:p>
-            <a:pPr indent="-342900" lvl="0" marL="457200" rtl="0" algn="l">
+            <a:pPr marL="457200" lvl="0" indent="-342900" algn="l" rtl="0">
               <a:spcBef>
                 <a:spcPts val="0"/>
               </a:spcBef>
@@ -6329,7 +7303,7 @@
             </a:endParaRPr>
           </a:p>
           <a:p>
-            <a:pPr indent="-342900" lvl="0" marL="457200" rtl="0" algn="l">
+            <a:pPr marL="457200" lvl="0" indent="-342900" algn="l" rtl="0">
               <a:spcBef>
                 <a:spcPts val="0"/>
               </a:spcBef>
@@ -6348,39 +7322,7 @@
                   <a:schemeClr val="dk1"/>
                 </a:solidFill>
               </a:rPr>
-              <a:t>Ceci s’inscrit dans une volonté plus grande de fournir des </a:t>
-            </a:r>
-            <a:r>
-              <a:rPr lang="fr">
-                <a:solidFill>
-                  <a:schemeClr val="dk1"/>
-                </a:solidFill>
-              </a:rPr>
-              <a:t>logiciels</a:t>
-            </a:r>
-            <a:r>
-              <a:rPr lang="fr">
-                <a:solidFill>
-                  <a:schemeClr val="dk1"/>
-                </a:solidFill>
-              </a:rPr>
-              <a:t> de gestion open source sous un nom commun (ITFAM), je souhaite proposer plusieurs </a:t>
-            </a:r>
-            <a:r>
-              <a:rPr lang="fr">
-                <a:solidFill>
-                  <a:schemeClr val="dk1"/>
-                </a:solidFill>
-              </a:rPr>
-              <a:t>projets</a:t>
-            </a:r>
-            <a:r>
-              <a:rPr lang="fr">
-                <a:solidFill>
-                  <a:schemeClr val="dk1"/>
-                </a:solidFill>
-              </a:rPr>
-              <a:t> de ce type au cours de mes études (gestion du personnel, des stocks, outil financier divers…).</a:t>
+              <a:t>Ceci s’inscrit dans une volonté plus grande de fournir des logiciels de gestion open source sous un nom commun (ITFAM), je souhaite proposer plusieurs projets de ce type au cours de mes études (gestion du personnel, des stocks, outil financier divers…).</a:t>
             </a:r>
             <a:endParaRPr>
               <a:solidFill>
@@ -6389,7 +7331,7 @@
             </a:endParaRPr>
           </a:p>
           <a:p>
-            <a:pPr indent="0" lvl="0" marL="457200" rtl="0" algn="l">
+            <a:pPr marL="457200" lvl="0" indent="0" algn="l" rtl="0">
               <a:spcBef>
                 <a:spcPts val="1200"/>
               </a:spcBef>
@@ -6398,9 +7340,6 @@
               </a:spcAft>
               <a:buNone/>
             </a:pPr>
-            <a:r>
-              <a:t/>
-            </a:r>
             <a:endParaRPr>
               <a:solidFill>
                 <a:schemeClr val="dk1"/>
@@ -6418,11 +7357,69 @@
 </file>
 
 <file path=ppt/slides/slide3.xml><?xml version="1.0" encoding="utf-8"?>
-<p:sld xmlns:a="http://schemas.openxmlformats.org/drawingml/2006/main" xmlns:r="http://schemas.openxmlformats.org/officeDocument/2006/relationships" xmlns:mc="http://schemas.openxmlformats.org/markup-compatibility/2006" xmlns:mv="urn:schemas-microsoft-com:mac:vml" xmlns:p="http://schemas.openxmlformats.org/presentationml/2006/main" xmlns:c="http://schemas.openxmlformats.org/drawingml/2006/chart" xmlns:dgm="http://schemas.openxmlformats.org/drawingml/2006/diagram" xmlns:o="urn:schemas-microsoft-com:office:office" xmlns:v="urn:schemas-microsoft-com:vml" xmlns:pvml="urn:schemas-microsoft-com:office:powerpoint" xmlns:com="http://schemas.openxmlformats.org/drawingml/2006/compatibility" xmlns:p14="http://schemas.microsoft.com/office/powerpoint/2010/main" xmlns:p15="http://schemas.microsoft.com/office/powerpoint/2012/main" xmlns:ahyp="http://schemas.microsoft.com/office/drawing/2018/hyperlinkcolor">
+<p:sld xmlns:a="http://schemas.openxmlformats.org/drawingml/2006/main" xmlns:r="http://schemas.openxmlformats.org/officeDocument/2006/relationships" xmlns:p="http://schemas.openxmlformats.org/presentationml/2006/main">
   <p:cSld>
     <p:spTree>
       <p:nvGrpSpPr>
-        <p:cNvPr id="67" name="Shape 67"/>
+        <p:cNvPr id="1" name=""/>
+        <p:cNvGrpSpPr/>
+        <p:nvPr/>
+      </p:nvGrpSpPr>
+      <p:grpSpPr>
+        <a:xfrm>
+          <a:off x="0" y="0"/>
+          <a:ext cx="0" cy="0"/>
+          <a:chOff x="0" y="0"/>
+          <a:chExt cx="0" cy="0"/>
+        </a:xfrm>
+      </p:grpSpPr>
+      <p:sp>
+        <p:nvSpPr>
+          <p:cNvPr id="4" name="Titre 3">
+            <a:extLst>
+              <a:ext uri="{FF2B5EF4-FFF2-40B4-BE49-F238E27FC236}">
+                <a16:creationId xmlns:a16="http://schemas.microsoft.com/office/drawing/2014/main" id="{F34B546B-21B6-7213-3F0A-155493485896}"/>
+              </a:ext>
+            </a:extLst>
+          </p:cNvPr>
+          <p:cNvSpPr>
+            <a:spLocks noGrp="1"/>
+          </p:cNvSpPr>
+          <p:nvPr>
+            <p:ph type="title"/>
+          </p:nvPr>
+        </p:nvSpPr>
+        <p:spPr/>
+        <p:txBody>
+          <a:bodyPr/>
+          <a:lstStyle/>
+          <a:p>
+            <a:r>
+              <a:rPr lang="fr-FR" dirty="0"/>
+              <a:t>Caractéristiques du projet</a:t>
+            </a:r>
+          </a:p>
+        </p:txBody>
+      </p:sp>
+    </p:spTree>
+    <p:extLst>
+      <p:ext uri="{BB962C8B-B14F-4D97-AF65-F5344CB8AC3E}">
+        <p14:creationId xmlns:p14="http://schemas.microsoft.com/office/powerpoint/2010/main" val="1536166993"/>
+      </p:ext>
+    </p:extLst>
+  </p:cSld>
+  <p:clrMapOvr>
+    <a:masterClrMapping/>
+  </p:clrMapOvr>
+</p:sld>
+</file>
+
+<file path=ppt/slides/slide4.xml><?xml version="1.0" encoding="utf-8"?>
+<p:sld xmlns:a="http://schemas.openxmlformats.org/drawingml/2006/main" xmlns:r="http://schemas.openxmlformats.org/officeDocument/2006/relationships" xmlns:p="http://schemas.openxmlformats.org/presentationml/2006/main">
+  <p:cSld>
+    <p:spTree>
+      <p:nvGrpSpPr>
+        <p:cNvPr id="1" name="Shape 67"/>
         <p:cNvGrpSpPr/>
         <p:nvPr/>
       </p:nvGrpSpPr>
@@ -6437,7 +7434,9 @@
       <p:sp>
         <p:nvSpPr>
           <p:cNvPr id="68" name="Google Shape;68;p15"/>
-          <p:cNvSpPr txBox="1"/>
+          <p:cNvSpPr txBox="1">
+            <a:spLocks noGrp="1"/>
+          </p:cNvSpPr>
           <p:nvPr>
             <p:ph type="title"/>
           </p:nvPr>
@@ -6452,12 +7451,12 @@
           </a:prstGeom>
         </p:spPr>
         <p:txBody>
-          <a:bodyPr anchorCtr="0" anchor="t" bIns="91425" lIns="91425" spcFirstLastPara="1" rIns="91425" wrap="square" tIns="91425">
+          <a:bodyPr spcFirstLastPara="1" wrap="square" lIns="91425" tIns="91425" rIns="91425" bIns="91425" anchor="t" anchorCtr="0">
             <a:normAutofit fontScale="90000"/>
           </a:bodyPr>
           <a:lstStyle/>
           <a:p>
-            <a:pPr indent="0" lvl="0" marL="0" rtl="0" algn="l">
+            <a:pPr marL="0" lvl="0" indent="0" algn="l" rtl="0">
               <a:spcBef>
                 <a:spcPts val="0"/>
               </a:spcBef>
@@ -6477,9 +7476,11 @@
       <p:sp>
         <p:nvSpPr>
           <p:cNvPr id="69" name="Google Shape;69;p15"/>
-          <p:cNvSpPr txBox="1"/>
+          <p:cNvSpPr txBox="1">
+            <a:spLocks noGrp="1"/>
+          </p:cNvSpPr>
           <p:nvPr>
-            <p:ph idx="1" type="body"/>
+            <p:ph type="body" idx="1"/>
           </p:nvPr>
         </p:nvSpPr>
         <p:spPr>
@@ -6492,12 +7493,12 @@
           </a:prstGeom>
         </p:spPr>
         <p:txBody>
-          <a:bodyPr anchorCtr="0" anchor="t" bIns="91425" lIns="91425" spcFirstLastPara="1" rIns="91425" wrap="square" tIns="91425">
+          <a:bodyPr spcFirstLastPara="1" wrap="square" lIns="91425" tIns="91425" rIns="91425" bIns="91425" anchor="t" anchorCtr="0">
             <a:normAutofit/>
           </a:bodyPr>
           <a:lstStyle/>
           <a:p>
-            <a:pPr indent="-342900" lvl="0" marL="457200" rtl="0" algn="l">
+            <a:pPr marL="457200" lvl="0" indent="-342900" algn="l" rtl="0">
               <a:spcBef>
                 <a:spcPts val="0"/>
               </a:spcBef>
@@ -6525,7 +7526,7 @@
             </a:endParaRPr>
           </a:p>
           <a:p>
-            <a:pPr indent="-342900" lvl="0" marL="457200" rtl="0" algn="l">
+            <a:pPr marL="457200" lvl="0" indent="-342900" algn="l" rtl="0">
               <a:spcBef>
                 <a:spcPts val="0"/>
               </a:spcBef>
@@ -6553,7 +7554,7 @@
             </a:endParaRPr>
           </a:p>
           <a:p>
-            <a:pPr indent="-342900" lvl="0" marL="457200" rtl="0" algn="l">
+            <a:pPr marL="457200" lvl="0" indent="-342900" algn="l" rtl="0">
               <a:spcBef>
                 <a:spcPts val="0"/>
               </a:spcBef>
@@ -6581,7 +7582,7 @@
             </a:endParaRPr>
           </a:p>
           <a:p>
-            <a:pPr indent="-342900" lvl="0" marL="457200" rtl="0" algn="l">
+            <a:pPr marL="457200" lvl="0" indent="-342900" algn="l" rtl="0">
               <a:spcBef>
                 <a:spcPts val="0"/>
               </a:spcBef>
@@ -6600,15 +7601,7 @@
                   <a:schemeClr val="dk1"/>
                 </a:solidFill>
               </a:rPr>
-              <a:t>L’édition de balance et de comptes de </a:t>
-            </a:r>
-            <a:r>
-              <a:rPr lang="fr">
-                <a:solidFill>
-                  <a:schemeClr val="dk1"/>
-                </a:solidFill>
-              </a:rPr>
-              <a:t>résultats</a:t>
+              <a:t>L’édition de balance et de comptes de résultats</a:t>
             </a:r>
             <a:endParaRPr>
               <a:solidFill>
@@ -6617,7 +7610,7 @@
             </a:endParaRPr>
           </a:p>
           <a:p>
-            <a:pPr indent="-342900" lvl="0" marL="457200" rtl="0" algn="l">
+            <a:pPr marL="457200" lvl="0" indent="-342900" algn="l" rtl="0">
               <a:spcBef>
                 <a:spcPts val="0"/>
               </a:spcBef>
@@ -6636,23 +7629,7 @@
                   <a:schemeClr val="dk1"/>
                 </a:solidFill>
               </a:rPr>
-              <a:t>Une </a:t>
-            </a:r>
-            <a:r>
-              <a:rPr lang="fr">
-                <a:solidFill>
-                  <a:schemeClr val="dk1"/>
-                </a:solidFill>
-              </a:rPr>
-              <a:t>persistance</a:t>
-            </a:r>
-            <a:r>
-              <a:rPr lang="fr">
-                <a:solidFill>
-                  <a:schemeClr val="dk1"/>
-                </a:solidFill>
-              </a:rPr>
-              <a:t> des informations comptables</a:t>
+              <a:t>Une persistance des informations comptables</a:t>
             </a:r>
             <a:endParaRPr>
               <a:solidFill>
@@ -6661,7 +7638,7 @@
             </a:endParaRPr>
           </a:p>
           <a:p>
-            <a:pPr indent="-342900" lvl="0" marL="457200" rtl="0" algn="l">
+            <a:pPr marL="457200" lvl="0" indent="-342900" algn="l" rtl="0">
               <a:spcBef>
                 <a:spcPts val="0"/>
               </a:spcBef>
@@ -6680,23 +7657,7 @@
                   <a:schemeClr val="dk1"/>
                 </a:solidFill>
               </a:rPr>
-              <a:t>La possibilité de </a:t>
-            </a:r>
-            <a:r>
-              <a:rPr lang="fr">
-                <a:solidFill>
-                  <a:schemeClr val="dk1"/>
-                </a:solidFill>
-              </a:rPr>
-              <a:t>gérer</a:t>
-            </a:r>
-            <a:r>
-              <a:rPr lang="fr">
-                <a:solidFill>
-                  <a:schemeClr val="dk1"/>
-                </a:solidFill>
-              </a:rPr>
-              <a:t> plusieurs sociétés</a:t>
+              <a:t>La possibilité de gérer plusieurs sociétés</a:t>
             </a:r>
             <a:endParaRPr>
               <a:solidFill>
@@ -6705,7 +7666,7 @@
             </a:endParaRPr>
           </a:p>
           <a:p>
-            <a:pPr indent="-342900" lvl="0" marL="457200" rtl="0" algn="l">
+            <a:pPr marL="457200" lvl="0" indent="-342900" algn="l" rtl="0">
               <a:spcBef>
                 <a:spcPts val="0"/>
               </a:spcBef>
@@ -6733,7 +7694,7 @@
             </a:endParaRPr>
           </a:p>
           <a:p>
-            <a:pPr indent="0" lvl="0" marL="457200" rtl="0" algn="l">
+            <a:pPr marL="457200" lvl="0" indent="0" algn="l" rtl="0">
               <a:spcBef>
                 <a:spcPts val="1200"/>
               </a:spcBef>
@@ -6742,9 +7703,6 @@
               </a:spcAft>
               <a:buNone/>
             </a:pPr>
-            <a:r>
-              <a:t/>
-            </a:r>
             <a:endParaRPr>
               <a:solidFill>
                 <a:schemeClr val="dk1"/>
@@ -6761,12 +7719,12 @@
 </p:sld>
 </file>
 
-<file path=ppt/slides/slide4.xml><?xml version="1.0" encoding="utf-8"?>
-<p:sld xmlns:a="http://schemas.openxmlformats.org/drawingml/2006/main" xmlns:r="http://schemas.openxmlformats.org/officeDocument/2006/relationships" xmlns:mc="http://schemas.openxmlformats.org/markup-compatibility/2006" xmlns:mv="urn:schemas-microsoft-com:mac:vml" xmlns:p="http://schemas.openxmlformats.org/presentationml/2006/main" xmlns:c="http://schemas.openxmlformats.org/drawingml/2006/chart" xmlns:dgm="http://schemas.openxmlformats.org/drawingml/2006/diagram" xmlns:o="urn:schemas-microsoft-com:office:office" xmlns:v="urn:schemas-microsoft-com:vml" xmlns:pvml="urn:schemas-microsoft-com:office:powerpoint" xmlns:com="http://schemas.openxmlformats.org/drawingml/2006/compatibility" xmlns:p14="http://schemas.microsoft.com/office/powerpoint/2010/main" xmlns:p15="http://schemas.microsoft.com/office/powerpoint/2012/main" xmlns:ahyp="http://schemas.microsoft.com/office/drawing/2018/hyperlinkcolor">
+<file path=ppt/slides/slide5.xml><?xml version="1.0" encoding="utf-8"?>
+<p:sld xmlns:a="http://schemas.openxmlformats.org/drawingml/2006/main" xmlns:r="http://schemas.openxmlformats.org/officeDocument/2006/relationships" xmlns:p="http://schemas.openxmlformats.org/presentationml/2006/main">
   <p:cSld>
     <p:spTree>
       <p:nvGrpSpPr>
-        <p:cNvPr id="73" name="Shape 73"/>
+        <p:cNvPr id="1" name="Shape 73"/>
         <p:cNvGrpSpPr/>
         <p:nvPr/>
       </p:nvGrpSpPr>
@@ -6781,7 +7739,9 @@
       <p:sp>
         <p:nvSpPr>
           <p:cNvPr id="74" name="Google Shape;74;p16"/>
-          <p:cNvSpPr txBox="1"/>
+          <p:cNvSpPr txBox="1">
+            <a:spLocks noGrp="1"/>
+          </p:cNvSpPr>
           <p:nvPr>
             <p:ph type="title"/>
           </p:nvPr>
@@ -6796,12 +7756,12 @@
           </a:prstGeom>
         </p:spPr>
         <p:txBody>
-          <a:bodyPr anchorCtr="0" anchor="t" bIns="91425" lIns="91425" spcFirstLastPara="1" rIns="91425" wrap="square" tIns="91425">
+          <a:bodyPr spcFirstLastPara="1" wrap="square" lIns="91425" tIns="91425" rIns="91425" bIns="91425" anchor="t" anchorCtr="0">
             <a:normAutofit fontScale="90000"/>
           </a:bodyPr>
           <a:lstStyle/>
           <a:p>
-            <a:pPr indent="0" lvl="0" marL="0" rtl="0" algn="l">
+            <a:pPr marL="0" lvl="0" indent="0" algn="l" rtl="0">
               <a:spcBef>
                 <a:spcPts val="0"/>
               </a:spcBef>
@@ -6811,19 +7771,21 @@
               <a:buNone/>
             </a:pPr>
             <a:r>
-              <a:rPr lang="fr"/>
-              <a:t>Spécificité technique</a:t>
+              <a:rPr lang="fr" dirty="0"/>
+              <a:t>Spécificité technique, logiciel et dépendances</a:t>
             </a:r>
-            <a:endParaRPr/>
+            <a:endParaRPr dirty="0"/>
           </a:p>
         </p:txBody>
       </p:sp>
       <p:sp>
         <p:nvSpPr>
           <p:cNvPr id="75" name="Google Shape;75;p16"/>
-          <p:cNvSpPr txBox="1"/>
+          <p:cNvSpPr txBox="1">
+            <a:spLocks noGrp="1"/>
+          </p:cNvSpPr>
           <p:nvPr>
-            <p:ph idx="1" type="body"/>
+            <p:ph type="body" idx="1"/>
           </p:nvPr>
         </p:nvSpPr>
         <p:spPr>
@@ -6836,12 +7798,12 @@
           </a:prstGeom>
         </p:spPr>
         <p:txBody>
-          <a:bodyPr anchorCtr="0" anchor="t" bIns="91425" lIns="91425" spcFirstLastPara="1" rIns="91425" wrap="square" tIns="91425">
+          <a:bodyPr spcFirstLastPara="1" wrap="square" lIns="91425" tIns="91425" rIns="91425" bIns="91425" anchor="t" anchorCtr="0">
             <a:normAutofit/>
           </a:bodyPr>
           <a:lstStyle/>
           <a:p>
-            <a:pPr indent="-342900" lvl="0" marL="457200" rtl="0" algn="l">
+            <a:pPr marL="457200" lvl="0" indent="-342900" algn="l" rtl="0">
               <a:spcBef>
                 <a:spcPts val="0"/>
               </a:spcBef>
@@ -6855,21 +7817,21 @@
               <a:buChar char="●"/>
             </a:pPr>
             <a:r>
-              <a:rPr lang="fr">
+              <a:rPr lang="fr" dirty="0">
                 <a:solidFill>
                   <a:schemeClr val="dk1"/>
                 </a:solidFill>
               </a:rPr>
               <a:t>Jakarta EE 9</a:t>
             </a:r>
-            <a:endParaRPr>
+            <a:endParaRPr dirty="0">
               <a:solidFill>
                 <a:schemeClr val="dk1"/>
               </a:solidFill>
             </a:endParaRPr>
           </a:p>
           <a:p>
-            <a:pPr indent="-342900" lvl="0" marL="457200" rtl="0" algn="l">
+            <a:pPr marL="457200" lvl="0" indent="-342900" algn="l" rtl="0">
               <a:spcBef>
                 <a:spcPts val="0"/>
               </a:spcBef>
@@ -6883,21 +7845,21 @@
               <a:buChar char="●"/>
             </a:pPr>
             <a:r>
-              <a:rPr lang="fr">
+              <a:rPr lang="fr" dirty="0">
                 <a:solidFill>
                   <a:schemeClr val="dk1"/>
                 </a:solidFill>
               </a:rPr>
               <a:t>Serveur Glassfish 7.0 </a:t>
             </a:r>
-            <a:endParaRPr>
+            <a:endParaRPr dirty="0">
               <a:solidFill>
                 <a:schemeClr val="dk1"/>
               </a:solidFill>
             </a:endParaRPr>
           </a:p>
           <a:p>
-            <a:pPr indent="-342900" lvl="0" marL="457200" rtl="0" algn="l">
+            <a:pPr marL="457200" lvl="0" indent="-342900" algn="l" rtl="0">
               <a:spcBef>
                 <a:spcPts val="0"/>
               </a:spcBef>
@@ -6911,21 +7873,21 @@
               <a:buChar char="●"/>
             </a:pPr>
             <a:r>
-              <a:rPr lang="fr">
+              <a:rPr lang="fr" dirty="0">
                 <a:solidFill>
                   <a:schemeClr val="dk1"/>
                 </a:solidFill>
               </a:rPr>
               <a:t>IDE : IntelliJ Ultimate</a:t>
             </a:r>
-            <a:endParaRPr>
+            <a:endParaRPr dirty="0">
               <a:solidFill>
                 <a:schemeClr val="dk1"/>
               </a:solidFill>
             </a:endParaRPr>
           </a:p>
           <a:p>
-            <a:pPr indent="-342900" lvl="0" marL="457200" rtl="0" algn="l">
+            <a:pPr marL="457200" lvl="0" indent="-342900" algn="l" rtl="0">
               <a:spcBef>
                 <a:spcPts val="0"/>
               </a:spcBef>
@@ -6939,21 +7901,183 @@
               <a:buChar char="●"/>
             </a:pPr>
             <a:r>
-              <a:rPr lang="fr">
+              <a:rPr lang="fr" dirty="0">
                 <a:solidFill>
                   <a:schemeClr val="dk1"/>
                 </a:solidFill>
               </a:rPr>
               <a:t>SGBD : MySQL</a:t>
             </a:r>
-            <a:endParaRPr>
+          </a:p>
+          <a:p>
+            <a:pPr marL="457200" lvl="0" indent="-342900" algn="l" rtl="0">
+              <a:spcBef>
+                <a:spcPts val="0"/>
+              </a:spcBef>
+              <a:spcAft>
+                <a:spcPts val="0"/>
+              </a:spcAft>
+              <a:buClr>
+                <a:schemeClr val="dk1"/>
+              </a:buClr>
+              <a:buSzPts val="1800"/>
+              <a:buChar char="●"/>
+            </a:pPr>
+            <a:r>
+              <a:rPr lang="fr" dirty="0">
+                <a:solidFill>
+                  <a:schemeClr val="dk1"/>
+                </a:solidFill>
+              </a:rPr>
+              <a:t>Maven</a:t>
+            </a:r>
+          </a:p>
+          <a:p>
+            <a:pPr marL="457200" lvl="0" indent="-342900" algn="l" rtl="0">
+              <a:spcBef>
+                <a:spcPts val="0"/>
+              </a:spcBef>
+              <a:spcAft>
+                <a:spcPts val="0"/>
+              </a:spcAft>
+              <a:buClr>
+                <a:schemeClr val="dk1"/>
+              </a:buClr>
+              <a:buSzPts val="1800"/>
+              <a:buChar char="●"/>
+            </a:pPr>
+            <a:r>
+              <a:rPr lang="fr" dirty="0">
+                <a:solidFill>
+                  <a:schemeClr val="dk1"/>
+                </a:solidFill>
+              </a:rPr>
+              <a:t>J</a:t>
+            </a:r>
+            <a:r>
+              <a:rPr lang="fr-FR" dirty="0">
+                <a:solidFill>
+                  <a:schemeClr val="dk1"/>
+                </a:solidFill>
+              </a:rPr>
+              <a:t>q</a:t>
+            </a:r>
+            <a:r>
+              <a:rPr lang="fr" dirty="0">
+                <a:solidFill>
+                  <a:schemeClr val="dk1"/>
+                </a:solidFill>
+              </a:rPr>
+              <a:t>uery</a:t>
+            </a:r>
+          </a:p>
+          <a:p>
+            <a:pPr marL="457200" lvl="0" indent="-342900" algn="l" rtl="0">
+              <a:spcBef>
+                <a:spcPts val="0"/>
+              </a:spcBef>
+              <a:spcAft>
+                <a:spcPts val="0"/>
+              </a:spcAft>
+              <a:buClr>
+                <a:schemeClr val="dk1"/>
+              </a:buClr>
+              <a:buSzPts val="1800"/>
+              <a:buChar char="●"/>
+            </a:pPr>
+            <a:r>
+              <a:rPr lang="fr" dirty="0">
+                <a:solidFill>
+                  <a:schemeClr val="dk1"/>
+                </a:solidFill>
+              </a:rPr>
+              <a:t>Itext core 5</a:t>
+            </a:r>
+          </a:p>
+          <a:p>
+            <a:pPr marL="457200" lvl="0" indent="-342900" algn="l" rtl="0">
+              <a:spcBef>
+                <a:spcPts val="0"/>
+              </a:spcBef>
+              <a:spcAft>
+                <a:spcPts val="0"/>
+              </a:spcAft>
+              <a:buClr>
+                <a:schemeClr val="dk1"/>
+              </a:buClr>
+              <a:buSzPts val="1800"/>
+              <a:buChar char="●"/>
+            </a:pPr>
+            <a:r>
+              <a:rPr lang="fr" dirty="0">
+                <a:solidFill>
+                  <a:schemeClr val="dk1"/>
+                </a:solidFill>
+              </a:rPr>
+              <a:t>Apache IO commons </a:t>
+            </a:r>
+          </a:p>
+          <a:p>
+            <a:pPr marL="457200" lvl="0" indent="-342900" algn="l" rtl="0">
+              <a:spcBef>
+                <a:spcPts val="0"/>
+              </a:spcBef>
+              <a:spcAft>
+                <a:spcPts val="0"/>
+              </a:spcAft>
+              <a:buClr>
+                <a:schemeClr val="dk1"/>
+              </a:buClr>
+              <a:buSzPts val="1800"/>
+              <a:buChar char="●"/>
+            </a:pPr>
+            <a:r>
+              <a:rPr lang="fr-FR" dirty="0" err="1">
+                <a:solidFill>
+                  <a:schemeClr val="dk1"/>
+                </a:solidFill>
+              </a:rPr>
+              <a:t>org.J</a:t>
+            </a:r>
+            <a:r>
+              <a:rPr lang="fr" dirty="0">
+                <a:solidFill>
+                  <a:schemeClr val="dk1"/>
+                </a:solidFill>
+              </a:rPr>
+              <a:t>son</a:t>
+            </a:r>
+          </a:p>
+          <a:p>
+            <a:pPr marL="457200" lvl="0" indent="-342900" algn="l" rtl="0">
+              <a:spcBef>
+                <a:spcPts val="0"/>
+              </a:spcBef>
+              <a:spcAft>
+                <a:spcPts val="0"/>
+              </a:spcAft>
+              <a:buClr>
+                <a:schemeClr val="dk1"/>
+              </a:buClr>
+              <a:buSzPts val="1800"/>
+              <a:buChar char="●"/>
+            </a:pPr>
+            <a:r>
+              <a:rPr lang="fr" dirty="0">
+                <a:solidFill>
+                  <a:schemeClr val="dk1"/>
+                </a:solidFill>
+              </a:rPr>
+              <a:t>MySQL Connector-J</a:t>
+            </a:r>
+            <a:endParaRPr dirty="0">
               <a:solidFill>
                 <a:schemeClr val="dk1"/>
               </a:solidFill>
             </a:endParaRPr>
           </a:p>
           <a:p>
-            <a:pPr indent="0" lvl="0" marL="0" rtl="0" algn="l">
+            <a:pPr marL="0" lvl="0" indent="0" algn="l" rtl="0">
               <a:spcBef>
                 <a:spcPts val="1200"/>
               </a:spcBef>
@@ -6962,17 +8086,14 @@
               </a:spcAft>
               <a:buNone/>
             </a:pPr>
-            <a:r>
-              <a:t/>
-            </a:r>
-            <a:endParaRPr>
+            <a:endParaRPr dirty="0">
               <a:solidFill>
                 <a:schemeClr val="dk1"/>
               </a:solidFill>
             </a:endParaRPr>
           </a:p>
           <a:p>
-            <a:pPr indent="0" lvl="0" marL="0" rtl="0" algn="l">
+            <a:pPr marL="0" lvl="0" indent="0" algn="l" rtl="0">
               <a:spcBef>
                 <a:spcPts val="1200"/>
               </a:spcBef>
@@ -6981,17 +8102,14 @@
               </a:spcAft>
               <a:buNone/>
             </a:pPr>
-            <a:r>
-              <a:t/>
-            </a:r>
-            <a:endParaRPr>
+            <a:endParaRPr dirty="0">
               <a:solidFill>
                 <a:schemeClr val="dk1"/>
               </a:solidFill>
             </a:endParaRPr>
           </a:p>
           <a:p>
-            <a:pPr indent="0" lvl="0" marL="457200" rtl="0" algn="l">
+            <a:pPr marL="457200" lvl="0" indent="0" algn="l" rtl="0">
               <a:spcBef>
                 <a:spcPts val="1200"/>
               </a:spcBef>
@@ -7000,10 +8118,7 @@
               </a:spcAft>
               <a:buNone/>
             </a:pPr>
-            <a:r>
-              <a:t/>
-            </a:r>
-            <a:endParaRPr>
+            <a:endParaRPr dirty="0">
               <a:solidFill>
                 <a:schemeClr val="dk1"/>
               </a:solidFill>
@@ -7019,12 +8134,12 @@
 </p:sld>
 </file>
 
-<file path=ppt/slides/slide5.xml><?xml version="1.0" encoding="utf-8"?>
-<p:sld xmlns:a="http://schemas.openxmlformats.org/drawingml/2006/main" xmlns:r="http://schemas.openxmlformats.org/officeDocument/2006/relationships" xmlns:mc="http://schemas.openxmlformats.org/markup-compatibility/2006" xmlns:mv="urn:schemas-microsoft-com:mac:vml" xmlns:p="http://schemas.openxmlformats.org/presentationml/2006/main" xmlns:c="http://schemas.openxmlformats.org/drawingml/2006/chart" xmlns:dgm="http://schemas.openxmlformats.org/drawingml/2006/diagram" xmlns:o="urn:schemas-microsoft-com:office:office" xmlns:v="urn:schemas-microsoft-com:vml" xmlns:pvml="urn:schemas-microsoft-com:office:powerpoint" xmlns:com="http://schemas.openxmlformats.org/drawingml/2006/compatibility" xmlns:p14="http://schemas.microsoft.com/office/powerpoint/2010/main" xmlns:p15="http://schemas.microsoft.com/office/powerpoint/2012/main" xmlns:ahyp="http://schemas.microsoft.com/office/drawing/2018/hyperlinkcolor">
+<file path=ppt/slides/slide6.xml><?xml version="1.0" encoding="utf-8"?>
+<p:sld xmlns:a="http://schemas.openxmlformats.org/drawingml/2006/main" xmlns:r="http://schemas.openxmlformats.org/officeDocument/2006/relationships" xmlns:p="http://schemas.openxmlformats.org/presentationml/2006/main">
   <p:cSld>
     <p:spTree>
       <p:nvGrpSpPr>
-        <p:cNvPr id="79" name="Shape 79"/>
+        <p:cNvPr id="1" name="Shape 79"/>
         <p:cNvGrpSpPr/>
         <p:nvPr/>
       </p:nvGrpSpPr>
@@ -7039,7 +8154,9 @@
       <p:sp>
         <p:nvSpPr>
           <p:cNvPr id="80" name="Google Shape;80;p17"/>
-          <p:cNvSpPr txBox="1"/>
+          <p:cNvSpPr txBox="1">
+            <a:spLocks noGrp="1"/>
+          </p:cNvSpPr>
           <p:nvPr>
             <p:ph type="title"/>
           </p:nvPr>
@@ -7054,12 +8171,12 @@
           </a:prstGeom>
         </p:spPr>
         <p:txBody>
-          <a:bodyPr anchorCtr="0" anchor="t" bIns="91425" lIns="91425" spcFirstLastPara="1" rIns="91425" wrap="square" tIns="91425">
+          <a:bodyPr spcFirstLastPara="1" wrap="square" lIns="91425" tIns="91425" rIns="91425" bIns="91425" anchor="t" anchorCtr="0">
             <a:normAutofit fontScale="90000"/>
           </a:bodyPr>
           <a:lstStyle/>
           <a:p>
-            <a:pPr indent="0" lvl="0" marL="0" rtl="0" algn="l">
+            <a:pPr marL="0" lvl="0" indent="0" algn="l" rtl="0">
               <a:spcBef>
                 <a:spcPts val="0"/>
               </a:spcBef>
@@ -7079,9 +8196,11 @@
       <p:sp>
         <p:nvSpPr>
           <p:cNvPr id="81" name="Google Shape;81;p17"/>
-          <p:cNvSpPr txBox="1"/>
+          <p:cNvSpPr txBox="1">
+            <a:spLocks noGrp="1"/>
+          </p:cNvSpPr>
           <p:nvPr>
-            <p:ph idx="1" type="body"/>
+            <p:ph type="body" idx="1"/>
           </p:nvPr>
         </p:nvSpPr>
         <p:spPr>
@@ -7094,12 +8213,12 @@
           </a:prstGeom>
         </p:spPr>
         <p:txBody>
-          <a:bodyPr anchorCtr="0" anchor="t" bIns="91425" lIns="91425" spcFirstLastPara="1" rIns="91425" wrap="square" tIns="91425">
-            <a:normAutofit fontScale="85000" lnSpcReduction="20000"/>
+          <a:bodyPr spcFirstLastPara="1" wrap="square" lIns="91425" tIns="91425" rIns="91425" bIns="91425" anchor="t" anchorCtr="0">
+            <a:normAutofit lnSpcReduction="10000"/>
           </a:bodyPr>
           <a:lstStyle/>
           <a:p>
-            <a:pPr indent="-325755" lvl="0" marL="457200" rtl="0" algn="l">
+            <a:pPr marL="457200" lvl="0" indent="-325755" algn="l" rtl="0">
               <a:spcBef>
                 <a:spcPts val="0"/>
               </a:spcBef>
@@ -7127,7 +8246,7 @@
             </a:endParaRPr>
           </a:p>
           <a:p>
-            <a:pPr indent="-325755" lvl="0" marL="457200" rtl="0" algn="l">
+            <a:pPr marL="457200" lvl="0" indent="-325755" algn="l" rtl="0">
               <a:spcBef>
                 <a:spcPts val="0"/>
               </a:spcBef>
@@ -7155,7 +8274,7 @@
             </a:endParaRPr>
           </a:p>
           <a:p>
-            <a:pPr indent="-304165" lvl="1" marL="914400" rtl="0" algn="l">
+            <a:pPr marL="914400" lvl="1" indent="-304165" algn="l" rtl="0">
               <a:spcBef>
                 <a:spcPts val="0"/>
               </a:spcBef>
@@ -7183,7 +8302,7 @@
             </a:endParaRPr>
           </a:p>
           <a:p>
-            <a:pPr indent="-304165" lvl="1" marL="914400" rtl="0" algn="l">
+            <a:pPr marL="914400" lvl="1" indent="-304165" algn="l" rtl="0">
               <a:spcBef>
                 <a:spcPts val="0"/>
               </a:spcBef>
@@ -7211,7 +8330,7 @@
             </a:endParaRPr>
           </a:p>
           <a:p>
-            <a:pPr indent="-304165" lvl="1" marL="914400" rtl="0" algn="l">
+            <a:pPr marL="914400" lvl="1" indent="-304165" algn="l" rtl="0">
               <a:spcBef>
                 <a:spcPts val="0"/>
               </a:spcBef>
@@ -7230,15 +8349,7 @@
                   <a:schemeClr val="dk1"/>
                 </a:solidFill>
               </a:rPr>
-              <a:t>Contrôleur</a:t>
-            </a:r>
-            <a:r>
-              <a:rPr lang="fr">
-                <a:solidFill>
-                  <a:schemeClr val="dk1"/>
-                </a:solidFill>
-              </a:rPr>
-              <a:t> : Servlets</a:t>
+              <a:t>Contrôleur : Servlets</a:t>
             </a:r>
             <a:endParaRPr>
               <a:solidFill>
@@ -7247,7 +8358,7 @@
             </a:endParaRPr>
           </a:p>
           <a:p>
-            <a:pPr indent="-325755" lvl="0" marL="457200" rtl="0" algn="l">
+            <a:pPr marL="457200" lvl="0" indent="-325755" algn="l" rtl="0">
               <a:spcBef>
                 <a:spcPts val="0"/>
               </a:spcBef>
@@ -7275,7 +8386,7 @@
             </a:endParaRPr>
           </a:p>
           <a:p>
-            <a:pPr indent="-325755" lvl="0" marL="457200" rtl="0" algn="l">
+            <a:pPr marL="457200" lvl="0" indent="-325755" algn="l" rtl="0">
               <a:spcBef>
                 <a:spcPts val="0"/>
               </a:spcBef>
@@ -7303,7 +8414,7 @@
             </a:endParaRPr>
           </a:p>
           <a:p>
-            <a:pPr indent="-325755" lvl="0" marL="457200" rtl="0" algn="l">
+            <a:pPr marL="457200" lvl="0" indent="-325755" algn="l" rtl="0">
               <a:spcBef>
                 <a:spcPts val="0"/>
               </a:spcBef>
@@ -7322,31 +8433,7 @@
                   <a:schemeClr val="dk1"/>
                 </a:solidFill>
               </a:rPr>
-              <a:t>Algorithme</a:t>
-            </a:r>
-            <a:r>
-              <a:rPr lang="fr">
-                <a:solidFill>
-                  <a:schemeClr val="dk1"/>
-                </a:solidFill>
-              </a:rPr>
-              <a:t> de </a:t>
-            </a:r>
-            <a:r>
-              <a:rPr lang="fr">
-                <a:solidFill>
-                  <a:schemeClr val="dk1"/>
-                </a:solidFill>
-              </a:rPr>
-              <a:t>hachage</a:t>
-            </a:r>
-            <a:r>
-              <a:rPr lang="fr">
-                <a:solidFill>
-                  <a:schemeClr val="dk1"/>
-                </a:solidFill>
-              </a:rPr>
-              <a:t> utilisé : SHA 256</a:t>
+              <a:t>Algorithme de hachage utilisé : SHA 256</a:t>
             </a:r>
             <a:endParaRPr>
               <a:solidFill>
@@ -7355,7 +8442,7 @@
             </a:endParaRPr>
           </a:p>
           <a:p>
-            <a:pPr indent="-325755" lvl="0" marL="457200" rtl="0" algn="l">
+            <a:pPr marL="457200" lvl="0" indent="-325755" algn="l" rtl="0">
               <a:spcBef>
                 <a:spcPts val="0"/>
               </a:spcBef>
@@ -7383,7 +8470,7 @@
             </a:endParaRPr>
           </a:p>
           <a:p>
-            <a:pPr indent="0" lvl="0" marL="0" rtl="0" algn="l">
+            <a:pPr marL="0" lvl="0" indent="0" algn="l" rtl="0">
               <a:spcBef>
                 <a:spcPts val="1200"/>
               </a:spcBef>
@@ -7392,9 +8479,6 @@
               </a:spcAft>
               <a:buNone/>
             </a:pPr>
-            <a:r>
-              <a:t/>
-            </a:r>
             <a:endParaRPr>
               <a:solidFill>
                 <a:schemeClr val="dk1"/>
@@ -7402,7 +8486,7 @@
             </a:endParaRPr>
           </a:p>
           <a:p>
-            <a:pPr indent="0" lvl="0" marL="0" rtl="0" algn="l">
+            <a:pPr marL="0" lvl="0" indent="0" algn="l" rtl="0">
               <a:spcBef>
                 <a:spcPts val="1200"/>
               </a:spcBef>
@@ -7411,9 +8495,6 @@
               </a:spcAft>
               <a:buNone/>
             </a:pPr>
-            <a:r>
-              <a:t/>
-            </a:r>
             <a:endParaRPr>
               <a:solidFill>
                 <a:schemeClr val="dk1"/>
@@ -7421,7 +8502,7 @@
             </a:endParaRPr>
           </a:p>
           <a:p>
-            <a:pPr indent="0" lvl="0" marL="457200" rtl="0" algn="l">
+            <a:pPr marL="457200" lvl="0" indent="0" algn="l" rtl="0">
               <a:spcBef>
                 <a:spcPts val="1200"/>
               </a:spcBef>
@@ -7430,9 +8511,6 @@
               </a:spcAft>
               <a:buNone/>
             </a:pPr>
-            <a:r>
-              <a:t/>
-            </a:r>
             <a:endParaRPr>
               <a:solidFill>
                 <a:schemeClr val="dk1"/>
@@ -7449,12 +8527,12 @@
 </p:sld>
 </file>
 
-<file path=ppt/slides/slide6.xml><?xml version="1.0" encoding="utf-8"?>
-<p:sld xmlns:a="http://schemas.openxmlformats.org/drawingml/2006/main" xmlns:r="http://schemas.openxmlformats.org/officeDocument/2006/relationships" xmlns:mc="http://schemas.openxmlformats.org/markup-compatibility/2006" xmlns:mv="urn:schemas-microsoft-com:mac:vml" xmlns:p="http://schemas.openxmlformats.org/presentationml/2006/main" xmlns:c="http://schemas.openxmlformats.org/drawingml/2006/chart" xmlns:dgm="http://schemas.openxmlformats.org/drawingml/2006/diagram" xmlns:o="urn:schemas-microsoft-com:office:office" xmlns:v="urn:schemas-microsoft-com:vml" xmlns:pvml="urn:schemas-microsoft-com:office:powerpoint" xmlns:com="http://schemas.openxmlformats.org/drawingml/2006/compatibility" xmlns:p14="http://schemas.microsoft.com/office/powerpoint/2010/main" xmlns:p15="http://schemas.microsoft.com/office/powerpoint/2012/main" xmlns:ahyp="http://schemas.microsoft.com/office/drawing/2018/hyperlinkcolor">
+<file path=ppt/slides/slide7.xml><?xml version="1.0" encoding="utf-8"?>
+<p:sld xmlns:a="http://schemas.openxmlformats.org/drawingml/2006/main" xmlns:r="http://schemas.openxmlformats.org/officeDocument/2006/relationships" xmlns:p="http://schemas.openxmlformats.org/presentationml/2006/main">
   <p:cSld>
     <p:spTree>
       <p:nvGrpSpPr>
-        <p:cNvPr id="85" name="Shape 85"/>
+        <p:cNvPr id="1" name=""/>
         <p:cNvGrpSpPr/>
         <p:nvPr/>
       </p:nvGrpSpPr>
@@ -7468,521 +8546,588 @@
       </p:grpSpPr>
       <p:sp>
         <p:nvSpPr>
-          <p:cNvPr id="86" name="Google Shape;86;p18"/>
-          <p:cNvSpPr txBox="1"/>
+          <p:cNvPr id="4" name="Titre 3">
+            <a:extLst>
+              <a:ext uri="{FF2B5EF4-FFF2-40B4-BE49-F238E27FC236}">
+                <a16:creationId xmlns:a16="http://schemas.microsoft.com/office/drawing/2014/main" id="{93403B0D-9328-816E-A83F-001BB0B98387}"/>
+              </a:ext>
+            </a:extLst>
+          </p:cNvPr>
+          <p:cNvSpPr>
+            <a:spLocks noGrp="1"/>
+          </p:cNvSpPr>
           <p:nvPr>
             <p:ph type="title"/>
           </p:nvPr>
         </p:nvSpPr>
+        <p:spPr/>
+        <p:txBody>
+          <a:bodyPr/>
+          <a:lstStyle/>
+          <a:p>
+            <a:r>
+              <a:rPr lang="fr-FR" dirty="0"/>
+              <a:t>Modélisation de la BDD </a:t>
+            </a:r>
+          </a:p>
+        </p:txBody>
+      </p:sp>
+    </p:spTree>
+    <p:extLst>
+      <p:ext uri="{BB962C8B-B14F-4D97-AF65-F5344CB8AC3E}">
+        <p14:creationId xmlns:p14="http://schemas.microsoft.com/office/powerpoint/2010/main" val="31109873"/>
+      </p:ext>
+    </p:extLst>
+  </p:cSld>
+  <p:clrMapOvr>
+    <a:masterClrMapping/>
+  </p:clrMapOvr>
+</p:sld>
+</file>
+
+<file path=ppt/slides/slide8.xml><?xml version="1.0" encoding="utf-8"?>
+<p:sld xmlns:a="http://schemas.openxmlformats.org/drawingml/2006/main" xmlns:r="http://schemas.openxmlformats.org/officeDocument/2006/relationships" xmlns:p="http://schemas.openxmlformats.org/presentationml/2006/main">
+  <p:cSld>
+    <p:spTree>
+      <p:nvGrpSpPr>
+        <p:cNvPr id="1" name=""/>
+        <p:cNvGrpSpPr/>
+        <p:nvPr/>
+      </p:nvGrpSpPr>
+      <p:grpSpPr>
+        <a:xfrm>
+          <a:off x="0" y="0"/>
+          <a:ext cx="0" cy="0"/>
+          <a:chOff x="0" y="0"/>
+          <a:chExt cx="0" cy="0"/>
+        </a:xfrm>
+      </p:grpSpPr>
+      <p:sp>
+        <p:nvSpPr>
+          <p:cNvPr id="2" name="Titre 1">
+            <a:extLst>
+              <a:ext uri="{FF2B5EF4-FFF2-40B4-BE49-F238E27FC236}">
+                <a16:creationId xmlns:a16="http://schemas.microsoft.com/office/drawing/2014/main" id="{D74440BE-1C59-6F50-ACE9-39106FB67448}"/>
+              </a:ext>
+            </a:extLst>
+          </p:cNvPr>
+          <p:cNvSpPr>
+            <a:spLocks noGrp="1"/>
+          </p:cNvSpPr>
+          <p:nvPr>
+            <p:ph type="title"/>
+          </p:nvPr>
+        </p:nvSpPr>
+        <p:spPr/>
+        <p:txBody>
+          <a:bodyPr>
+            <a:normAutofit fontScale="90000"/>
+          </a:bodyPr>
+          <a:lstStyle/>
+          <a:p>
+            <a:endParaRPr lang="fr-FR" dirty="0"/>
+          </a:p>
+        </p:txBody>
+      </p:sp>
+      <p:sp>
+        <p:nvSpPr>
+          <p:cNvPr id="3" name="Espace réservé du texte 2">
+            <a:extLst>
+              <a:ext uri="{FF2B5EF4-FFF2-40B4-BE49-F238E27FC236}">
+                <a16:creationId xmlns:a16="http://schemas.microsoft.com/office/drawing/2014/main" id="{EBF006E1-1653-4C78-09E0-DD64EE99C45D}"/>
+              </a:ext>
+            </a:extLst>
+          </p:cNvPr>
+          <p:cNvSpPr>
+            <a:spLocks noGrp="1"/>
+          </p:cNvSpPr>
+          <p:nvPr>
+            <p:ph type="body" idx="1"/>
+          </p:nvPr>
+        </p:nvSpPr>
+        <p:spPr/>
+        <p:txBody>
+          <a:bodyPr/>
+          <a:lstStyle/>
+          <a:p>
+            <a:endParaRPr lang="fr-FR" dirty="0"/>
+          </a:p>
+        </p:txBody>
+      </p:sp>
+      <p:grpSp>
+        <p:nvGrpSpPr>
+          <p:cNvPr id="21" name="Groupe 20">
+            <a:extLst>
+              <a:ext uri="{FF2B5EF4-FFF2-40B4-BE49-F238E27FC236}">
+                <a16:creationId xmlns:a16="http://schemas.microsoft.com/office/drawing/2014/main" id="{34DD3F9A-1B60-647D-EE55-FBBA08F08019}"/>
+              </a:ext>
+            </a:extLst>
+          </p:cNvPr>
+          <p:cNvGrpSpPr/>
+          <p:nvPr/>
+        </p:nvGrpSpPr>
+        <p:grpSpPr>
+          <a:xfrm>
+            <a:off x="1501560" y="574625"/>
+            <a:ext cx="6283149" cy="4280950"/>
+            <a:chOff x="1539660" y="431275"/>
+            <a:chExt cx="6283149" cy="4280950"/>
+          </a:xfrm>
+        </p:grpSpPr>
+        <p:pic>
+          <p:nvPicPr>
+            <p:cNvPr id="7" name="Image 6">
+              <a:extLst>
+                <a:ext uri="{FF2B5EF4-FFF2-40B4-BE49-F238E27FC236}">
+                  <a16:creationId xmlns:a16="http://schemas.microsoft.com/office/drawing/2014/main" id="{83641BFD-3807-6D2D-7D9B-97F7FF59A3CD}"/>
+                </a:ext>
+              </a:extLst>
+            </p:cNvPr>
+            <p:cNvPicPr>
+              <a:picLocks noChangeAspect="1"/>
+            </p:cNvPicPr>
+            <p:nvPr/>
+          </p:nvPicPr>
+          <p:blipFill>
+            <a:blip r:embed="rId2"/>
+            <a:stretch>
+              <a:fillRect/>
+            </a:stretch>
+          </p:blipFill>
+          <p:spPr>
+            <a:xfrm>
+              <a:off x="1539660" y="431275"/>
+              <a:ext cx="6283149" cy="4267200"/>
+            </a:xfrm>
+            <a:prstGeom prst="rect">
+              <a:avLst/>
+            </a:prstGeom>
+          </p:spPr>
+        </p:pic>
+        <p:sp>
+          <p:nvSpPr>
+            <p:cNvPr id="8" name="Rectangle 7">
+              <a:extLst>
+                <a:ext uri="{FF2B5EF4-FFF2-40B4-BE49-F238E27FC236}">
+                  <a16:creationId xmlns:a16="http://schemas.microsoft.com/office/drawing/2014/main" id="{E8BC0A6F-5444-989D-A35D-BAFD6FC86B79}"/>
+                </a:ext>
+              </a:extLst>
+            </p:cNvPr>
+            <p:cNvSpPr/>
+            <p:nvPr/>
+          </p:nvSpPr>
+          <p:spPr>
+            <a:xfrm>
+              <a:off x="4693920" y="2625230"/>
+              <a:ext cx="3128889" cy="2086995"/>
+            </a:xfrm>
+            <a:prstGeom prst="rect">
+              <a:avLst/>
+            </a:prstGeom>
+            <a:solidFill>
+              <a:schemeClr val="bg1"/>
+            </a:solidFill>
+            <a:ln>
+              <a:noFill/>
+            </a:ln>
+          </p:spPr>
+          <p:style>
+            <a:lnRef idx="2">
+              <a:schemeClr val="accent1">
+                <a:shade val="50000"/>
+              </a:schemeClr>
+            </a:lnRef>
+            <a:fillRef idx="1">
+              <a:schemeClr val="accent1"/>
+            </a:fillRef>
+            <a:effectRef idx="0">
+              <a:schemeClr val="accent1"/>
+            </a:effectRef>
+            <a:fontRef idx="minor">
+              <a:schemeClr val="lt1"/>
+            </a:fontRef>
+          </p:style>
+          <p:txBody>
+            <a:bodyPr rtlCol="0" anchor="ctr"/>
+            <a:lstStyle/>
+            <a:p>
+              <a:pPr algn="ctr"/>
+              <a:endParaRPr lang="fr-FR">
+                <a:solidFill>
+                  <a:schemeClr val="bg1"/>
+                </a:solidFill>
+              </a:endParaRPr>
+            </a:p>
+          </p:txBody>
+        </p:sp>
+        <p:cxnSp>
+          <p:nvCxnSpPr>
+            <p:cNvPr id="10" name="Connecteur droit 9">
+              <a:extLst>
+                <a:ext uri="{FF2B5EF4-FFF2-40B4-BE49-F238E27FC236}">
+                  <a16:creationId xmlns:a16="http://schemas.microsoft.com/office/drawing/2014/main" id="{1586BC9A-AEF6-139B-6DCA-4FEF55B3F505}"/>
+                </a:ext>
+              </a:extLst>
+            </p:cNvPr>
+            <p:cNvCxnSpPr>
+              <a:cxnSpLocks/>
+            </p:cNvCxnSpPr>
+            <p:nvPr/>
+          </p:nvCxnSpPr>
+          <p:spPr>
+            <a:xfrm>
+              <a:off x="5227320" y="2625230"/>
+              <a:ext cx="0" cy="1149051"/>
+            </a:xfrm>
+            <a:prstGeom prst="line">
+              <a:avLst/>
+            </a:prstGeom>
+            <a:ln>
+              <a:prstDash val="lgDash"/>
+            </a:ln>
+          </p:spPr>
+          <p:style>
+            <a:lnRef idx="1">
+              <a:schemeClr val="dk1"/>
+            </a:lnRef>
+            <a:fillRef idx="0">
+              <a:schemeClr val="dk1"/>
+            </a:fillRef>
+            <a:effectRef idx="0">
+              <a:schemeClr val="dk1"/>
+            </a:effectRef>
+            <a:fontRef idx="minor">
+              <a:schemeClr val="tx1"/>
+            </a:fontRef>
+          </p:style>
+        </p:cxnSp>
+        <p:cxnSp>
+          <p:nvCxnSpPr>
+            <p:cNvPr id="11" name="Connecteur droit 10">
+              <a:extLst>
+                <a:ext uri="{FF2B5EF4-FFF2-40B4-BE49-F238E27FC236}">
+                  <a16:creationId xmlns:a16="http://schemas.microsoft.com/office/drawing/2014/main" id="{523460A3-3253-6B66-A672-48F4C8608CE1}"/>
+                </a:ext>
+              </a:extLst>
+            </p:cNvPr>
+            <p:cNvCxnSpPr>
+              <a:cxnSpLocks/>
+            </p:cNvCxnSpPr>
+            <p:nvPr/>
+          </p:nvCxnSpPr>
+          <p:spPr>
+            <a:xfrm flipH="1">
+              <a:off x="4693920" y="3774281"/>
+              <a:ext cx="533399" cy="0"/>
+            </a:xfrm>
+            <a:prstGeom prst="line">
+              <a:avLst/>
+            </a:prstGeom>
+            <a:ln>
+              <a:prstDash val="lgDash"/>
+            </a:ln>
+          </p:spPr>
+          <p:style>
+            <a:lnRef idx="1">
+              <a:schemeClr val="dk1"/>
+            </a:lnRef>
+            <a:fillRef idx="0">
+              <a:schemeClr val="dk1"/>
+            </a:fillRef>
+            <a:effectRef idx="0">
+              <a:schemeClr val="dk1"/>
+            </a:effectRef>
+            <a:fontRef idx="minor">
+              <a:schemeClr val="tx1"/>
+            </a:fontRef>
+          </p:style>
+        </p:cxnSp>
+        <p:sp>
+          <p:nvSpPr>
+            <p:cNvPr id="16" name="ZoneTexte 15">
+              <a:extLst>
+                <a:ext uri="{FF2B5EF4-FFF2-40B4-BE49-F238E27FC236}">
+                  <a16:creationId xmlns:a16="http://schemas.microsoft.com/office/drawing/2014/main" id="{DAD977AE-45EF-ED5E-B753-D549B85865E0}"/>
+                </a:ext>
+              </a:extLst>
+            </p:cNvPr>
+            <p:cNvSpPr txBox="1"/>
+            <p:nvPr/>
+          </p:nvSpPr>
+          <p:spPr>
+            <a:xfrm>
+              <a:off x="5726430" y="3952924"/>
+              <a:ext cx="1699260" cy="307777"/>
+            </a:xfrm>
+            <a:prstGeom prst="rect">
+              <a:avLst/>
+            </a:prstGeom>
+            <a:noFill/>
+            <a:ln>
+              <a:solidFill>
+                <a:schemeClr val="tx1"/>
+              </a:solidFill>
+            </a:ln>
+          </p:spPr>
+          <p:txBody>
+            <a:bodyPr wrap="square" rtlCol="0">
+              <a:spAutoFit/>
+            </a:bodyPr>
+            <a:lstStyle/>
+            <a:p>
+              <a:pPr algn="ctr"/>
+              <a:r>
+                <a:rPr lang="fr-FR" dirty="0"/>
+                <a:t>Work In Progress</a:t>
+              </a:r>
+            </a:p>
+          </p:txBody>
+        </p:sp>
+        <p:cxnSp>
+          <p:nvCxnSpPr>
+            <p:cNvPr id="17" name="Connecteur droit 16">
+              <a:extLst>
+                <a:ext uri="{FF2B5EF4-FFF2-40B4-BE49-F238E27FC236}">
+                  <a16:creationId xmlns:a16="http://schemas.microsoft.com/office/drawing/2014/main" id="{DD050C87-E8E4-D266-1D67-057D3B5C8CE1}"/>
+                </a:ext>
+              </a:extLst>
+            </p:cNvPr>
+            <p:cNvCxnSpPr>
+              <a:cxnSpLocks/>
+              <a:stCxn id="16" idx="1"/>
+            </p:cNvCxnSpPr>
+            <p:nvPr/>
+          </p:nvCxnSpPr>
+          <p:spPr>
+            <a:xfrm flipH="1">
+              <a:off x="4693920" y="4106813"/>
+              <a:ext cx="1032510" cy="0"/>
+            </a:xfrm>
+            <a:prstGeom prst="line">
+              <a:avLst/>
+            </a:prstGeom>
+            <a:ln>
+              <a:prstDash val="lgDash"/>
+            </a:ln>
+          </p:spPr>
+          <p:style>
+            <a:lnRef idx="1">
+              <a:schemeClr val="dk1"/>
+            </a:lnRef>
+            <a:fillRef idx="0">
+              <a:schemeClr val="dk1"/>
+            </a:fillRef>
+            <a:effectRef idx="0">
+              <a:schemeClr val="dk1"/>
+            </a:effectRef>
+            <a:fontRef idx="minor">
+              <a:schemeClr val="tx1"/>
+            </a:fontRef>
+          </p:style>
+        </p:cxnSp>
+      </p:grpSp>
+      <p:cxnSp>
+        <p:nvCxnSpPr>
+          <p:cNvPr id="22" name="Connecteur droit 21">
+            <a:extLst>
+              <a:ext uri="{FF2B5EF4-FFF2-40B4-BE49-F238E27FC236}">
+                <a16:creationId xmlns:a16="http://schemas.microsoft.com/office/drawing/2014/main" id="{457C3EF9-01A3-AB19-F4E6-D424C0CC72B7}"/>
+              </a:ext>
+            </a:extLst>
+          </p:cNvPr>
+          <p:cNvCxnSpPr>
+            <a:cxnSpLocks/>
+            <a:stCxn id="8" idx="2"/>
+          </p:cNvCxnSpPr>
+          <p:nvPr/>
+        </p:nvCxnSpPr>
+        <p:spPr>
+          <a:xfrm flipH="1" flipV="1">
+            <a:off x="4139565" y="4841825"/>
+            <a:ext cx="2080700" cy="13750"/>
+          </a:xfrm>
+          <a:prstGeom prst="line">
+            <a:avLst/>
+          </a:prstGeom>
+          <a:ln>
+            <a:prstDash val="lgDash"/>
+          </a:ln>
+        </p:spPr>
+        <p:style>
+          <a:lnRef idx="1">
+            <a:schemeClr val="dk1"/>
+          </a:lnRef>
+          <a:fillRef idx="0">
+            <a:schemeClr val="dk1"/>
+          </a:fillRef>
+          <a:effectRef idx="0">
+            <a:schemeClr val="dk1"/>
+          </a:effectRef>
+          <a:fontRef idx="minor">
+            <a:schemeClr val="tx1"/>
+          </a:fontRef>
+        </p:style>
+      </p:cxnSp>
+      <p:cxnSp>
+        <p:nvCxnSpPr>
+          <p:cNvPr id="24" name="Connecteur droit 23">
+            <a:extLst>
+              <a:ext uri="{FF2B5EF4-FFF2-40B4-BE49-F238E27FC236}">
+                <a16:creationId xmlns:a16="http://schemas.microsoft.com/office/drawing/2014/main" id="{04843A85-15C3-7A80-B07F-3B363BDB1498}"/>
+              </a:ext>
+            </a:extLst>
+          </p:cNvPr>
+          <p:cNvCxnSpPr>
+            <a:cxnSpLocks/>
+            <a:stCxn id="8" idx="2"/>
+          </p:cNvCxnSpPr>
+          <p:nvPr/>
+        </p:nvCxnSpPr>
+        <p:spPr>
+          <a:xfrm flipV="1">
+            <a:off x="6220265" y="4404051"/>
+            <a:ext cx="0" cy="451524"/>
+          </a:xfrm>
+          <a:prstGeom prst="line">
+            <a:avLst/>
+          </a:prstGeom>
+          <a:ln>
+            <a:prstDash val="lgDash"/>
+          </a:ln>
+        </p:spPr>
+        <p:style>
+          <a:lnRef idx="1">
+            <a:schemeClr val="dk1"/>
+          </a:lnRef>
+          <a:fillRef idx="0">
+            <a:schemeClr val="dk1"/>
+          </a:fillRef>
+          <a:effectRef idx="0">
+            <a:schemeClr val="dk1"/>
+          </a:effectRef>
+          <a:fontRef idx="minor">
+            <a:schemeClr val="tx1"/>
+          </a:fontRef>
+        </p:style>
+      </p:cxnSp>
+    </p:spTree>
+    <p:extLst>
+      <p:ext uri="{BB962C8B-B14F-4D97-AF65-F5344CB8AC3E}">
+        <p14:creationId xmlns:p14="http://schemas.microsoft.com/office/powerpoint/2010/main" val="3432975617"/>
+      </p:ext>
+    </p:extLst>
+  </p:cSld>
+  <p:clrMapOvr>
+    <a:masterClrMapping/>
+  </p:clrMapOvr>
+</p:sld>
+</file>
+
+<file path=ppt/slides/slide9.xml><?xml version="1.0" encoding="utf-8"?>
+<p:sld xmlns:a="http://schemas.openxmlformats.org/drawingml/2006/main" xmlns:r="http://schemas.openxmlformats.org/officeDocument/2006/relationships" xmlns:p="http://schemas.openxmlformats.org/presentationml/2006/main">
+  <p:cSld>
+    <p:spTree>
+      <p:nvGrpSpPr>
+        <p:cNvPr id="1" name=""/>
+        <p:cNvGrpSpPr/>
+        <p:nvPr/>
+      </p:nvGrpSpPr>
+      <p:grpSpPr>
+        <a:xfrm>
+          <a:off x="0" y="0"/>
+          <a:ext cx="0" cy="0"/>
+          <a:chOff x="0" y="0"/>
+          <a:chExt cx="0" cy="0"/>
+        </a:xfrm>
+      </p:grpSpPr>
+      <p:sp>
+        <p:nvSpPr>
+          <p:cNvPr id="2" name="Titre 1">
+            <a:extLst>
+              <a:ext uri="{FF2B5EF4-FFF2-40B4-BE49-F238E27FC236}">
+                <a16:creationId xmlns:a16="http://schemas.microsoft.com/office/drawing/2014/main" id="{14F19A8B-E90D-B97B-DE2E-ACE9FE91499C}"/>
+              </a:ext>
+            </a:extLst>
+          </p:cNvPr>
+          <p:cNvSpPr>
+            <a:spLocks noGrp="1"/>
+          </p:cNvSpPr>
+          <p:nvPr>
+            <p:ph type="title"/>
+          </p:nvPr>
+        </p:nvSpPr>
+        <p:spPr/>
+        <p:txBody>
+          <a:bodyPr>
+            <a:normAutofit fontScale="90000"/>
+          </a:bodyPr>
+          <a:lstStyle/>
+          <a:p>
+            <a:endParaRPr lang="fr-FR"/>
+          </a:p>
+        </p:txBody>
+      </p:sp>
+      <p:sp>
+        <p:nvSpPr>
+          <p:cNvPr id="3" name="Espace réservé du texte 2">
+            <a:extLst>
+              <a:ext uri="{FF2B5EF4-FFF2-40B4-BE49-F238E27FC236}">
+                <a16:creationId xmlns:a16="http://schemas.microsoft.com/office/drawing/2014/main" id="{2089DB3A-A345-7AEE-8781-3A3030F6BFB3}"/>
+              </a:ext>
+            </a:extLst>
+          </p:cNvPr>
+          <p:cNvSpPr>
+            <a:spLocks noGrp="1"/>
+          </p:cNvSpPr>
+          <p:nvPr>
+            <p:ph type="body" idx="1"/>
+          </p:nvPr>
+        </p:nvSpPr>
+        <p:spPr/>
+        <p:txBody>
+          <a:bodyPr/>
+          <a:lstStyle/>
+          <a:p>
+            <a:endParaRPr lang="fr-FR"/>
+          </a:p>
+        </p:txBody>
+      </p:sp>
+      <p:pic>
+        <p:nvPicPr>
+          <p:cNvPr id="5" name="Image 4">
+            <a:extLst>
+              <a:ext uri="{FF2B5EF4-FFF2-40B4-BE49-F238E27FC236}">
+                <a16:creationId xmlns:a16="http://schemas.microsoft.com/office/drawing/2014/main" id="{252E36D7-83A8-A3F8-247C-B091D1F06A8D}"/>
+              </a:ext>
+            </a:extLst>
+          </p:cNvPr>
+          <p:cNvPicPr>
+            <a:picLocks noChangeAspect="1"/>
+          </p:cNvPicPr>
+          <p:nvPr/>
+        </p:nvPicPr>
+        <p:blipFill>
+          <a:blip r:embed="rId2"/>
+          <a:stretch>
+            <a:fillRect/>
+          </a:stretch>
+        </p:blipFill>
         <p:spPr>
           <a:xfrm>
-            <a:off x="311700" y="445025"/>
-            <a:ext cx="8520600" cy="572700"/>
+            <a:off x="1350497" y="1569720"/>
+            <a:ext cx="6443006" cy="2936158"/>
           </a:xfrm>
           <a:prstGeom prst="rect">
             <a:avLst/>
           </a:prstGeom>
         </p:spPr>
-        <p:txBody>
-          <a:bodyPr anchorCtr="0" anchor="t" bIns="91425" lIns="91425" spcFirstLastPara="1" rIns="91425" wrap="square" tIns="91425">
-            <a:normAutofit fontScale="90000"/>
-          </a:bodyPr>
-          <a:lstStyle/>
-          <a:p>
-            <a:pPr indent="0" lvl="0" marL="0" rtl="0" algn="l">
-              <a:spcBef>
-                <a:spcPts val="0"/>
-              </a:spcBef>
-              <a:spcAft>
-                <a:spcPts val="0"/>
-              </a:spcAft>
-              <a:buNone/>
-            </a:pPr>
-            <a:r>
-              <a:rPr lang="fr"/>
-              <a:t>Les évolutions possibles (roadmap)</a:t>
-            </a:r>
-            <a:endParaRPr/>
-          </a:p>
-        </p:txBody>
-      </p:sp>
-      <p:sp>
-        <p:nvSpPr>
-          <p:cNvPr id="87" name="Google Shape;87;p18"/>
-          <p:cNvSpPr txBox="1"/>
-          <p:nvPr>
-            <p:ph idx="1" type="body"/>
-          </p:nvPr>
-        </p:nvSpPr>
-        <p:spPr>
-          <a:xfrm>
-            <a:off x="311700" y="1152475"/>
-            <a:ext cx="8520600" cy="3416400"/>
-          </a:xfrm>
-          <a:prstGeom prst="rect">
-            <a:avLst/>
-          </a:prstGeom>
-        </p:spPr>
-        <p:txBody>
-          <a:bodyPr anchorCtr="0" anchor="t" bIns="91425" lIns="91425" spcFirstLastPara="1" rIns="91425" wrap="square" tIns="91425">
-            <a:normAutofit fontScale="70000" lnSpcReduction="10000"/>
-          </a:bodyPr>
-          <a:lstStyle/>
-          <a:p>
-            <a:pPr indent="-308610" lvl="0" marL="457200" rtl="0" algn="l">
-              <a:spcBef>
-                <a:spcPts val="0"/>
-              </a:spcBef>
-              <a:spcAft>
-                <a:spcPts val="0"/>
-              </a:spcAft>
-              <a:buClr>
-                <a:schemeClr val="dk1"/>
-              </a:buClr>
-              <a:buSzPct val="100000"/>
-              <a:buChar char="●"/>
-            </a:pPr>
-            <a:r>
-              <a:rPr lang="fr">
-                <a:solidFill>
-                  <a:schemeClr val="dk1"/>
-                </a:solidFill>
-              </a:rPr>
-              <a:t>La saisie des immobilisations et financements</a:t>
-            </a:r>
-            <a:endParaRPr>
-              <a:solidFill>
-                <a:schemeClr val="dk1"/>
-              </a:solidFill>
-            </a:endParaRPr>
-          </a:p>
-          <a:p>
-            <a:pPr indent="-308610" lvl="0" marL="457200" rtl="0" algn="l">
-              <a:spcBef>
-                <a:spcPts val="0"/>
-              </a:spcBef>
-              <a:spcAft>
-                <a:spcPts val="0"/>
-              </a:spcAft>
-              <a:buClr>
-                <a:schemeClr val="dk1"/>
-              </a:buClr>
-              <a:buSzPct val="100000"/>
-              <a:buChar char="●"/>
-            </a:pPr>
-            <a:r>
-              <a:rPr lang="fr">
-                <a:solidFill>
-                  <a:schemeClr val="dk1"/>
-                </a:solidFill>
-              </a:rPr>
-              <a:t>La possibilité de personnaliser son plan comptable</a:t>
-            </a:r>
-            <a:endParaRPr>
-              <a:solidFill>
-                <a:schemeClr val="dk1"/>
-              </a:solidFill>
-            </a:endParaRPr>
-          </a:p>
-          <a:p>
-            <a:pPr indent="-308610" lvl="0" marL="457200" rtl="0" algn="l">
-              <a:spcBef>
-                <a:spcPts val="0"/>
-              </a:spcBef>
-              <a:spcAft>
-                <a:spcPts val="0"/>
-              </a:spcAft>
-              <a:buClr>
-                <a:schemeClr val="dk1"/>
-              </a:buClr>
-              <a:buSzPct val="100000"/>
-              <a:buChar char="●"/>
-            </a:pPr>
-            <a:r>
-              <a:rPr lang="fr">
-                <a:solidFill>
-                  <a:schemeClr val="dk1"/>
-                </a:solidFill>
-              </a:rPr>
-              <a:t>Le passage automatique d’écritures d’inventaire</a:t>
-            </a:r>
-            <a:endParaRPr>
-              <a:solidFill>
-                <a:schemeClr val="dk1"/>
-              </a:solidFill>
-            </a:endParaRPr>
-          </a:p>
-          <a:p>
-            <a:pPr indent="-308610" lvl="0" marL="457200" rtl="0" algn="l">
-              <a:spcBef>
-                <a:spcPts val="0"/>
-              </a:spcBef>
-              <a:spcAft>
-                <a:spcPts val="0"/>
-              </a:spcAft>
-              <a:buClr>
-                <a:schemeClr val="dk1"/>
-              </a:buClr>
-              <a:buSzPct val="100000"/>
-              <a:buChar char="●"/>
-            </a:pPr>
-            <a:r>
-              <a:rPr lang="fr">
-                <a:solidFill>
-                  <a:schemeClr val="dk1"/>
-                </a:solidFill>
-              </a:rPr>
-              <a:t>La génération de tableaux d’amortissements </a:t>
-            </a:r>
-            <a:endParaRPr>
-              <a:solidFill>
-                <a:schemeClr val="dk1"/>
-              </a:solidFill>
-            </a:endParaRPr>
-          </a:p>
-          <a:p>
-            <a:pPr indent="-308610" lvl="0" marL="457200" rtl="0" algn="l">
-              <a:spcBef>
-                <a:spcPts val="0"/>
-              </a:spcBef>
-              <a:spcAft>
-                <a:spcPts val="0"/>
-              </a:spcAft>
-              <a:buClr>
-                <a:schemeClr val="dk1"/>
-              </a:buClr>
-              <a:buSzPct val="100000"/>
-              <a:buChar char="●"/>
-            </a:pPr>
-            <a:r>
-              <a:rPr lang="fr">
-                <a:solidFill>
-                  <a:schemeClr val="dk1"/>
-                </a:solidFill>
-              </a:rPr>
-              <a:t>La gestion des utilisateurs et des habilitations</a:t>
-            </a:r>
-            <a:endParaRPr>
-              <a:solidFill>
-                <a:schemeClr val="dk1"/>
-              </a:solidFill>
-            </a:endParaRPr>
-          </a:p>
-          <a:p>
-            <a:pPr indent="-308610" lvl="0" marL="457200" rtl="0" algn="l">
-              <a:spcBef>
-                <a:spcPts val="0"/>
-              </a:spcBef>
-              <a:spcAft>
-                <a:spcPts val="0"/>
-              </a:spcAft>
-              <a:buClr>
-                <a:schemeClr val="dk1"/>
-              </a:buClr>
-              <a:buSzPct val="100000"/>
-              <a:buChar char="●"/>
-            </a:pPr>
-            <a:r>
-              <a:rPr lang="fr">
-                <a:solidFill>
-                  <a:schemeClr val="dk1"/>
-                </a:solidFill>
-              </a:rPr>
-              <a:t>La gestion de la comptabilité analytique et des fonctionnalités avancées concernant les ventes/stocks</a:t>
-            </a:r>
-            <a:endParaRPr>
-              <a:solidFill>
-                <a:schemeClr val="dk1"/>
-              </a:solidFill>
-            </a:endParaRPr>
-          </a:p>
-          <a:p>
-            <a:pPr indent="-308610" lvl="0" marL="457200" rtl="0" algn="l">
-              <a:spcBef>
-                <a:spcPts val="0"/>
-              </a:spcBef>
-              <a:spcAft>
-                <a:spcPts val="0"/>
-              </a:spcAft>
-              <a:buClr>
-                <a:schemeClr val="dk1"/>
-              </a:buClr>
-              <a:buSzPct val="100000"/>
-              <a:buChar char="●"/>
-            </a:pPr>
-            <a:r>
-              <a:rPr lang="fr">
-                <a:solidFill>
-                  <a:schemeClr val="dk1"/>
-                </a:solidFill>
-              </a:rPr>
-              <a:t>L’édition de bilan </a:t>
-            </a:r>
-            <a:endParaRPr>
-              <a:solidFill>
-                <a:schemeClr val="dk1"/>
-              </a:solidFill>
-            </a:endParaRPr>
-          </a:p>
-          <a:p>
-            <a:pPr indent="-308610" lvl="0" marL="457200" rtl="0" algn="l">
-              <a:spcBef>
-                <a:spcPts val="0"/>
-              </a:spcBef>
-              <a:spcAft>
-                <a:spcPts val="0"/>
-              </a:spcAft>
-              <a:buClr>
-                <a:schemeClr val="dk1"/>
-              </a:buClr>
-              <a:buSzPct val="100000"/>
-              <a:buChar char="●"/>
-            </a:pPr>
-            <a:r>
-              <a:rPr lang="fr">
-                <a:solidFill>
-                  <a:schemeClr val="dk1"/>
-                </a:solidFill>
-              </a:rPr>
-              <a:t>UX/UI et raccourci clavier</a:t>
-            </a:r>
-            <a:endParaRPr>
-              <a:solidFill>
-                <a:schemeClr val="dk1"/>
-              </a:solidFill>
-            </a:endParaRPr>
-          </a:p>
-          <a:p>
-            <a:pPr indent="-308610" lvl="0" marL="457200" rtl="0" algn="l">
-              <a:spcBef>
-                <a:spcPts val="0"/>
-              </a:spcBef>
-              <a:spcAft>
-                <a:spcPts val="0"/>
-              </a:spcAft>
-              <a:buClr>
-                <a:schemeClr val="dk1"/>
-              </a:buClr>
-              <a:buSzPct val="100000"/>
-              <a:buChar char="●"/>
-            </a:pPr>
-            <a:r>
-              <a:rPr lang="fr">
-                <a:solidFill>
-                  <a:schemeClr val="dk1"/>
-                </a:solidFill>
-              </a:rPr>
-              <a:t>La gestion de la déclaration de TVA</a:t>
-            </a:r>
-            <a:endParaRPr>
-              <a:solidFill>
-                <a:schemeClr val="dk1"/>
-              </a:solidFill>
-            </a:endParaRPr>
-          </a:p>
-          <a:p>
-            <a:pPr indent="-308610" lvl="0" marL="457200" rtl="0" algn="l">
-              <a:spcBef>
-                <a:spcPts val="0"/>
-              </a:spcBef>
-              <a:spcAft>
-                <a:spcPts val="0"/>
-              </a:spcAft>
-              <a:buClr>
-                <a:schemeClr val="dk1"/>
-              </a:buClr>
-              <a:buSzPct val="100000"/>
-              <a:buChar char="●"/>
-            </a:pPr>
-            <a:r>
-              <a:rPr lang="fr">
-                <a:solidFill>
-                  <a:schemeClr val="dk1"/>
-                </a:solidFill>
-              </a:rPr>
-              <a:t>Automatisation du rapprochement bancaire (EBICS) et lettrage</a:t>
-            </a:r>
-            <a:endParaRPr>
-              <a:solidFill>
-                <a:schemeClr val="dk1"/>
-              </a:solidFill>
-            </a:endParaRPr>
-          </a:p>
-          <a:p>
-            <a:pPr indent="-308610" lvl="0" marL="457200" rtl="0" algn="l">
-              <a:spcBef>
-                <a:spcPts val="0"/>
-              </a:spcBef>
-              <a:spcAft>
-                <a:spcPts val="0"/>
-              </a:spcAft>
-              <a:buClr>
-                <a:schemeClr val="dk1"/>
-              </a:buClr>
-              <a:buSzPct val="100000"/>
-              <a:buChar char="●"/>
-            </a:pPr>
-            <a:r>
-              <a:rPr lang="fr">
-                <a:solidFill>
-                  <a:schemeClr val="dk1"/>
-                </a:solidFill>
-              </a:rPr>
-              <a:t>L’import d’écriture comptable issue d’OCR avancée sur le marché (DEXT…) ou de facture électronique (jefacture.com…)</a:t>
-            </a:r>
-            <a:endParaRPr>
-              <a:solidFill>
-                <a:schemeClr val="dk1"/>
-              </a:solidFill>
-            </a:endParaRPr>
-          </a:p>
-          <a:p>
-            <a:pPr indent="-308610" lvl="0" marL="457200" rtl="0" algn="l">
-              <a:spcBef>
-                <a:spcPts val="0"/>
-              </a:spcBef>
-              <a:spcAft>
-                <a:spcPts val="0"/>
-              </a:spcAft>
-              <a:buClr>
-                <a:schemeClr val="dk1"/>
-              </a:buClr>
-              <a:buSzPct val="100000"/>
-              <a:buChar char="●"/>
-            </a:pPr>
-            <a:r>
-              <a:rPr lang="fr">
-                <a:solidFill>
-                  <a:schemeClr val="dk1"/>
-                </a:solidFill>
-              </a:rPr>
-              <a:t>La gestion de </a:t>
-            </a:r>
-            <a:r>
-              <a:rPr lang="fr">
-                <a:solidFill>
-                  <a:schemeClr val="dk1"/>
-                </a:solidFill>
-              </a:rPr>
-              <a:t>l'impôts</a:t>
-            </a:r>
-            <a:r>
-              <a:rPr lang="fr">
-                <a:solidFill>
-                  <a:schemeClr val="dk1"/>
-                </a:solidFill>
-              </a:rPr>
-              <a:t> sur les bénéfices (IS/BA/BNC/BIC)</a:t>
-            </a:r>
-            <a:endParaRPr>
-              <a:solidFill>
-                <a:schemeClr val="dk1"/>
-              </a:solidFill>
-            </a:endParaRPr>
-          </a:p>
-          <a:p>
-            <a:pPr indent="-308610" lvl="0" marL="457200" rtl="0" algn="l">
-              <a:spcBef>
-                <a:spcPts val="0"/>
-              </a:spcBef>
-              <a:spcAft>
-                <a:spcPts val="0"/>
-              </a:spcAft>
-              <a:buClr>
-                <a:schemeClr val="dk1"/>
-              </a:buClr>
-              <a:buSzPct val="100000"/>
-              <a:buChar char="●"/>
-            </a:pPr>
-            <a:r>
-              <a:rPr lang="fr">
-                <a:solidFill>
-                  <a:schemeClr val="dk1"/>
-                </a:solidFill>
-              </a:rPr>
-              <a:t>Réécriture</a:t>
-            </a:r>
-            <a:r>
-              <a:rPr lang="fr">
-                <a:solidFill>
-                  <a:schemeClr val="dk1"/>
-                </a:solidFill>
-              </a:rPr>
-              <a:t> de l’appli en C# .NET pour en faire une desktop app</a:t>
-            </a:r>
-            <a:endParaRPr>
-              <a:solidFill>
-                <a:schemeClr val="dk1"/>
-              </a:solidFill>
-            </a:endParaRPr>
-          </a:p>
-          <a:p>
-            <a:pPr indent="-308610" lvl="0" marL="457200" rtl="0" algn="l">
-              <a:spcBef>
-                <a:spcPts val="0"/>
-              </a:spcBef>
-              <a:spcAft>
-                <a:spcPts val="0"/>
-              </a:spcAft>
-              <a:buClr>
-                <a:schemeClr val="dk1"/>
-              </a:buClr>
-              <a:buSzPct val="100000"/>
-              <a:buChar char="●"/>
-            </a:pPr>
-            <a:r>
-              <a:rPr lang="fr">
-                <a:solidFill>
-                  <a:schemeClr val="dk1"/>
-                </a:solidFill>
-              </a:rPr>
-              <a:t>Utilisation d’une DAOFactory et stockage sous plusieurs </a:t>
-            </a:r>
-            <a:r>
-              <a:rPr lang="fr">
-                <a:solidFill>
-                  <a:schemeClr val="dk1"/>
-                </a:solidFill>
-              </a:rPr>
-              <a:t>formats et stockage GED.</a:t>
-            </a:r>
-            <a:endParaRPr>
-              <a:solidFill>
-                <a:schemeClr val="dk1"/>
-              </a:solidFill>
-            </a:endParaRPr>
-          </a:p>
-          <a:p>
-            <a:pPr indent="-308610" lvl="0" marL="457200" rtl="0" algn="l">
-              <a:spcBef>
-                <a:spcPts val="0"/>
-              </a:spcBef>
-              <a:spcAft>
-                <a:spcPts val="0"/>
-              </a:spcAft>
-              <a:buClr>
-                <a:schemeClr val="dk1"/>
-              </a:buClr>
-              <a:buSzPct val="100000"/>
-              <a:buChar char="●"/>
-            </a:pPr>
-            <a:r>
-              <a:rPr lang="fr">
-                <a:solidFill>
-                  <a:schemeClr val="dk1"/>
-                </a:solidFill>
-              </a:rPr>
-              <a:t>Développement de la BDD pour stocker des timestamps afin de tracer les productions comptables</a:t>
-            </a:r>
-            <a:endParaRPr>
-              <a:solidFill>
-                <a:schemeClr val="dk1"/>
-              </a:solidFill>
-            </a:endParaRPr>
-          </a:p>
-        </p:txBody>
-      </p:sp>
+      </p:pic>
     </p:spTree>
+    <p:extLst>
+      <p:ext uri="{BB962C8B-B14F-4D97-AF65-F5344CB8AC3E}">
+        <p14:creationId xmlns:p14="http://schemas.microsoft.com/office/powerpoint/2010/main" val="2029293563"/>
+      </p:ext>
+    </p:extLst>
   </p:cSld>
   <p:clrMapOvr>
     <a:masterClrMapping/>
@@ -7991,7 +9136,7 @@
 </file>
 
 <file path=ppt/theme/theme1.xml><?xml version="1.0" encoding="utf-8"?>
-<a:theme xmlns:a="http://schemas.openxmlformats.org/drawingml/2006/main" xmlns:r="http://schemas.openxmlformats.org/officeDocument/2006/relationships" name="Simple Light">
+<a:theme xmlns:a="http://schemas.openxmlformats.org/drawingml/2006/main" name="Simple Light">
   <a:themeElements>
     <a:clrScheme name="Simple Light">
       <a:dk1>
@@ -8266,11 +9411,13 @@
       </a:bgFillStyleLst>
     </a:fmtScheme>
   </a:themeElements>
+  <a:objectDefaults/>
+  <a:extraClrSchemeLst/>
 </a:theme>
 </file>
 
 <file path=ppt/theme/theme2.xml><?xml version="1.0" encoding="utf-8"?>
-<a:theme xmlns:a="http://schemas.openxmlformats.org/drawingml/2006/main" xmlns:r="http://schemas.openxmlformats.org/officeDocument/2006/relationships">
+<a:theme xmlns:a="http://schemas.openxmlformats.org/drawingml/2006/main">
   <a:themeElements>
     <a:clrScheme name="Default">
       <a:dk1>
@@ -8545,5 +9692,7 @@
       </a:bgFillStyleLst>
     </a:fmtScheme>
   </a:themeElements>
+  <a:objectDefaults/>
+  <a:extraClrSchemeLst/>
 </a:theme>
 </file>
--- a/AccountX.pptx
+++ b/AccountX.pptx
@@ -744,8 +744,8 @@
         </p:nvSpPr>
         <p:spPr>
           <a:xfrm>
-            <a:off x="381300" y="685800"/>
-            <a:ext cx="6096075" cy="3429000"/>
+            <a:off x="381000" y="685800"/>
+            <a:ext cx="6096000" cy="3429000"/>
           </a:xfrm>
           <a:custGeom>
             <a:avLst/>
@@ -848,7 +848,7 @@
         </p:nvSpPr>
         <p:spPr>
           <a:xfrm>
-            <a:off x="381300" y="685800"/>
+            <a:off x="381000" y="685800"/>
             <a:ext cx="6096000" cy="3429000"/>
           </a:xfrm>
           <a:custGeom>
@@ -952,7 +952,7 @@
         </p:nvSpPr>
         <p:spPr>
           <a:xfrm>
-            <a:off x="381300" y="685800"/>
+            <a:off x="381000" y="685800"/>
             <a:ext cx="6096000" cy="3429000"/>
           </a:xfrm>
           <a:custGeom>
@@ -6293,6 +6293,43 @@
           </a:p>
         </p:txBody>
       </p:sp>
+      <p:sp>
+        <p:nvSpPr>
+          <p:cNvPr id="2" name="ZoneTexte 1">
+            <a:extLst>
+              <a:ext uri="{FF2B5EF4-FFF2-40B4-BE49-F238E27FC236}">
+                <a16:creationId xmlns:a16="http://schemas.microsoft.com/office/drawing/2014/main" id="{B26F55CF-25B8-50F5-B212-CAD30CEE029D}"/>
+              </a:ext>
+            </a:extLst>
+          </p:cNvPr>
+          <p:cNvSpPr txBox="1"/>
+          <p:nvPr/>
+        </p:nvSpPr>
+        <p:spPr>
+          <a:xfrm>
+            <a:off x="2851322" y="4837425"/>
+            <a:ext cx="3519055" cy="215444"/>
+          </a:xfrm>
+          <a:prstGeom prst="rect">
+            <a:avLst/>
+          </a:prstGeom>
+          <a:noFill/>
+        </p:spPr>
+        <p:txBody>
+          <a:bodyPr wrap="square" rtlCol="0">
+            <a:spAutoFit/>
+          </a:bodyPr>
+          <a:lstStyle/>
+          <a:p>
+            <a:pPr algn="ctr"/>
+            <a:r>
+              <a:rPr lang="fr-FR" sz="800"/>
+              <a:t>https://github.com/Tartopoiro/ITFAM</a:t>
+            </a:r>
+            <a:endParaRPr lang="fr-FR" sz="800" dirty="0"/>
+          </a:p>
+        </p:txBody>
+      </p:sp>
     </p:spTree>
   </p:cSld>
   <p:clrMapOvr>
@@ -6340,12 +6377,8 @@
           <a:lstStyle/>
           <a:p>
             <a:r>
-              <a:rPr lang="fr-FR" dirty="0" err="1"/>
-              <a:t>Apperçu</a:t>
-            </a:r>
-            <a:r>
               <a:rPr lang="fr-FR" dirty="0"/>
-              <a:t> </a:t>
+              <a:t>Aperçus </a:t>
             </a:r>
           </a:p>
         </p:txBody>
@@ -6720,14 +6753,14 @@
               <a:buChar char="●"/>
             </a:pPr>
             <a:r>
-              <a:rPr lang="fr">
+              <a:rPr lang="fr" dirty="0">
                 <a:solidFill>
                   <a:schemeClr val="dk1"/>
                 </a:solidFill>
               </a:rPr>
               <a:t>La saisie des immobilisations et financements</a:t>
             </a:r>
-            <a:endParaRPr>
+            <a:endParaRPr dirty="0">
               <a:solidFill>
                 <a:schemeClr val="dk1"/>
               </a:solidFill>
@@ -6748,14 +6781,14 @@
               <a:buChar char="●"/>
             </a:pPr>
             <a:r>
-              <a:rPr lang="fr">
+              <a:rPr lang="fr" dirty="0">
                 <a:solidFill>
                   <a:schemeClr val="dk1"/>
                 </a:solidFill>
               </a:rPr>
               <a:t>La possibilité de personnaliser son plan comptable</a:t>
             </a:r>
-            <a:endParaRPr>
+            <a:endParaRPr dirty="0">
               <a:solidFill>
                 <a:schemeClr val="dk1"/>
               </a:solidFill>
@@ -6776,14 +6809,14 @@
               <a:buChar char="●"/>
             </a:pPr>
             <a:r>
-              <a:rPr lang="fr">
+              <a:rPr lang="fr" dirty="0">
                 <a:solidFill>
                   <a:schemeClr val="dk1"/>
                 </a:solidFill>
               </a:rPr>
-              <a:t>Le passage automatique d’écritures d’inventaire</a:t>
+              <a:t>Le passage automatique de certaines écritures d’inventaire</a:t>
             </a:r>
-            <a:endParaRPr>
+            <a:endParaRPr dirty="0">
               <a:solidFill>
                 <a:schemeClr val="dk1"/>
               </a:solidFill>
@@ -6804,14 +6837,14 @@
               <a:buChar char="●"/>
             </a:pPr>
             <a:r>
-              <a:rPr lang="fr">
+              <a:rPr lang="fr" dirty="0">
                 <a:solidFill>
                   <a:schemeClr val="dk1"/>
                 </a:solidFill>
               </a:rPr>
               <a:t>La génération de tableaux d’amortissements </a:t>
             </a:r>
-            <a:endParaRPr>
+            <a:endParaRPr dirty="0">
               <a:solidFill>
                 <a:schemeClr val="dk1"/>
               </a:solidFill>
@@ -6832,14 +6865,14 @@
               <a:buChar char="●"/>
             </a:pPr>
             <a:r>
-              <a:rPr lang="fr">
+              <a:rPr lang="fr" dirty="0">
                 <a:solidFill>
                   <a:schemeClr val="dk1"/>
                 </a:solidFill>
               </a:rPr>
               <a:t>La gestion des utilisateurs et des habilitations</a:t>
             </a:r>
-            <a:endParaRPr>
+            <a:endParaRPr dirty="0">
               <a:solidFill>
                 <a:schemeClr val="dk1"/>
               </a:solidFill>
@@ -6860,14 +6893,14 @@
               <a:buChar char="●"/>
             </a:pPr>
             <a:r>
-              <a:rPr lang="fr">
+              <a:rPr lang="fr" dirty="0">
                 <a:solidFill>
                   <a:schemeClr val="dk1"/>
                 </a:solidFill>
               </a:rPr>
               <a:t>La gestion de la comptabilité analytique et des fonctionnalités avancées concernant les ventes/stocks</a:t>
             </a:r>
-            <a:endParaRPr>
+            <a:endParaRPr dirty="0">
               <a:solidFill>
                 <a:schemeClr val="dk1"/>
               </a:solidFill>
@@ -6888,14 +6921,14 @@
               <a:buChar char="●"/>
             </a:pPr>
             <a:r>
-              <a:rPr lang="fr">
+              <a:rPr lang="fr" dirty="0">
                 <a:solidFill>
                   <a:schemeClr val="dk1"/>
                 </a:solidFill>
               </a:rPr>
               <a:t>L’édition de bilan </a:t>
             </a:r>
-            <a:endParaRPr>
+            <a:endParaRPr dirty="0">
               <a:solidFill>
                 <a:schemeClr val="dk1"/>
               </a:solidFill>
@@ -6916,14 +6949,14 @@
               <a:buChar char="●"/>
             </a:pPr>
             <a:r>
-              <a:rPr lang="fr">
+              <a:rPr lang="fr" dirty="0">
                 <a:solidFill>
                   <a:schemeClr val="dk1"/>
                 </a:solidFill>
               </a:rPr>
               <a:t>UX/UI et raccourci clavier</a:t>
             </a:r>
-            <a:endParaRPr>
+            <a:endParaRPr dirty="0">
               <a:solidFill>
                 <a:schemeClr val="dk1"/>
               </a:solidFill>
@@ -6944,14 +6977,14 @@
               <a:buChar char="●"/>
             </a:pPr>
             <a:r>
-              <a:rPr lang="fr">
+              <a:rPr lang="fr" dirty="0">
                 <a:solidFill>
                   <a:schemeClr val="dk1"/>
                 </a:solidFill>
               </a:rPr>
               <a:t>La gestion de la déclaration de TVA</a:t>
             </a:r>
-            <a:endParaRPr>
+            <a:endParaRPr dirty="0">
               <a:solidFill>
                 <a:schemeClr val="dk1"/>
               </a:solidFill>
@@ -6972,14 +7005,14 @@
               <a:buChar char="●"/>
             </a:pPr>
             <a:r>
-              <a:rPr lang="fr">
+              <a:rPr lang="fr" dirty="0">
                 <a:solidFill>
                   <a:schemeClr val="dk1"/>
                 </a:solidFill>
               </a:rPr>
               <a:t>Automatisation du rapprochement bancaire (EBICS) et lettrage</a:t>
             </a:r>
-            <a:endParaRPr>
+            <a:endParaRPr dirty="0">
               <a:solidFill>
                 <a:schemeClr val="dk1"/>
               </a:solidFill>
@@ -7000,14 +7033,14 @@
               <a:buChar char="●"/>
             </a:pPr>
             <a:r>
-              <a:rPr lang="fr">
+              <a:rPr lang="fr" dirty="0">
                 <a:solidFill>
                   <a:schemeClr val="dk1"/>
                 </a:solidFill>
               </a:rPr>
-              <a:t>L’import d’écriture comptable issue d’OCR avancée sur le marché (DEXT…) ou de facture électronique (jefacture.com…)</a:t>
+              <a:t>L’import d’écriture comptable issue d’OCR avancé sur le marché (DEXT…) ou de facture électronique (jefacture.com…)</a:t>
             </a:r>
-            <a:endParaRPr>
+            <a:endParaRPr dirty="0">
               <a:solidFill>
                 <a:schemeClr val="dk1"/>
               </a:solidFill>
@@ -7028,14 +7061,14 @@
               <a:buChar char="●"/>
             </a:pPr>
             <a:r>
-              <a:rPr lang="fr">
+              <a:rPr lang="fr" dirty="0">
                 <a:solidFill>
                   <a:schemeClr val="dk1"/>
                 </a:solidFill>
               </a:rPr>
-              <a:t>La gestion de l'impôts sur les bénéfices (IS/BA/BNC/BIC)</a:t>
+              <a:t>La gestion de l'impôt sur les bénéfices (IS/BA/BNC/BIC)</a:t>
             </a:r>
-            <a:endParaRPr>
+            <a:endParaRPr dirty="0">
               <a:solidFill>
                 <a:schemeClr val="dk1"/>
               </a:solidFill>
@@ -7056,14 +7089,14 @@
               <a:buChar char="●"/>
             </a:pPr>
             <a:r>
-              <a:rPr lang="fr">
+              <a:rPr lang="fr" dirty="0">
                 <a:solidFill>
                   <a:schemeClr val="dk1"/>
                 </a:solidFill>
               </a:rPr>
               <a:t>Réécriture de l’appli en C# .NET pour en faire une desktop app</a:t>
             </a:r>
-            <a:endParaRPr>
+            <a:endParaRPr dirty="0">
               <a:solidFill>
                 <a:schemeClr val="dk1"/>
               </a:solidFill>
@@ -7084,14 +7117,14 @@
               <a:buChar char="●"/>
             </a:pPr>
             <a:r>
-              <a:rPr lang="fr">
+              <a:rPr lang="fr" dirty="0">
                 <a:solidFill>
                   <a:schemeClr val="dk1"/>
                 </a:solidFill>
               </a:rPr>
               <a:t>Utilisation d’une DAOFactory et stockage sous plusieurs formats et stockage GED.</a:t>
             </a:r>
-            <a:endParaRPr>
+            <a:endParaRPr dirty="0">
               <a:solidFill>
                 <a:schemeClr val="dk1"/>
               </a:solidFill>
@@ -7112,14 +7145,14 @@
               <a:buChar char="●"/>
             </a:pPr>
             <a:r>
-              <a:rPr lang="fr">
+              <a:rPr lang="fr" dirty="0">
                 <a:solidFill>
                   <a:schemeClr val="dk1"/>
                 </a:solidFill>
               </a:rPr>
-              <a:t>Développement de la BDD pour stocker des timestamps afin de tracer les productions comptables</a:t>
+              <a:t>Développement de la BDD pour stocker des timestamps afin de tracer l’historique des productions comptables</a:t>
             </a:r>
-            <a:endParaRPr>
+            <a:endParaRPr dirty="0">
               <a:solidFill>
                 <a:schemeClr val="dk1"/>
               </a:solidFill>
@@ -7187,10 +7220,16 @@
               <a:buNone/>
             </a:pPr>
             <a:r>
-              <a:rPr lang="fr"/>
-              <a:t>Le projet AccountX</a:t>
+              <a:rPr lang="fr" dirty="0"/>
+              <a:t>Le projet </a:t>
             </a:r>
-            <a:endParaRPr/>
+            <a:r>
+              <a:rPr lang="fr" dirty="0">
+                <a:hlinkClick r:id="rId3"/>
+              </a:rPr>
+              <a:t>AccountX</a:t>
+            </a:r>
+            <a:endParaRPr dirty="0"/>
           </a:p>
         </p:txBody>
       </p:sp>
@@ -7233,14 +7272,14 @@
               <a:buChar char="●"/>
             </a:pPr>
             <a:r>
-              <a:rPr lang="fr">
+              <a:rPr lang="fr" dirty="0">
                 <a:solidFill>
                   <a:schemeClr val="dk1"/>
                 </a:solidFill>
               </a:rPr>
               <a:t>C’est un logiciel de saisie comptable selon les normes françaises</a:t>
             </a:r>
-            <a:endParaRPr>
+            <a:endParaRPr dirty="0">
               <a:solidFill>
                 <a:schemeClr val="dk1"/>
               </a:solidFill>
@@ -7261,14 +7300,14 @@
               <a:buChar char="●"/>
             </a:pPr>
             <a:r>
-              <a:rPr lang="fr">
+              <a:rPr lang="fr" dirty="0">
                 <a:solidFill>
                   <a:schemeClr val="dk1"/>
                 </a:solidFill>
               </a:rPr>
               <a:t>L’objectif est de rendre accessible la comptabilité auprès des PME</a:t>
             </a:r>
-            <a:endParaRPr>
+            <a:endParaRPr dirty="0">
               <a:solidFill>
                 <a:schemeClr val="dk1"/>
               </a:solidFill>
@@ -7289,14 +7328,14 @@
               <a:buChar char="●"/>
             </a:pPr>
             <a:r>
-              <a:rPr lang="fr">
+              <a:rPr lang="fr" dirty="0">
                 <a:solidFill>
                   <a:schemeClr val="dk1"/>
                 </a:solidFill>
               </a:rPr>
-              <a:t>Il s’agit d’un projet personnel qui a pour but de m’initier à Java SE/EE et que j’améliorerais tout au long de ma progression universitaire.</a:t>
+              <a:t>Il s’agit d’un projet personnel qui a pour but de m’initier à Java SE/EE et que j’améliorerai tout au long de ma progression universitaire.</a:t>
             </a:r>
-            <a:endParaRPr>
+            <a:endParaRPr dirty="0">
               <a:solidFill>
                 <a:schemeClr val="dk1"/>
               </a:solidFill>
@@ -7317,14 +7356,14 @@
               <a:buChar char="●"/>
             </a:pPr>
             <a:r>
-              <a:rPr lang="fr">
+              <a:rPr lang="fr" dirty="0">
                 <a:solidFill>
                   <a:schemeClr val="dk1"/>
                 </a:solidFill>
               </a:rPr>
               <a:t>Ceci s’inscrit dans une volonté plus grande de fournir des logiciels de gestion open source sous un nom commun (ITFAM), je souhaite proposer plusieurs projets de ce type au cours de mes études (gestion du personnel, des stocks, outil financier divers…).</a:t>
             </a:r>
-            <a:endParaRPr>
+            <a:endParaRPr dirty="0">
               <a:solidFill>
                 <a:schemeClr val="dk1"/>
               </a:solidFill>
@@ -7340,7 +7379,7 @@
               </a:spcAft>
               <a:buNone/>
             </a:pPr>
-            <a:endParaRPr>
+            <a:endParaRPr dirty="0">
               <a:solidFill>
                 <a:schemeClr val="dk1"/>
               </a:solidFill>
@@ -7512,14 +7551,14 @@
               <a:buChar char="●"/>
             </a:pPr>
             <a:r>
-              <a:rPr lang="fr">
+              <a:rPr lang="fr" dirty="0">
                 <a:solidFill>
                   <a:schemeClr val="dk1"/>
                 </a:solidFill>
               </a:rPr>
               <a:t>Une fonctionnalité de saisie d’achat/vente</a:t>
             </a:r>
-            <a:endParaRPr>
+            <a:endParaRPr dirty="0">
               <a:solidFill>
                 <a:schemeClr val="dk1"/>
               </a:solidFill>
@@ -7540,14 +7579,14 @@
               <a:buChar char="●"/>
             </a:pPr>
             <a:r>
-              <a:rPr lang="fr">
+              <a:rPr lang="fr" dirty="0">
                 <a:solidFill>
                   <a:schemeClr val="dk1"/>
                 </a:solidFill>
               </a:rPr>
               <a:t>Une interface rapide avec l’autocompletion omniprésente</a:t>
             </a:r>
-            <a:endParaRPr>
+            <a:endParaRPr dirty="0">
               <a:solidFill>
                 <a:schemeClr val="dk1"/>
               </a:solidFill>
@@ -7568,14 +7607,14 @@
               <a:buChar char="●"/>
             </a:pPr>
             <a:r>
-              <a:rPr lang="fr">
+              <a:rPr lang="fr" dirty="0">
                 <a:solidFill>
                   <a:schemeClr val="dk1"/>
                 </a:solidFill>
               </a:rPr>
               <a:t>La gestion de ses fournisseurs </a:t>
             </a:r>
-            <a:endParaRPr>
+            <a:endParaRPr dirty="0">
               <a:solidFill>
                 <a:schemeClr val="dk1"/>
               </a:solidFill>
@@ -7596,14 +7635,14 @@
               <a:buChar char="●"/>
             </a:pPr>
             <a:r>
-              <a:rPr lang="fr">
+              <a:rPr lang="fr" dirty="0">
                 <a:solidFill>
                   <a:schemeClr val="dk1"/>
                 </a:solidFill>
               </a:rPr>
-              <a:t>L’édition de balance et de comptes de résultats</a:t>
+              <a:t>L’édition de balances et de comptes de résultats</a:t>
             </a:r>
-            <a:endParaRPr>
+            <a:endParaRPr dirty="0">
               <a:solidFill>
                 <a:schemeClr val="dk1"/>
               </a:solidFill>
@@ -7624,14 +7663,14 @@
               <a:buChar char="●"/>
             </a:pPr>
             <a:r>
-              <a:rPr lang="fr">
+              <a:rPr lang="fr" dirty="0">
                 <a:solidFill>
                   <a:schemeClr val="dk1"/>
                 </a:solidFill>
               </a:rPr>
               <a:t>Une persistance des informations comptables</a:t>
             </a:r>
-            <a:endParaRPr>
+            <a:endParaRPr dirty="0">
               <a:solidFill>
                 <a:schemeClr val="dk1"/>
               </a:solidFill>
@@ -7652,14 +7691,14 @@
               <a:buChar char="●"/>
             </a:pPr>
             <a:r>
-              <a:rPr lang="fr">
+              <a:rPr lang="fr" dirty="0">
                 <a:solidFill>
                   <a:schemeClr val="dk1"/>
                 </a:solidFill>
               </a:rPr>
               <a:t>La possibilité de gérer plusieurs sociétés</a:t>
             </a:r>
-            <a:endParaRPr>
+            <a:endParaRPr dirty="0">
               <a:solidFill>
                 <a:schemeClr val="dk1"/>
               </a:solidFill>
@@ -7680,14 +7719,14 @@
               <a:buChar char="●"/>
             </a:pPr>
             <a:r>
-              <a:rPr lang="fr">
+              <a:rPr lang="fr" dirty="0">
                 <a:solidFill>
                   <a:schemeClr val="dk1"/>
                 </a:solidFill>
               </a:rPr>
               <a:t>L’export d’un fichier CSV au format FEC selon les exigences de l’administration fiscale française</a:t>
             </a:r>
-            <a:endParaRPr>
+            <a:endParaRPr dirty="0">
               <a:solidFill>
                 <a:schemeClr val="dk1"/>
               </a:solidFill>
@@ -7703,7 +7742,7 @@
               </a:spcAft>
               <a:buNone/>
             </a:pPr>
-            <a:endParaRPr>
+            <a:endParaRPr dirty="0">
               <a:solidFill>
                 <a:schemeClr val="dk1"/>
               </a:solidFill>
@@ -7772,7 +7811,7 @@
             </a:pPr>
             <a:r>
               <a:rPr lang="fr" dirty="0"/>
-              <a:t>Spécificité technique, logiciel et dépendances</a:t>
+              <a:t>Spécificités technique, logiciel et dépendances</a:t>
             </a:r>
             <a:endParaRPr dirty="0"/>
           </a:p>
@@ -8232,14 +8271,14 @@
               <a:buChar char="●"/>
             </a:pPr>
             <a:r>
-              <a:rPr lang="fr">
+              <a:rPr lang="fr" dirty="0">
                 <a:solidFill>
                   <a:schemeClr val="dk1"/>
                 </a:solidFill>
               </a:rPr>
               <a:t>Application WEB avec utilisation de JSP et servlet</a:t>
             </a:r>
-            <a:endParaRPr>
+            <a:endParaRPr dirty="0">
               <a:solidFill>
                 <a:schemeClr val="dk1"/>
               </a:solidFill>
@@ -8260,14 +8299,14 @@
               <a:buChar char="●"/>
             </a:pPr>
             <a:r>
-              <a:rPr lang="fr">
+              <a:rPr lang="fr" dirty="0">
                 <a:solidFill>
                   <a:schemeClr val="dk1"/>
                 </a:solidFill>
               </a:rPr>
               <a:t>Modèle MVC </a:t>
             </a:r>
-            <a:endParaRPr>
+            <a:endParaRPr dirty="0">
               <a:solidFill>
                 <a:schemeClr val="dk1"/>
               </a:solidFill>
@@ -8288,14 +8327,14 @@
               <a:buChar char="○"/>
             </a:pPr>
             <a:r>
-              <a:rPr lang="fr">
+              <a:rPr lang="fr" dirty="0">
                 <a:solidFill>
                   <a:schemeClr val="dk1"/>
                 </a:solidFill>
               </a:rPr>
               <a:t>Modèle : Entités java avec un mapping fait d’annotations personnalisées</a:t>
             </a:r>
-            <a:endParaRPr>
+            <a:endParaRPr dirty="0">
               <a:solidFill>
                 <a:schemeClr val="dk1"/>
               </a:solidFill>
@@ -8316,14 +8355,14 @@
               <a:buChar char="○"/>
             </a:pPr>
             <a:r>
-              <a:rPr lang="fr">
+              <a:rPr lang="fr" dirty="0">
                 <a:solidFill>
                   <a:schemeClr val="dk1"/>
                 </a:solidFill>
               </a:rPr>
               <a:t>View : JSP</a:t>
             </a:r>
-            <a:endParaRPr>
+            <a:endParaRPr dirty="0">
               <a:solidFill>
                 <a:schemeClr val="dk1"/>
               </a:solidFill>
@@ -8344,14 +8383,14 @@
               <a:buChar char="○"/>
             </a:pPr>
             <a:r>
-              <a:rPr lang="fr">
+              <a:rPr lang="fr" dirty="0">
                 <a:solidFill>
                   <a:schemeClr val="dk1"/>
                 </a:solidFill>
               </a:rPr>
               <a:t>Contrôleur : Servlets</a:t>
             </a:r>
-            <a:endParaRPr>
+            <a:endParaRPr dirty="0">
               <a:solidFill>
                 <a:schemeClr val="dk1"/>
               </a:solidFill>
@@ -8372,14 +8411,14 @@
               <a:buChar char="●"/>
             </a:pPr>
             <a:r>
-              <a:rPr lang="fr">
+              <a:rPr lang="fr" dirty="0">
                 <a:solidFill>
                   <a:schemeClr val="dk1"/>
                 </a:solidFill>
               </a:rPr>
-              <a:t>Base de donnée normalisé FN3+ </a:t>
+              <a:t>Base de donnée normalisée FN3+ </a:t>
             </a:r>
-            <a:endParaRPr>
+            <a:endParaRPr dirty="0">
               <a:solidFill>
                 <a:schemeClr val="dk1"/>
               </a:solidFill>
@@ -8400,14 +8439,14 @@
               <a:buChar char="●"/>
             </a:pPr>
             <a:r>
-              <a:rPr lang="fr">
+              <a:rPr lang="fr" dirty="0">
                 <a:solidFill>
                   <a:schemeClr val="dk1"/>
                 </a:solidFill>
               </a:rPr>
               <a:t>Sans ORM, mapping par annotations personnalisées pour une meilleure indépendance vis à vis de JPA/hibernate </a:t>
             </a:r>
-            <a:endParaRPr>
+            <a:endParaRPr dirty="0">
               <a:solidFill>
                 <a:schemeClr val="dk1"/>
               </a:solidFill>
@@ -8428,14 +8467,14 @@
               <a:buChar char="●"/>
             </a:pPr>
             <a:r>
-              <a:rPr lang="fr">
+              <a:rPr lang="fr" dirty="0">
                 <a:solidFill>
                   <a:schemeClr val="dk1"/>
                 </a:solidFill>
               </a:rPr>
               <a:t>Algorithme de hachage utilisé : SHA 256</a:t>
             </a:r>
-            <a:endParaRPr>
+            <a:endParaRPr dirty="0">
               <a:solidFill>
                 <a:schemeClr val="dk1"/>
               </a:solidFill>
@@ -8456,14 +8495,14 @@
               <a:buChar char="●"/>
             </a:pPr>
             <a:r>
-              <a:rPr lang="fr">
+              <a:rPr lang="fr" dirty="0">
                 <a:solidFill>
                   <a:schemeClr val="dk1"/>
                 </a:solidFill>
               </a:rPr>
               <a:t>Utilisation d’un DAO et de la récursivité sous java pour une moindre dépendance au SGBD</a:t>
             </a:r>
-            <a:endParaRPr>
+            <a:endParaRPr dirty="0">
               <a:solidFill>
                 <a:schemeClr val="dk1"/>
               </a:solidFill>
@@ -8479,7 +8518,7 @@
               </a:spcAft>
               <a:buNone/>
             </a:pPr>
-            <a:endParaRPr>
+            <a:endParaRPr dirty="0">
               <a:solidFill>
                 <a:schemeClr val="dk1"/>
               </a:solidFill>
@@ -8495,7 +8534,7 @@
               </a:spcAft>
               <a:buNone/>
             </a:pPr>
-            <a:endParaRPr>
+            <a:endParaRPr dirty="0">
               <a:solidFill>
                 <a:schemeClr val="dk1"/>
               </a:solidFill>
@@ -8511,7 +8550,7 @@
               </a:spcAft>
               <a:buNone/>
             </a:pPr>
-            <a:endParaRPr>
+            <a:endParaRPr dirty="0">
               <a:solidFill>
                 <a:schemeClr val="dk1"/>
               </a:solidFill>
